--- a/Materials/ldd.pptx
+++ b/Materials/ldd.pptx
@@ -24,22 +24,26 @@
     <p:sldId id="287" r:id="rId18"/>
     <p:sldId id="288" r:id="rId19"/>
     <p:sldId id="272" r:id="rId20"/>
-    <p:sldId id="258" r:id="rId21"/>
-    <p:sldId id="289" r:id="rId22"/>
-    <p:sldId id="290" r:id="rId23"/>
-    <p:sldId id="259" r:id="rId24"/>
-    <p:sldId id="260" r:id="rId25"/>
-    <p:sldId id="261" r:id="rId26"/>
-    <p:sldId id="262" r:id="rId27"/>
-    <p:sldId id="263" r:id="rId28"/>
-    <p:sldId id="264" r:id="rId29"/>
-    <p:sldId id="265" r:id="rId30"/>
-    <p:sldId id="266" r:id="rId31"/>
-    <p:sldId id="267" r:id="rId32"/>
-    <p:sldId id="268" r:id="rId33"/>
-    <p:sldId id="269" r:id="rId34"/>
-    <p:sldId id="270" r:id="rId35"/>
-    <p:sldId id="271" r:id="rId36"/>
+    <p:sldId id="291" r:id="rId21"/>
+    <p:sldId id="292" r:id="rId22"/>
+    <p:sldId id="293" r:id="rId23"/>
+    <p:sldId id="294" r:id="rId24"/>
+    <p:sldId id="258" r:id="rId25"/>
+    <p:sldId id="289" r:id="rId26"/>
+    <p:sldId id="290" r:id="rId27"/>
+    <p:sldId id="259" r:id="rId28"/>
+    <p:sldId id="260" r:id="rId29"/>
+    <p:sldId id="261" r:id="rId30"/>
+    <p:sldId id="262" r:id="rId31"/>
+    <p:sldId id="263" r:id="rId32"/>
+    <p:sldId id="264" r:id="rId33"/>
+    <p:sldId id="265" r:id="rId34"/>
+    <p:sldId id="266" r:id="rId35"/>
+    <p:sldId id="267" r:id="rId36"/>
+    <p:sldId id="268" r:id="rId37"/>
+    <p:sldId id="269" r:id="rId38"/>
+    <p:sldId id="270" r:id="rId39"/>
+    <p:sldId id="271" r:id="rId40"/>
   </p:sldIdLst>
   <p:sldSz cx="12192000" cy="6858000"/>
   <p:notesSz cx="6858000" cy="9144000"/>
@@ -11955,9 +11959,1951 @@
           <a:lstStyle/>
           <a:p>
             <a:r>
+              <a:rPr lang="en-US" dirty="0"/>
+              <a:t>CHARACTER DRIVERS</a:t>
+            </a:r>
+            <a:endParaRPr lang="en-IN" dirty="0"/>
+          </a:p>
+        </p:txBody>
+      </p:sp>
+      <p:sp>
+        <p:nvSpPr>
+          <p:cNvPr id="5" name="Rectangle 4"/>
+          <p:cNvSpPr/>
+          <p:nvPr/>
+        </p:nvSpPr>
+        <p:spPr>
+          <a:xfrm>
+            <a:off x="393700" y="5226447"/>
+            <a:ext cx="2882900" cy="431800"/>
+          </a:xfrm>
+          <a:prstGeom prst="rect">
+            <a:avLst/>
+          </a:prstGeom>
+        </p:spPr>
+        <p:style>
+          <a:lnRef idx="2">
+            <a:schemeClr val="accent1">
+              <a:shade val="50000"/>
+            </a:schemeClr>
+          </a:lnRef>
+          <a:fillRef idx="1">
+            <a:schemeClr val="accent1"/>
+          </a:fillRef>
+          <a:effectRef idx="0">
+            <a:schemeClr val="accent1"/>
+          </a:effectRef>
+          <a:fontRef idx="minor">
+            <a:schemeClr val="lt1"/>
+          </a:fontRef>
+        </p:style>
+        <p:txBody>
+          <a:bodyPr rtlCol="0" anchor="ctr"/>
+          <a:lstStyle/>
+          <a:p>
+            <a:pPr algn="ctr"/>
+            <a:r>
               <a:rPr lang="en-US" dirty="0" smtClean="0"/>
-              <a:t>CHARACTER DRIVERS</a:t>
-            </a:r>
+              <a:t>Character Device</a:t>
+            </a:r>
+            <a:endParaRPr lang="en-IN" dirty="0"/>
+          </a:p>
+        </p:txBody>
+      </p:sp>
+      <p:sp>
+        <p:nvSpPr>
+          <p:cNvPr id="6" name="Rectangle 5"/>
+          <p:cNvSpPr/>
+          <p:nvPr/>
+        </p:nvSpPr>
+        <p:spPr>
+          <a:xfrm>
+            <a:off x="393700" y="4466432"/>
+            <a:ext cx="2882900" cy="550068"/>
+          </a:xfrm>
+          <a:prstGeom prst="rect">
+            <a:avLst/>
+          </a:prstGeom>
+        </p:spPr>
+        <p:style>
+          <a:lnRef idx="2">
+            <a:schemeClr val="accent1">
+              <a:shade val="50000"/>
+            </a:schemeClr>
+          </a:lnRef>
+          <a:fillRef idx="1">
+            <a:schemeClr val="accent1"/>
+          </a:fillRef>
+          <a:effectRef idx="0">
+            <a:schemeClr val="accent1"/>
+          </a:effectRef>
+          <a:fontRef idx="minor">
+            <a:schemeClr val="lt1"/>
+          </a:fontRef>
+        </p:style>
+        <p:txBody>
+          <a:bodyPr rtlCol="0" anchor="ctr"/>
+          <a:lstStyle/>
+          <a:p>
+            <a:pPr algn="ctr"/>
+            <a:r>
+              <a:rPr lang="en-US" dirty="0" smtClean="0"/>
+              <a:t>Character Device Driver</a:t>
+            </a:r>
+          </a:p>
+          <a:p>
+            <a:pPr algn="ctr"/>
+            <a:r>
+              <a:rPr lang="en-US" dirty="0" smtClean="0"/>
+              <a:t>Operations()</a:t>
+            </a:r>
+            <a:endParaRPr lang="en-IN" dirty="0"/>
+          </a:p>
+        </p:txBody>
+      </p:sp>
+      <p:sp>
+        <p:nvSpPr>
+          <p:cNvPr id="7" name="Rectangle 6"/>
+          <p:cNvSpPr/>
+          <p:nvPr/>
+        </p:nvSpPr>
+        <p:spPr>
+          <a:xfrm>
+            <a:off x="101600" y="3667723"/>
+            <a:ext cx="3441700" cy="515341"/>
+          </a:xfrm>
+          <a:prstGeom prst="rect">
+            <a:avLst/>
+          </a:prstGeom>
+        </p:spPr>
+        <p:style>
+          <a:lnRef idx="2">
+            <a:schemeClr val="accent1">
+              <a:shade val="50000"/>
+            </a:schemeClr>
+          </a:lnRef>
+          <a:fillRef idx="1">
+            <a:schemeClr val="accent1"/>
+          </a:fillRef>
+          <a:effectRef idx="0">
+            <a:schemeClr val="accent1"/>
+          </a:effectRef>
+          <a:fontRef idx="minor">
+            <a:schemeClr val="lt1"/>
+          </a:fontRef>
+        </p:style>
+        <p:txBody>
+          <a:bodyPr rtlCol="0" anchor="ctr"/>
+          <a:lstStyle/>
+          <a:p>
+            <a:pPr algn="ctr"/>
+            <a:r>
+              <a:rPr lang="en-US" dirty="0" smtClean="0"/>
+              <a:t>Character Device File</a:t>
+            </a:r>
+          </a:p>
+          <a:p>
+            <a:pPr algn="ctr"/>
+            <a:r>
+              <a:rPr lang="en-US" dirty="0" smtClean="0"/>
+              <a:t>Register(), linking device file </a:t>
+            </a:r>
+            <a:r>
+              <a:rPr lang="en-US" dirty="0" err="1" smtClean="0"/>
+              <a:t>opps</a:t>
+            </a:r>
+            <a:endParaRPr lang="en-IN" dirty="0"/>
+          </a:p>
+        </p:txBody>
+      </p:sp>
+      <p:sp>
+        <p:nvSpPr>
+          <p:cNvPr id="8" name="Rectangle 7"/>
+          <p:cNvSpPr/>
+          <p:nvPr/>
+        </p:nvSpPr>
+        <p:spPr>
+          <a:xfrm>
+            <a:off x="393700" y="2628900"/>
+            <a:ext cx="2882900" cy="607023"/>
+          </a:xfrm>
+          <a:prstGeom prst="rect">
+            <a:avLst/>
+          </a:prstGeom>
+        </p:spPr>
+        <p:style>
+          <a:lnRef idx="2">
+            <a:schemeClr val="accent1">
+              <a:shade val="50000"/>
+            </a:schemeClr>
+          </a:lnRef>
+          <a:fillRef idx="1">
+            <a:schemeClr val="accent1"/>
+          </a:fillRef>
+          <a:effectRef idx="0">
+            <a:schemeClr val="accent1"/>
+          </a:effectRef>
+          <a:fontRef idx="minor">
+            <a:schemeClr val="lt1"/>
+          </a:fontRef>
+        </p:style>
+        <p:txBody>
+          <a:bodyPr rtlCol="0" anchor="ctr"/>
+          <a:lstStyle/>
+          <a:p>
+            <a:pPr algn="ctr"/>
+            <a:r>
+              <a:rPr lang="en-US" dirty="0" smtClean="0"/>
+              <a:t>Application</a:t>
+            </a:r>
+          </a:p>
+          <a:p>
+            <a:pPr algn="ctr"/>
+            <a:r>
+              <a:rPr lang="en-US" dirty="0" smtClean="0"/>
+              <a:t>Open()</a:t>
+            </a:r>
+            <a:endParaRPr lang="en-IN" dirty="0"/>
+          </a:p>
+        </p:txBody>
+      </p:sp>
+      <p:cxnSp>
+        <p:nvCxnSpPr>
+          <p:cNvPr id="10" name="Straight Arrow Connector 9"/>
+          <p:cNvCxnSpPr>
+            <a:stCxn id="8" idx="2"/>
+            <a:endCxn id="7" idx="0"/>
+          </p:cNvCxnSpPr>
+          <p:nvPr/>
+        </p:nvCxnSpPr>
+        <p:spPr>
+          <a:xfrm flipH="1">
+            <a:off x="1822450" y="3235923"/>
+            <a:ext cx="12700" cy="431800"/>
+          </a:xfrm>
+          <a:prstGeom prst="straightConnector1">
+            <a:avLst/>
+          </a:prstGeom>
+          <a:ln>
+            <a:tailEnd type="triangle"/>
+          </a:ln>
+        </p:spPr>
+        <p:style>
+          <a:lnRef idx="1">
+            <a:schemeClr val="accent1"/>
+          </a:lnRef>
+          <a:fillRef idx="0">
+            <a:schemeClr val="accent1"/>
+          </a:fillRef>
+          <a:effectRef idx="0">
+            <a:schemeClr val="accent1"/>
+          </a:effectRef>
+          <a:fontRef idx="minor">
+            <a:schemeClr val="tx1"/>
+          </a:fontRef>
+        </p:style>
+      </p:cxnSp>
+      <p:cxnSp>
+        <p:nvCxnSpPr>
+          <p:cNvPr id="13" name="Straight Arrow Connector 12"/>
+          <p:cNvCxnSpPr>
+            <a:stCxn id="7" idx="2"/>
+            <a:endCxn id="6" idx="0"/>
+          </p:cNvCxnSpPr>
+          <p:nvPr/>
+        </p:nvCxnSpPr>
+        <p:spPr>
+          <a:xfrm>
+            <a:off x="1822450" y="4183064"/>
+            <a:ext cx="12700" cy="283368"/>
+          </a:xfrm>
+          <a:prstGeom prst="straightConnector1">
+            <a:avLst/>
+          </a:prstGeom>
+          <a:ln>
+            <a:tailEnd type="triangle"/>
+          </a:ln>
+        </p:spPr>
+        <p:style>
+          <a:lnRef idx="1">
+            <a:schemeClr val="accent1"/>
+          </a:lnRef>
+          <a:fillRef idx="0">
+            <a:schemeClr val="accent1"/>
+          </a:fillRef>
+          <a:effectRef idx="0">
+            <a:schemeClr val="accent1"/>
+          </a:effectRef>
+          <a:fontRef idx="minor">
+            <a:schemeClr val="tx1"/>
+          </a:fontRef>
+        </p:style>
+      </p:cxnSp>
+      <p:cxnSp>
+        <p:nvCxnSpPr>
+          <p:cNvPr id="15" name="Straight Arrow Connector 14"/>
+          <p:cNvCxnSpPr>
+            <a:stCxn id="6" idx="2"/>
+            <a:endCxn id="5" idx="0"/>
+          </p:cNvCxnSpPr>
+          <p:nvPr/>
+        </p:nvCxnSpPr>
+        <p:spPr>
+          <a:xfrm>
+            <a:off x="1835150" y="5016500"/>
+            <a:ext cx="0" cy="209947"/>
+          </a:xfrm>
+          <a:prstGeom prst="straightConnector1">
+            <a:avLst/>
+          </a:prstGeom>
+          <a:ln>
+            <a:tailEnd type="triangle"/>
+          </a:ln>
+        </p:spPr>
+        <p:style>
+          <a:lnRef idx="1">
+            <a:schemeClr val="accent1"/>
+          </a:lnRef>
+          <a:fillRef idx="0">
+            <a:schemeClr val="accent1"/>
+          </a:fillRef>
+          <a:effectRef idx="0">
+            <a:schemeClr val="accent1"/>
+          </a:effectRef>
+          <a:fontRef idx="minor">
+            <a:schemeClr val="tx1"/>
+          </a:fontRef>
+        </p:style>
+      </p:cxnSp>
+      <p:pic>
+        <p:nvPicPr>
+          <p:cNvPr id="1026" name="Picture 2" descr="https://www.opensourceforu.com/wp-content/uploads/2011/02/figure_7_character_driver_overview.png"/>
+          <p:cNvPicPr>
+            <a:picLocks noGrp="1" noChangeAspect="1" noChangeArrowheads="1"/>
+          </p:cNvPicPr>
+          <p:nvPr>
+            <p:ph idx="1"/>
+          </p:nvPr>
+        </p:nvPicPr>
+        <p:blipFill>
+          <a:blip r:embed="rId2">
+            <a:extLst>
+              <a:ext uri="{28A0092B-C50C-407E-A947-70E740481C1C}">
+                <a14:useLocalDpi xmlns:a14="http://schemas.microsoft.com/office/drawing/2010/main" val="0"/>
+              </a:ext>
+            </a:extLst>
+          </a:blip>
+          <a:srcRect/>
+          <a:stretch>
+            <a:fillRect/>
+          </a:stretch>
+        </p:blipFill>
+        <p:spPr bwMode="auto">
+          <a:xfrm>
+            <a:off x="3866947" y="1816895"/>
+            <a:ext cx="7734706" cy="4351338"/>
+          </a:xfrm>
+          <a:prstGeom prst="rect">
+            <a:avLst/>
+          </a:prstGeom>
+          <a:noFill/>
+          <a:extLst>
+            <a:ext uri="{909E8E84-426E-40DD-AFC4-6F175D3DCCD1}">
+              <a14:hiddenFill xmlns:a14="http://schemas.microsoft.com/office/drawing/2010/main">
+                <a:solidFill>
+                  <a:srgbClr val="FFFFFF"/>
+                </a:solidFill>
+              </a14:hiddenFill>
+            </a:ext>
+          </a:extLst>
+        </p:spPr>
+      </p:pic>
+    </p:spTree>
+    <p:extLst>
+      <p:ext uri="{BB962C8B-B14F-4D97-AF65-F5344CB8AC3E}">
+        <p14:creationId xmlns:p14="http://schemas.microsoft.com/office/powerpoint/2010/main" val="3940592171"/>
+      </p:ext>
+    </p:extLst>
+  </p:cSld>
+  <p:clrMapOvr>
+    <a:masterClrMapping/>
+  </p:clrMapOvr>
+</p:sld>
+</file>
+
+<file path=ppt/slides/slide21.xml><?xml version="1.0" encoding="utf-8"?>
+<p:sld xmlns:a="http://schemas.openxmlformats.org/drawingml/2006/main" xmlns:r="http://schemas.openxmlformats.org/officeDocument/2006/relationships" xmlns:p="http://schemas.openxmlformats.org/presentationml/2006/main">
+  <p:cSld>
+    <p:spTree>
+      <p:nvGrpSpPr>
+        <p:cNvPr id="1" name=""/>
+        <p:cNvGrpSpPr/>
+        <p:nvPr/>
+      </p:nvGrpSpPr>
+      <p:grpSpPr>
+        <a:xfrm>
+          <a:off x="0" y="0"/>
+          <a:ext cx="0" cy="0"/>
+          <a:chOff x="0" y="0"/>
+          <a:chExt cx="0" cy="0"/>
+        </a:xfrm>
+      </p:grpSpPr>
+      <p:sp>
+        <p:nvSpPr>
+          <p:cNvPr id="2" name="Title 1"/>
+          <p:cNvSpPr>
+            <a:spLocks noGrp="1"/>
+          </p:cNvSpPr>
+          <p:nvPr>
+            <p:ph type="title"/>
+          </p:nvPr>
+        </p:nvSpPr>
+        <p:spPr/>
+        <p:txBody>
+          <a:bodyPr/>
+          <a:lstStyle/>
+          <a:p>
+            <a:endParaRPr lang="en-IN" dirty="0"/>
+          </a:p>
+        </p:txBody>
+      </p:sp>
+      <p:sp>
+        <p:nvSpPr>
+          <p:cNvPr id="4" name="Rectangle 1"/>
+          <p:cNvSpPr>
+            <a:spLocks noGrp="1" noChangeArrowheads="1"/>
+          </p:cNvSpPr>
+          <p:nvPr>
+            <p:ph idx="1"/>
+          </p:nvPr>
+        </p:nvSpPr>
+        <p:spPr bwMode="auto">
+          <a:xfrm>
+            <a:off x="927100" y="2914508"/>
+            <a:ext cx="10515600" cy="3266860"/>
+          </a:xfrm>
+          <a:prstGeom prst="rect">
+            <a:avLst/>
+          </a:prstGeom>
+          <a:solidFill>
+            <a:srgbClr val="F9F2F4"/>
+          </a:solidFill>
+          <a:ln>
+            <a:noFill/>
+          </a:ln>
+          <a:effectLst/>
+          <a:extLst>
+            <a:ext uri="{91240B29-F687-4F45-9708-019B960494DF}">
+              <a14:hiddenLine xmlns:a14="http://schemas.microsoft.com/office/drawing/2010/main" w="9525">
+                <a:solidFill>
+                  <a:schemeClr val="tx1"/>
+                </a:solidFill>
+                <a:miter lim="800000"/>
+                <a:headEnd/>
+                <a:tailEnd/>
+              </a14:hiddenLine>
+            </a:ext>
+            <a:ext uri="{AF507438-7753-43E0-B8FC-AC1667EBCBE1}">
+              <a14:hiddenEffects xmlns:a14="http://schemas.microsoft.com/office/drawing/2010/main">
+                <a:effectLst>
+                  <a:outerShdw dist="35921" dir="2700000" algn="ctr" rotWithShape="0">
+                    <a:schemeClr val="bg2"/>
+                  </a:outerShdw>
+                </a:effectLst>
+              </a14:hiddenEffects>
+            </a:ext>
+          </a:extLst>
+        </p:spPr>
+        <p:txBody>
+          <a:bodyPr vert="horz" wrap="square" lIns="91440" tIns="0" rIns="91440" bIns="187266" numCol="1" anchor="ctr" anchorCtr="0" compatLnSpc="1">
+            <a:prstTxWarp prst="textNoShape">
+              <a:avLst/>
+            </a:prstTxWarp>
+            <a:spAutoFit/>
+          </a:bodyPr>
+          <a:lstStyle>
+            <a:lvl1pPr eaLnBrk="0" fontAlgn="base" hangingPunct="0">
+              <a:spcBef>
+                <a:spcPct val="0"/>
+              </a:spcBef>
+              <a:spcAft>
+                <a:spcPct val="0"/>
+              </a:spcAft>
+              <a:defRPr>
+                <a:solidFill>
+                  <a:schemeClr val="tx1"/>
+                </a:solidFill>
+                <a:latin typeface="Arial" panose="020B0604020202020204" pitchFamily="34" charset="0"/>
+              </a:defRPr>
+            </a:lvl1pPr>
+            <a:lvl2pPr eaLnBrk="0" fontAlgn="base" hangingPunct="0">
+              <a:spcBef>
+                <a:spcPct val="0"/>
+              </a:spcBef>
+              <a:spcAft>
+                <a:spcPct val="0"/>
+              </a:spcAft>
+              <a:defRPr>
+                <a:solidFill>
+                  <a:schemeClr val="tx1"/>
+                </a:solidFill>
+                <a:latin typeface="Arial" panose="020B0604020202020204" pitchFamily="34" charset="0"/>
+              </a:defRPr>
+            </a:lvl2pPr>
+            <a:lvl3pPr eaLnBrk="0" fontAlgn="base" hangingPunct="0">
+              <a:spcBef>
+                <a:spcPct val="0"/>
+              </a:spcBef>
+              <a:spcAft>
+                <a:spcPct val="0"/>
+              </a:spcAft>
+              <a:defRPr>
+                <a:solidFill>
+                  <a:schemeClr val="tx1"/>
+                </a:solidFill>
+                <a:latin typeface="Arial" panose="020B0604020202020204" pitchFamily="34" charset="0"/>
+              </a:defRPr>
+            </a:lvl3pPr>
+            <a:lvl4pPr eaLnBrk="0" fontAlgn="base" hangingPunct="0">
+              <a:spcBef>
+                <a:spcPct val="0"/>
+              </a:spcBef>
+              <a:spcAft>
+                <a:spcPct val="0"/>
+              </a:spcAft>
+              <a:defRPr>
+                <a:solidFill>
+                  <a:schemeClr val="tx1"/>
+                </a:solidFill>
+                <a:latin typeface="Arial" panose="020B0604020202020204" pitchFamily="34" charset="0"/>
+              </a:defRPr>
+            </a:lvl4pPr>
+            <a:lvl5pPr eaLnBrk="0" fontAlgn="base" hangingPunct="0">
+              <a:spcBef>
+                <a:spcPct val="0"/>
+              </a:spcBef>
+              <a:spcAft>
+                <a:spcPct val="0"/>
+              </a:spcAft>
+              <a:defRPr>
+                <a:solidFill>
+                  <a:schemeClr val="tx1"/>
+                </a:solidFill>
+                <a:latin typeface="Arial" panose="020B0604020202020204" pitchFamily="34" charset="0"/>
+              </a:defRPr>
+            </a:lvl5pPr>
+            <a:lvl6pPr eaLnBrk="0" fontAlgn="base" hangingPunct="0">
+              <a:spcBef>
+                <a:spcPct val="0"/>
+              </a:spcBef>
+              <a:spcAft>
+                <a:spcPct val="0"/>
+              </a:spcAft>
+              <a:defRPr>
+                <a:solidFill>
+                  <a:schemeClr val="tx1"/>
+                </a:solidFill>
+                <a:latin typeface="Arial" panose="020B0604020202020204" pitchFamily="34" charset="0"/>
+              </a:defRPr>
+            </a:lvl6pPr>
+            <a:lvl7pPr eaLnBrk="0" fontAlgn="base" hangingPunct="0">
+              <a:spcBef>
+                <a:spcPct val="0"/>
+              </a:spcBef>
+              <a:spcAft>
+                <a:spcPct val="0"/>
+              </a:spcAft>
+              <a:defRPr>
+                <a:solidFill>
+                  <a:schemeClr val="tx1"/>
+                </a:solidFill>
+                <a:latin typeface="Arial" panose="020B0604020202020204" pitchFamily="34" charset="0"/>
+              </a:defRPr>
+            </a:lvl7pPr>
+            <a:lvl8pPr eaLnBrk="0" fontAlgn="base" hangingPunct="0">
+              <a:spcBef>
+                <a:spcPct val="0"/>
+              </a:spcBef>
+              <a:spcAft>
+                <a:spcPct val="0"/>
+              </a:spcAft>
+              <a:defRPr>
+                <a:solidFill>
+                  <a:schemeClr val="tx1"/>
+                </a:solidFill>
+                <a:latin typeface="Arial" panose="020B0604020202020204" pitchFamily="34" charset="0"/>
+              </a:defRPr>
+            </a:lvl8pPr>
+            <a:lvl9pPr eaLnBrk="0" fontAlgn="base" hangingPunct="0">
+              <a:spcBef>
+                <a:spcPct val="0"/>
+              </a:spcBef>
+              <a:spcAft>
+                <a:spcPct val="0"/>
+              </a:spcAft>
+              <a:defRPr>
+                <a:solidFill>
+                  <a:schemeClr val="tx1"/>
+                </a:solidFill>
+                <a:latin typeface="Arial" panose="020B0604020202020204" pitchFamily="34" charset="0"/>
+              </a:defRPr>
+            </a:lvl9pPr>
+          </a:lstStyle>
+          <a:p>
+            <a:pPr marL="0" lvl="0" indent="0">
+              <a:lnSpc>
+                <a:spcPct val="100000"/>
+              </a:lnSpc>
+              <a:buNone/>
+            </a:pPr>
+            <a:r>
+              <a:rPr lang="en-IN" sz="2000" dirty="0"/>
+              <a:t>The connection between the application and the device file is based on the name of the device file. However, the connection between the device file and the device driver is based on the number of the device </a:t>
+            </a:r>
+            <a:r>
+              <a:rPr lang="en-IN" sz="2000" dirty="0" smtClean="0"/>
+              <a:t>file:</a:t>
+            </a:r>
+          </a:p>
+          <a:p>
+            <a:pPr marL="0" lvl="0" indent="0">
+              <a:lnSpc>
+                <a:spcPct val="100000"/>
+              </a:lnSpc>
+              <a:buNone/>
+            </a:pPr>
+            <a:endParaRPr kumimoji="0" lang="en-US" altLang="en-US" sz="2000" b="0" i="0" u="none" strike="noStrike" cap="none" normalizeH="0" baseline="0" dirty="0" smtClean="0">
+              <a:ln>
+                <a:noFill/>
+              </a:ln>
+              <a:solidFill>
+                <a:srgbClr val="353232"/>
+              </a:solidFill>
+              <a:effectLst/>
+              <a:latin typeface="Lato"/>
+            </a:endParaRPr>
+          </a:p>
+          <a:p>
+            <a:pPr marL="0" marR="0" lvl="0" indent="0" algn="l" defTabSz="914400" rtl="0" eaLnBrk="0" fontAlgn="base" latinLnBrk="0" hangingPunct="0">
+              <a:lnSpc>
+                <a:spcPct val="100000"/>
+              </a:lnSpc>
+              <a:spcBef>
+                <a:spcPct val="0"/>
+              </a:spcBef>
+              <a:spcAft>
+                <a:spcPct val="0"/>
+              </a:spcAft>
+              <a:buClrTx/>
+              <a:buSzTx/>
+              <a:buFontTx/>
+              <a:buNone/>
+              <a:tabLst/>
+            </a:pPr>
+            <a:r>
+              <a:rPr kumimoji="0" lang="en-US" altLang="en-US" sz="2000" b="0" i="0" u="none" strike="noStrike" cap="none" normalizeH="0" baseline="0" dirty="0" smtClean="0">
+                <a:ln>
+                  <a:noFill/>
+                </a:ln>
+                <a:solidFill>
+                  <a:srgbClr val="353232"/>
+                </a:solidFill>
+                <a:effectLst/>
+                <a:latin typeface="Lato"/>
+              </a:rPr>
+              <a:t>Type (defined in kernel header </a:t>
+            </a:r>
+            <a:r>
+              <a:rPr kumimoji="0" lang="en-US" altLang="en-US" sz="1400" b="0" i="0" u="none" strike="noStrike" cap="none" normalizeH="0" baseline="0" dirty="0" err="1" smtClean="0">
+                <a:ln>
+                  <a:noFill/>
+                </a:ln>
+                <a:solidFill>
+                  <a:srgbClr val="C7254E"/>
+                </a:solidFill>
+                <a:effectLst/>
+                <a:latin typeface="Monaco"/>
+              </a:rPr>
+              <a:t>linux</a:t>
+            </a:r>
+            <a:r>
+              <a:rPr kumimoji="0" lang="en-US" altLang="en-US" sz="1400" b="0" i="0" u="none" strike="noStrike" cap="none" normalizeH="0" baseline="0" dirty="0" smtClean="0">
+                <a:ln>
+                  <a:noFill/>
+                </a:ln>
+                <a:solidFill>
+                  <a:srgbClr val="C7254E"/>
+                </a:solidFill>
+                <a:effectLst/>
+                <a:latin typeface="Monaco"/>
+              </a:rPr>
+              <a:t>/</a:t>
+            </a:r>
+            <a:r>
+              <a:rPr kumimoji="0" lang="en-US" altLang="en-US" sz="1400" b="0" i="0" u="none" strike="noStrike" cap="none" normalizeH="0" baseline="0" dirty="0" err="1" smtClean="0">
+                <a:ln>
+                  <a:noFill/>
+                </a:ln>
+                <a:solidFill>
+                  <a:srgbClr val="C7254E"/>
+                </a:solidFill>
+                <a:effectLst/>
+                <a:latin typeface="Monaco"/>
+              </a:rPr>
+              <a:t>types.h</a:t>
+            </a:r>
+            <a:r>
+              <a:rPr kumimoji="0" lang="en-US" altLang="en-US" sz="2000" b="0" i="0" u="none" strike="noStrike" cap="none" normalizeH="0" baseline="0" dirty="0" smtClean="0">
+                <a:ln>
+                  <a:noFill/>
+                </a:ln>
+                <a:solidFill>
+                  <a:srgbClr val="353232"/>
+                </a:solidFill>
+                <a:effectLst/>
+                <a:latin typeface="Lato"/>
+              </a:rPr>
+              <a:t>):</a:t>
+            </a:r>
+            <a:endParaRPr kumimoji="0" lang="en-US" altLang="en-US" sz="2000" b="0" i="0" u="none" strike="noStrike" cap="none" normalizeH="0" baseline="0" dirty="0" smtClean="0">
+              <a:ln>
+                <a:noFill/>
+              </a:ln>
+              <a:solidFill>
+                <a:schemeClr val="tx1"/>
+              </a:solidFill>
+              <a:effectLst/>
+            </a:endParaRPr>
+          </a:p>
+          <a:p>
+            <a:pPr marL="0" marR="0" lvl="0" indent="0" algn="l" defTabSz="914400" rtl="0" eaLnBrk="0" fontAlgn="base" latinLnBrk="0" hangingPunct="0">
+              <a:lnSpc>
+                <a:spcPct val="100000"/>
+              </a:lnSpc>
+              <a:spcBef>
+                <a:spcPct val="0"/>
+              </a:spcBef>
+              <a:spcAft>
+                <a:spcPct val="0"/>
+              </a:spcAft>
+              <a:buClrTx/>
+              <a:buSzTx/>
+              <a:buFontTx/>
+              <a:buChar char="•"/>
+              <a:tabLst/>
+            </a:pPr>
+            <a:r>
+              <a:rPr kumimoji="0" lang="en-US" altLang="en-US" sz="1400" b="0" i="0" u="none" strike="noStrike" cap="none" normalizeH="0" baseline="0" dirty="0" err="1" smtClean="0">
+                <a:ln>
+                  <a:noFill/>
+                </a:ln>
+                <a:solidFill>
+                  <a:srgbClr val="C7254E"/>
+                </a:solidFill>
+                <a:effectLst/>
+                <a:latin typeface="Monaco"/>
+              </a:rPr>
+              <a:t>dev_t</a:t>
+            </a:r>
+            <a:r>
+              <a:rPr kumimoji="0" lang="en-US" altLang="en-US" sz="2000" b="0" i="0" u="none" strike="noStrike" cap="none" normalizeH="0" baseline="0" dirty="0" smtClean="0">
+                <a:ln>
+                  <a:noFill/>
+                </a:ln>
+                <a:solidFill>
+                  <a:srgbClr val="353232"/>
+                </a:solidFill>
+                <a:effectLst/>
+                <a:latin typeface="Lato"/>
+              </a:rPr>
+              <a:t> contains both major and minor numbers</a:t>
+            </a:r>
+          </a:p>
+          <a:p>
+            <a:pPr marL="0" marR="0" lvl="0" indent="0" algn="l" defTabSz="914400" rtl="0" eaLnBrk="0" fontAlgn="base" latinLnBrk="0" hangingPunct="0">
+              <a:lnSpc>
+                <a:spcPct val="100000"/>
+              </a:lnSpc>
+              <a:spcBef>
+                <a:spcPct val="0"/>
+              </a:spcBef>
+              <a:spcAft>
+                <a:spcPct val="0"/>
+              </a:spcAft>
+              <a:buClrTx/>
+              <a:buSzTx/>
+              <a:buFontTx/>
+              <a:buNone/>
+              <a:tabLst/>
+            </a:pPr>
+            <a:r>
+              <a:rPr kumimoji="0" lang="en-US" altLang="en-US" sz="2000" b="0" i="0" u="none" strike="noStrike" cap="none" normalizeH="0" baseline="0" dirty="0" smtClean="0">
+                <a:ln>
+                  <a:noFill/>
+                </a:ln>
+                <a:solidFill>
+                  <a:srgbClr val="353232"/>
+                </a:solidFill>
+                <a:effectLst/>
+                <a:latin typeface="Lato"/>
+              </a:rPr>
+              <a:t>Macros (defined in kernel header </a:t>
+            </a:r>
+            <a:r>
+              <a:rPr kumimoji="0" lang="en-US" altLang="en-US" sz="1400" b="0" i="0" u="none" strike="noStrike" cap="none" normalizeH="0" baseline="0" dirty="0" err="1" smtClean="0">
+                <a:ln>
+                  <a:noFill/>
+                </a:ln>
+                <a:solidFill>
+                  <a:srgbClr val="C7254E"/>
+                </a:solidFill>
+                <a:effectLst/>
+                <a:latin typeface="Monaco"/>
+              </a:rPr>
+              <a:t>linux</a:t>
+            </a:r>
+            <a:r>
+              <a:rPr kumimoji="0" lang="en-US" altLang="en-US" sz="1400" b="0" i="0" u="none" strike="noStrike" cap="none" normalizeH="0" baseline="0" dirty="0" smtClean="0">
+                <a:ln>
+                  <a:noFill/>
+                </a:ln>
+                <a:solidFill>
+                  <a:srgbClr val="C7254E"/>
+                </a:solidFill>
+                <a:effectLst/>
+                <a:latin typeface="Monaco"/>
+              </a:rPr>
+              <a:t>/</a:t>
+            </a:r>
+            <a:r>
+              <a:rPr kumimoji="0" lang="en-US" altLang="en-US" sz="1400" b="0" i="0" u="none" strike="noStrike" cap="none" normalizeH="0" baseline="0" dirty="0" err="1" smtClean="0">
+                <a:ln>
+                  <a:noFill/>
+                </a:ln>
+                <a:solidFill>
+                  <a:srgbClr val="C7254E"/>
+                </a:solidFill>
+                <a:effectLst/>
+                <a:latin typeface="Monaco"/>
+              </a:rPr>
+              <a:t>kdev_t.h</a:t>
+            </a:r>
+            <a:r>
+              <a:rPr kumimoji="0" lang="en-US" altLang="en-US" sz="2000" b="0" i="0" u="none" strike="noStrike" cap="none" normalizeH="0" baseline="0" dirty="0" smtClean="0">
+                <a:ln>
+                  <a:noFill/>
+                </a:ln>
+                <a:solidFill>
+                  <a:srgbClr val="353232"/>
+                </a:solidFill>
+                <a:effectLst/>
+                <a:latin typeface="Lato"/>
+              </a:rPr>
+              <a:t>):</a:t>
+            </a:r>
+            <a:endParaRPr kumimoji="0" lang="en-US" altLang="en-US" sz="2000" b="0" i="0" u="none" strike="noStrike" cap="none" normalizeH="0" baseline="0" dirty="0" smtClean="0">
+              <a:ln>
+                <a:noFill/>
+              </a:ln>
+              <a:solidFill>
+                <a:schemeClr val="tx1"/>
+              </a:solidFill>
+              <a:effectLst/>
+            </a:endParaRPr>
+          </a:p>
+          <a:p>
+            <a:pPr marL="0" marR="0" lvl="0" indent="0" algn="l" defTabSz="914400" rtl="0" eaLnBrk="0" fontAlgn="base" latinLnBrk="0" hangingPunct="0">
+              <a:lnSpc>
+                <a:spcPct val="100000"/>
+              </a:lnSpc>
+              <a:spcBef>
+                <a:spcPct val="0"/>
+              </a:spcBef>
+              <a:spcAft>
+                <a:spcPct val="0"/>
+              </a:spcAft>
+              <a:buClrTx/>
+              <a:buSzTx/>
+              <a:buFontTx/>
+              <a:buChar char="•"/>
+              <a:tabLst/>
+            </a:pPr>
+            <a:r>
+              <a:rPr kumimoji="0" lang="en-US" altLang="en-US" sz="1400" b="0" i="0" u="none" strike="noStrike" cap="none" normalizeH="0" baseline="0" dirty="0" smtClean="0">
+                <a:ln>
+                  <a:noFill/>
+                </a:ln>
+                <a:solidFill>
+                  <a:srgbClr val="C7254E"/>
+                </a:solidFill>
+                <a:effectLst/>
+                <a:latin typeface="Monaco"/>
+              </a:rPr>
+              <a:t>MAJOR(</a:t>
+            </a:r>
+            <a:r>
+              <a:rPr kumimoji="0" lang="en-US" altLang="en-US" sz="1400" b="0" i="0" u="none" strike="noStrike" cap="none" normalizeH="0" baseline="0" dirty="0" err="1" smtClean="0">
+                <a:ln>
+                  <a:noFill/>
+                </a:ln>
+                <a:solidFill>
+                  <a:srgbClr val="C7254E"/>
+                </a:solidFill>
+                <a:effectLst/>
+                <a:latin typeface="Monaco"/>
+              </a:rPr>
+              <a:t>dev_t</a:t>
+            </a:r>
+            <a:r>
+              <a:rPr kumimoji="0" lang="en-US" altLang="en-US" sz="1400" b="0" i="0" u="none" strike="noStrike" cap="none" normalizeH="0" baseline="0" dirty="0" smtClean="0">
+                <a:ln>
+                  <a:noFill/>
+                </a:ln>
+                <a:solidFill>
+                  <a:srgbClr val="C7254E"/>
+                </a:solidFill>
+                <a:effectLst/>
+                <a:latin typeface="Monaco"/>
+              </a:rPr>
+              <a:t> dev)</a:t>
+            </a:r>
+            <a:r>
+              <a:rPr kumimoji="0" lang="en-US" altLang="en-US" sz="2000" b="0" i="0" u="none" strike="noStrike" cap="none" normalizeH="0" baseline="0" dirty="0" smtClean="0">
+                <a:ln>
+                  <a:noFill/>
+                </a:ln>
+                <a:solidFill>
+                  <a:srgbClr val="353232"/>
+                </a:solidFill>
+                <a:effectLst/>
+                <a:latin typeface="Lato"/>
+              </a:rPr>
+              <a:t> extracts the major number from </a:t>
+            </a:r>
+            <a:r>
+              <a:rPr kumimoji="0" lang="en-US" altLang="en-US" sz="1400" b="0" i="0" u="none" strike="noStrike" cap="none" normalizeH="0" baseline="0" dirty="0" smtClean="0">
+                <a:ln>
+                  <a:noFill/>
+                </a:ln>
+                <a:solidFill>
+                  <a:srgbClr val="C7254E"/>
+                </a:solidFill>
+                <a:effectLst/>
+                <a:latin typeface="Monaco"/>
+              </a:rPr>
+              <a:t>dev</a:t>
+            </a:r>
+            <a:endParaRPr kumimoji="0" lang="en-US" altLang="en-US" sz="2000" b="0" i="0" u="none" strike="noStrike" cap="none" normalizeH="0" baseline="0" dirty="0" smtClean="0">
+              <a:ln>
+                <a:noFill/>
+              </a:ln>
+              <a:solidFill>
+                <a:srgbClr val="353232"/>
+              </a:solidFill>
+              <a:effectLst/>
+              <a:latin typeface="Lato"/>
+            </a:endParaRPr>
+          </a:p>
+          <a:p>
+            <a:pPr marL="0" marR="0" lvl="0" indent="0" algn="l" defTabSz="914400" rtl="0" eaLnBrk="0" fontAlgn="base" latinLnBrk="0" hangingPunct="0">
+              <a:lnSpc>
+                <a:spcPct val="100000"/>
+              </a:lnSpc>
+              <a:spcBef>
+                <a:spcPct val="0"/>
+              </a:spcBef>
+              <a:spcAft>
+                <a:spcPct val="0"/>
+              </a:spcAft>
+              <a:buClrTx/>
+              <a:buSzTx/>
+              <a:buFontTx/>
+              <a:buChar char="•"/>
+              <a:tabLst/>
+            </a:pPr>
+            <a:r>
+              <a:rPr kumimoji="0" lang="en-US" altLang="en-US" sz="1400" b="0" i="0" u="none" strike="noStrike" cap="none" normalizeH="0" baseline="0" dirty="0" smtClean="0">
+                <a:ln>
+                  <a:noFill/>
+                </a:ln>
+                <a:solidFill>
+                  <a:srgbClr val="C7254E"/>
+                </a:solidFill>
+                <a:effectLst/>
+                <a:latin typeface="Monaco"/>
+              </a:rPr>
+              <a:t>MINOR(</a:t>
+            </a:r>
+            <a:r>
+              <a:rPr kumimoji="0" lang="en-US" altLang="en-US" sz="1400" b="0" i="0" u="none" strike="noStrike" cap="none" normalizeH="0" baseline="0" dirty="0" err="1" smtClean="0">
+                <a:ln>
+                  <a:noFill/>
+                </a:ln>
+                <a:solidFill>
+                  <a:srgbClr val="C7254E"/>
+                </a:solidFill>
+                <a:effectLst/>
+                <a:latin typeface="Monaco"/>
+              </a:rPr>
+              <a:t>dev_t</a:t>
+            </a:r>
+            <a:r>
+              <a:rPr kumimoji="0" lang="en-US" altLang="en-US" sz="1400" b="0" i="0" u="none" strike="noStrike" cap="none" normalizeH="0" baseline="0" dirty="0" smtClean="0">
+                <a:ln>
+                  <a:noFill/>
+                </a:ln>
+                <a:solidFill>
+                  <a:srgbClr val="C7254E"/>
+                </a:solidFill>
+                <a:effectLst/>
+                <a:latin typeface="Monaco"/>
+              </a:rPr>
+              <a:t> dev)</a:t>
+            </a:r>
+            <a:r>
+              <a:rPr kumimoji="0" lang="en-US" altLang="en-US" sz="2000" b="0" i="0" u="none" strike="noStrike" cap="none" normalizeH="0" baseline="0" dirty="0" smtClean="0">
+                <a:ln>
+                  <a:noFill/>
+                </a:ln>
+                <a:solidFill>
+                  <a:srgbClr val="353232"/>
+                </a:solidFill>
+                <a:effectLst/>
+                <a:latin typeface="Lato"/>
+              </a:rPr>
+              <a:t> extracts the minor number from </a:t>
+            </a:r>
+            <a:r>
+              <a:rPr kumimoji="0" lang="en-US" altLang="en-US" sz="1400" b="0" i="0" u="none" strike="noStrike" cap="none" normalizeH="0" baseline="0" dirty="0" smtClean="0">
+                <a:ln>
+                  <a:noFill/>
+                </a:ln>
+                <a:solidFill>
+                  <a:srgbClr val="C7254E"/>
+                </a:solidFill>
+                <a:effectLst/>
+                <a:latin typeface="Monaco"/>
+              </a:rPr>
+              <a:t>dev</a:t>
+            </a:r>
+            <a:endParaRPr kumimoji="0" lang="en-US" altLang="en-US" sz="2000" b="0" i="0" u="none" strike="noStrike" cap="none" normalizeH="0" baseline="0" dirty="0" smtClean="0">
+              <a:ln>
+                <a:noFill/>
+              </a:ln>
+              <a:solidFill>
+                <a:srgbClr val="353232"/>
+              </a:solidFill>
+              <a:effectLst/>
+              <a:latin typeface="Lato"/>
+            </a:endParaRPr>
+          </a:p>
+          <a:p>
+            <a:pPr marL="0" marR="0" lvl="0" indent="0" algn="l" defTabSz="914400" rtl="0" eaLnBrk="0" fontAlgn="base" latinLnBrk="0" hangingPunct="0">
+              <a:lnSpc>
+                <a:spcPct val="100000"/>
+              </a:lnSpc>
+              <a:spcBef>
+                <a:spcPct val="0"/>
+              </a:spcBef>
+              <a:spcAft>
+                <a:spcPct val="0"/>
+              </a:spcAft>
+              <a:buClrTx/>
+              <a:buSzTx/>
+              <a:buFontTx/>
+              <a:buChar char="•"/>
+              <a:tabLst/>
+            </a:pPr>
+            <a:r>
+              <a:rPr kumimoji="0" lang="en-US" altLang="en-US" sz="1400" b="0" i="0" u="none" strike="noStrike" cap="none" normalizeH="0" baseline="0" dirty="0" smtClean="0">
+                <a:ln>
+                  <a:noFill/>
+                </a:ln>
+                <a:solidFill>
+                  <a:srgbClr val="C7254E"/>
+                </a:solidFill>
+                <a:effectLst/>
+                <a:latin typeface="Monaco"/>
+              </a:rPr>
+              <a:t>MKDEV(</a:t>
+            </a:r>
+            <a:r>
+              <a:rPr kumimoji="0" lang="en-US" altLang="en-US" sz="1400" b="0" i="0" u="none" strike="noStrike" cap="none" normalizeH="0" baseline="0" dirty="0" err="1" smtClean="0">
+                <a:ln>
+                  <a:noFill/>
+                </a:ln>
+                <a:solidFill>
+                  <a:srgbClr val="C7254E"/>
+                </a:solidFill>
+                <a:effectLst/>
+                <a:latin typeface="Monaco"/>
+              </a:rPr>
+              <a:t>int</a:t>
+            </a:r>
+            <a:r>
+              <a:rPr kumimoji="0" lang="en-US" altLang="en-US" sz="1400" b="0" i="0" u="none" strike="noStrike" cap="none" normalizeH="0" baseline="0" dirty="0" smtClean="0">
+                <a:ln>
+                  <a:noFill/>
+                </a:ln>
+                <a:solidFill>
+                  <a:srgbClr val="C7254E"/>
+                </a:solidFill>
+                <a:effectLst/>
+                <a:latin typeface="Monaco"/>
+              </a:rPr>
+              <a:t> major, </a:t>
+            </a:r>
+            <a:r>
+              <a:rPr kumimoji="0" lang="en-US" altLang="en-US" sz="1400" b="0" i="0" u="none" strike="noStrike" cap="none" normalizeH="0" baseline="0" dirty="0" err="1" smtClean="0">
+                <a:ln>
+                  <a:noFill/>
+                </a:ln>
+                <a:solidFill>
+                  <a:srgbClr val="C7254E"/>
+                </a:solidFill>
+                <a:effectLst/>
+                <a:latin typeface="Monaco"/>
+              </a:rPr>
+              <a:t>int</a:t>
+            </a:r>
+            <a:r>
+              <a:rPr kumimoji="0" lang="en-US" altLang="en-US" sz="1400" b="0" i="0" u="none" strike="noStrike" cap="none" normalizeH="0" baseline="0" dirty="0" smtClean="0">
+                <a:ln>
+                  <a:noFill/>
+                </a:ln>
+                <a:solidFill>
+                  <a:srgbClr val="C7254E"/>
+                </a:solidFill>
+                <a:effectLst/>
+                <a:latin typeface="Monaco"/>
+              </a:rPr>
+              <a:t> minor)</a:t>
+            </a:r>
+            <a:r>
+              <a:rPr kumimoji="0" lang="en-US" altLang="en-US" sz="2000" b="0" i="0" u="none" strike="noStrike" cap="none" normalizeH="0" baseline="0" dirty="0" smtClean="0">
+                <a:ln>
+                  <a:noFill/>
+                </a:ln>
+                <a:solidFill>
+                  <a:srgbClr val="353232"/>
+                </a:solidFill>
+                <a:effectLst/>
+                <a:latin typeface="Lato"/>
+              </a:rPr>
+              <a:t> creates the </a:t>
+            </a:r>
+            <a:r>
+              <a:rPr kumimoji="0" lang="en-US" altLang="en-US" sz="1400" b="0" i="0" u="none" strike="noStrike" cap="none" normalizeH="0" baseline="0" dirty="0" smtClean="0">
+                <a:ln>
+                  <a:noFill/>
+                </a:ln>
+                <a:solidFill>
+                  <a:srgbClr val="C7254E"/>
+                </a:solidFill>
+                <a:effectLst/>
+                <a:latin typeface="Monaco"/>
+              </a:rPr>
+              <a:t>dev</a:t>
+            </a:r>
+            <a:r>
+              <a:rPr kumimoji="0" lang="en-US" altLang="en-US" sz="2000" b="0" i="0" u="none" strike="noStrike" cap="none" normalizeH="0" baseline="0" dirty="0" smtClean="0">
+                <a:ln>
+                  <a:noFill/>
+                </a:ln>
+                <a:solidFill>
+                  <a:srgbClr val="353232"/>
+                </a:solidFill>
+                <a:effectLst/>
+                <a:latin typeface="Lato"/>
+              </a:rPr>
+              <a:t> from major and minor.</a:t>
+            </a:r>
+          </a:p>
+        </p:txBody>
+      </p:sp>
+    </p:spTree>
+    <p:extLst>
+      <p:ext uri="{BB962C8B-B14F-4D97-AF65-F5344CB8AC3E}">
+        <p14:creationId xmlns:p14="http://schemas.microsoft.com/office/powerpoint/2010/main" val="2473986880"/>
+      </p:ext>
+    </p:extLst>
+  </p:cSld>
+  <p:clrMapOvr>
+    <a:masterClrMapping/>
+  </p:clrMapOvr>
+</p:sld>
+</file>
+
+<file path=ppt/slides/slide22.xml><?xml version="1.0" encoding="utf-8"?>
+<p:sld xmlns:a="http://schemas.openxmlformats.org/drawingml/2006/main" xmlns:r="http://schemas.openxmlformats.org/officeDocument/2006/relationships" xmlns:p="http://schemas.openxmlformats.org/presentationml/2006/main">
+  <p:cSld>
+    <p:bg>
+      <p:bgPr>
+        <a:noFill/>
+        <a:effectLst/>
+      </p:bgPr>
+    </p:bg>
+    <p:spTree>
+      <p:nvGrpSpPr>
+        <p:cNvPr id="1" name=""/>
+        <p:cNvGrpSpPr/>
+        <p:nvPr/>
+      </p:nvGrpSpPr>
+      <p:grpSpPr>
+        <a:xfrm>
+          <a:off x="0" y="0"/>
+          <a:ext cx="0" cy="0"/>
+          <a:chOff x="0" y="0"/>
+          <a:chExt cx="0" cy="0"/>
+        </a:xfrm>
+      </p:grpSpPr>
+      <p:sp>
+        <p:nvSpPr>
+          <p:cNvPr id="2" name="Title 1"/>
+          <p:cNvSpPr>
+            <a:spLocks noGrp="1"/>
+          </p:cNvSpPr>
+          <p:nvPr>
+            <p:ph type="title"/>
+          </p:nvPr>
+        </p:nvSpPr>
+        <p:spPr/>
+        <p:txBody>
+          <a:bodyPr/>
+          <a:lstStyle/>
+          <a:p>
+            <a:endParaRPr lang="en-IN"/>
+          </a:p>
+        </p:txBody>
+      </p:sp>
+      <p:sp>
+        <p:nvSpPr>
+          <p:cNvPr id="5" name="Rectangle 2"/>
+          <p:cNvSpPr>
+            <a:spLocks noChangeArrowheads="1"/>
+          </p:cNvSpPr>
+          <p:nvPr/>
+        </p:nvSpPr>
+        <p:spPr bwMode="auto">
+          <a:xfrm>
+            <a:off x="0" y="2528500"/>
+            <a:ext cx="65" cy="276999"/>
+          </a:xfrm>
+          <a:prstGeom prst="rect">
+            <a:avLst/>
+          </a:prstGeom>
+          <a:solidFill>
+            <a:srgbClr val="F9F2F4"/>
+          </a:solidFill>
+          <a:ln>
+            <a:noFill/>
+          </a:ln>
+          <a:effectLst/>
+          <a:extLst>
+            <a:ext uri="{91240B29-F687-4F45-9708-019B960494DF}">
+              <a14:hiddenLine xmlns:a14="http://schemas.microsoft.com/office/drawing/2010/main" w="9525">
+                <a:solidFill>
+                  <a:schemeClr val="tx1"/>
+                </a:solidFill>
+                <a:miter lim="800000"/>
+                <a:headEnd/>
+                <a:tailEnd/>
+              </a14:hiddenLine>
+            </a:ext>
+            <a:ext uri="{AF507438-7753-43E0-B8FC-AC1667EBCBE1}">
+              <a14:hiddenEffects xmlns:a14="http://schemas.microsoft.com/office/drawing/2010/main">
+                <a:effectLst>
+                  <a:outerShdw dist="35921" dir="2700000" algn="ctr" rotWithShape="0">
+                    <a:schemeClr val="bg2"/>
+                  </a:outerShdw>
+                </a:effectLst>
+              </a14:hiddenEffects>
+            </a:ext>
+          </a:extLst>
+        </p:spPr>
+        <p:txBody>
+          <a:bodyPr vert="horz" wrap="none" lIns="0" tIns="0" rIns="0" bIns="0" numCol="1" anchor="ctr" anchorCtr="0" compatLnSpc="1">
+            <a:prstTxWarp prst="textNoShape">
+              <a:avLst/>
+            </a:prstTxWarp>
+            <a:spAutoFit/>
+          </a:bodyPr>
+          <a:lstStyle>
+            <a:lvl1pPr eaLnBrk="0" fontAlgn="base" hangingPunct="0">
+              <a:spcBef>
+                <a:spcPct val="0"/>
+              </a:spcBef>
+              <a:spcAft>
+                <a:spcPct val="0"/>
+              </a:spcAft>
+              <a:defRPr>
+                <a:solidFill>
+                  <a:schemeClr val="tx1"/>
+                </a:solidFill>
+                <a:latin typeface="Arial" panose="020B0604020202020204" pitchFamily="34" charset="0"/>
+              </a:defRPr>
+            </a:lvl1pPr>
+            <a:lvl2pPr eaLnBrk="0" fontAlgn="base" hangingPunct="0">
+              <a:spcBef>
+                <a:spcPct val="0"/>
+              </a:spcBef>
+              <a:spcAft>
+                <a:spcPct val="0"/>
+              </a:spcAft>
+              <a:defRPr>
+                <a:solidFill>
+                  <a:schemeClr val="tx1"/>
+                </a:solidFill>
+                <a:latin typeface="Arial" panose="020B0604020202020204" pitchFamily="34" charset="0"/>
+              </a:defRPr>
+            </a:lvl2pPr>
+            <a:lvl3pPr eaLnBrk="0" fontAlgn="base" hangingPunct="0">
+              <a:spcBef>
+                <a:spcPct val="0"/>
+              </a:spcBef>
+              <a:spcAft>
+                <a:spcPct val="0"/>
+              </a:spcAft>
+              <a:defRPr>
+                <a:solidFill>
+                  <a:schemeClr val="tx1"/>
+                </a:solidFill>
+                <a:latin typeface="Arial" panose="020B0604020202020204" pitchFamily="34" charset="0"/>
+              </a:defRPr>
+            </a:lvl3pPr>
+            <a:lvl4pPr eaLnBrk="0" fontAlgn="base" hangingPunct="0">
+              <a:spcBef>
+                <a:spcPct val="0"/>
+              </a:spcBef>
+              <a:spcAft>
+                <a:spcPct val="0"/>
+              </a:spcAft>
+              <a:defRPr>
+                <a:solidFill>
+                  <a:schemeClr val="tx1"/>
+                </a:solidFill>
+                <a:latin typeface="Arial" panose="020B0604020202020204" pitchFamily="34" charset="0"/>
+              </a:defRPr>
+            </a:lvl4pPr>
+            <a:lvl5pPr eaLnBrk="0" fontAlgn="base" hangingPunct="0">
+              <a:spcBef>
+                <a:spcPct val="0"/>
+              </a:spcBef>
+              <a:spcAft>
+                <a:spcPct val="0"/>
+              </a:spcAft>
+              <a:defRPr>
+                <a:solidFill>
+                  <a:schemeClr val="tx1"/>
+                </a:solidFill>
+                <a:latin typeface="Arial" panose="020B0604020202020204" pitchFamily="34" charset="0"/>
+              </a:defRPr>
+            </a:lvl5pPr>
+            <a:lvl6pPr eaLnBrk="0" fontAlgn="base" hangingPunct="0">
+              <a:spcBef>
+                <a:spcPct val="0"/>
+              </a:spcBef>
+              <a:spcAft>
+                <a:spcPct val="0"/>
+              </a:spcAft>
+              <a:defRPr>
+                <a:solidFill>
+                  <a:schemeClr val="tx1"/>
+                </a:solidFill>
+                <a:latin typeface="Arial" panose="020B0604020202020204" pitchFamily="34" charset="0"/>
+              </a:defRPr>
+            </a:lvl6pPr>
+            <a:lvl7pPr eaLnBrk="0" fontAlgn="base" hangingPunct="0">
+              <a:spcBef>
+                <a:spcPct val="0"/>
+              </a:spcBef>
+              <a:spcAft>
+                <a:spcPct val="0"/>
+              </a:spcAft>
+              <a:defRPr>
+                <a:solidFill>
+                  <a:schemeClr val="tx1"/>
+                </a:solidFill>
+                <a:latin typeface="Arial" panose="020B0604020202020204" pitchFamily="34" charset="0"/>
+              </a:defRPr>
+            </a:lvl7pPr>
+            <a:lvl8pPr eaLnBrk="0" fontAlgn="base" hangingPunct="0">
+              <a:spcBef>
+                <a:spcPct val="0"/>
+              </a:spcBef>
+              <a:spcAft>
+                <a:spcPct val="0"/>
+              </a:spcAft>
+              <a:defRPr>
+                <a:solidFill>
+                  <a:schemeClr val="tx1"/>
+                </a:solidFill>
+                <a:latin typeface="Arial" panose="020B0604020202020204" pitchFamily="34" charset="0"/>
+              </a:defRPr>
+            </a:lvl8pPr>
+            <a:lvl9pPr eaLnBrk="0" fontAlgn="base" hangingPunct="0">
+              <a:spcBef>
+                <a:spcPct val="0"/>
+              </a:spcBef>
+              <a:spcAft>
+                <a:spcPct val="0"/>
+              </a:spcAft>
+              <a:defRPr>
+                <a:solidFill>
+                  <a:schemeClr val="tx1"/>
+                </a:solidFill>
+                <a:latin typeface="Arial" panose="020B0604020202020204" pitchFamily="34" charset="0"/>
+              </a:defRPr>
+            </a:lvl9pPr>
+          </a:lstStyle>
+          <a:p>
+            <a:pPr marL="0" marR="0" lvl="0" indent="0" algn="l" defTabSz="914400" rtl="0" eaLnBrk="0" fontAlgn="base" latinLnBrk="0" hangingPunct="0">
+              <a:lnSpc>
+                <a:spcPct val="100000"/>
+              </a:lnSpc>
+              <a:spcBef>
+                <a:spcPct val="0"/>
+              </a:spcBef>
+              <a:spcAft>
+                <a:spcPct val="0"/>
+              </a:spcAft>
+              <a:buClrTx/>
+              <a:buSzTx/>
+              <a:buFontTx/>
+              <a:buNone/>
+              <a:tabLst/>
+            </a:pPr>
+            <a:endParaRPr kumimoji="0" lang="en-US" altLang="en-US" sz="1800" b="0" i="0" u="none" strike="noStrike" cap="none" normalizeH="0" baseline="0" dirty="0" smtClean="0">
+              <a:ln>
+                <a:noFill/>
+              </a:ln>
+              <a:solidFill>
+                <a:schemeClr val="tx1"/>
+              </a:solidFill>
+              <a:effectLst/>
+              <a:latin typeface="Arial" panose="020B0604020202020204" pitchFamily="34" charset="0"/>
+            </a:endParaRPr>
+          </a:p>
+        </p:txBody>
+      </p:sp>
+      <p:sp>
+        <p:nvSpPr>
+          <p:cNvPr id="6" name="Content Placeholder 5"/>
+          <p:cNvSpPr>
+            <a:spLocks noGrp="1"/>
+          </p:cNvSpPr>
+          <p:nvPr>
+            <p:ph idx="1"/>
+          </p:nvPr>
+        </p:nvSpPr>
+        <p:spPr/>
+        <p:txBody>
+          <a:bodyPr>
+            <a:normAutofit fontScale="92500" lnSpcReduction="10000"/>
+          </a:bodyPr>
+          <a:lstStyle/>
+          <a:p>
+            <a:pPr marL="0" lvl="0" indent="0" eaLnBrk="0" fontAlgn="base" hangingPunct="0">
+              <a:lnSpc>
+                <a:spcPct val="100000"/>
+              </a:lnSpc>
+              <a:spcBef>
+                <a:spcPct val="0"/>
+              </a:spcBef>
+              <a:spcAft>
+                <a:spcPct val="0"/>
+              </a:spcAft>
+              <a:buNone/>
+            </a:pPr>
+            <a:r>
+              <a:rPr lang="en-US" altLang="en-US" dirty="0">
+                <a:solidFill>
+                  <a:srgbClr val="353232"/>
+                </a:solidFill>
+                <a:latin typeface="Lato"/>
+              </a:rPr>
+              <a:t>Connecting the device file with the device driver involves two steps:</a:t>
+            </a:r>
+            <a:endParaRPr lang="en-US" altLang="en-US" dirty="0"/>
+          </a:p>
+          <a:p>
+            <a:pPr marL="0" lvl="0" indent="0" eaLnBrk="0" fontAlgn="base" hangingPunct="0">
+              <a:lnSpc>
+                <a:spcPct val="100000"/>
+              </a:lnSpc>
+              <a:spcBef>
+                <a:spcPct val="0"/>
+              </a:spcBef>
+              <a:spcAft>
+                <a:spcPct val="0"/>
+              </a:spcAft>
+              <a:buFontTx/>
+              <a:buAutoNum type="arabicPeriod"/>
+            </a:pPr>
+            <a:r>
+              <a:rPr lang="en-US" altLang="en-US" b="1" dirty="0">
+                <a:solidFill>
+                  <a:srgbClr val="353232"/>
+                </a:solidFill>
+                <a:latin typeface="Lato"/>
+              </a:rPr>
+              <a:t>Registering</a:t>
+            </a:r>
+            <a:r>
+              <a:rPr lang="en-US" altLang="en-US" dirty="0">
+                <a:solidFill>
+                  <a:srgbClr val="353232"/>
+                </a:solidFill>
+                <a:latin typeface="Lato"/>
+              </a:rPr>
+              <a:t> for the </a:t>
+            </a:r>
+            <a:r>
+              <a:rPr lang="en-US" altLang="en-US" sz="1800" dirty="0">
+                <a:solidFill>
+                  <a:srgbClr val="C7254E"/>
+                </a:solidFill>
+                <a:latin typeface="Monaco"/>
+              </a:rPr>
+              <a:t>&lt;major, minor&gt;</a:t>
+            </a:r>
+            <a:r>
+              <a:rPr lang="en-US" altLang="en-US" dirty="0">
+                <a:solidFill>
+                  <a:srgbClr val="353232"/>
+                </a:solidFill>
+                <a:latin typeface="Lato"/>
+              </a:rPr>
+              <a:t> range of device files.</a:t>
+            </a:r>
+          </a:p>
+          <a:p>
+            <a:pPr marL="0" lvl="0" indent="0" eaLnBrk="0" fontAlgn="base" hangingPunct="0">
+              <a:lnSpc>
+                <a:spcPct val="100000"/>
+              </a:lnSpc>
+              <a:spcBef>
+                <a:spcPct val="0"/>
+              </a:spcBef>
+              <a:spcAft>
+                <a:spcPct val="0"/>
+              </a:spcAft>
+              <a:buFontTx/>
+              <a:buAutoNum type="arabicPeriod" startAt="2"/>
+            </a:pPr>
+            <a:r>
+              <a:rPr lang="en-US" altLang="en-US" b="1" dirty="0">
+                <a:solidFill>
+                  <a:srgbClr val="353232"/>
+                </a:solidFill>
+                <a:latin typeface="Lato"/>
+              </a:rPr>
+              <a:t>Linking the device file operations </a:t>
+            </a:r>
+            <a:r>
+              <a:rPr lang="en-US" altLang="en-US" dirty="0">
+                <a:solidFill>
+                  <a:srgbClr val="353232"/>
+                </a:solidFill>
+                <a:latin typeface="Lato"/>
+              </a:rPr>
+              <a:t>to the device driver functions.</a:t>
+            </a:r>
+          </a:p>
+          <a:p>
+            <a:pPr marL="0" lvl="0" indent="0" eaLnBrk="0" fontAlgn="base" hangingPunct="0">
+              <a:lnSpc>
+                <a:spcPct val="100000"/>
+              </a:lnSpc>
+              <a:spcBef>
+                <a:spcPct val="0"/>
+              </a:spcBef>
+              <a:spcAft>
+                <a:spcPct val="0"/>
+              </a:spcAft>
+              <a:buNone/>
+            </a:pPr>
+            <a:r>
+              <a:rPr lang="en-US" altLang="en-US" dirty="0">
+                <a:solidFill>
+                  <a:srgbClr val="353232"/>
+                </a:solidFill>
+                <a:latin typeface="Lato"/>
+              </a:rPr>
+              <a:t>The first step is achieved using either of the following two APIs, defined in the kernel header </a:t>
+            </a:r>
+            <a:r>
+              <a:rPr lang="en-US" altLang="en-US" sz="1800" dirty="0" err="1">
+                <a:solidFill>
+                  <a:srgbClr val="C7254E"/>
+                </a:solidFill>
+                <a:latin typeface="Monaco"/>
+              </a:rPr>
+              <a:t>linux</a:t>
+            </a:r>
+            <a:r>
+              <a:rPr lang="en-US" altLang="en-US" sz="1800" dirty="0">
+                <a:solidFill>
+                  <a:srgbClr val="C7254E"/>
+                </a:solidFill>
+                <a:latin typeface="Monaco"/>
+              </a:rPr>
+              <a:t>/</a:t>
+            </a:r>
+            <a:r>
+              <a:rPr lang="en-US" altLang="en-US" sz="1800" dirty="0" err="1">
+                <a:solidFill>
+                  <a:srgbClr val="C7254E"/>
+                </a:solidFill>
+                <a:latin typeface="Monaco"/>
+              </a:rPr>
+              <a:t>fs.h</a:t>
+            </a:r>
+            <a:r>
+              <a:rPr lang="en-US" altLang="en-US" dirty="0" smtClean="0">
+                <a:solidFill>
+                  <a:srgbClr val="353232"/>
+                </a:solidFill>
+                <a:latin typeface="Lato"/>
+              </a:rPr>
+              <a:t>:</a:t>
+            </a:r>
+            <a:endParaRPr lang="en-US" altLang="en-US" dirty="0" smtClean="0"/>
+          </a:p>
+          <a:p>
+            <a:pPr marL="0" lvl="0" indent="0" eaLnBrk="0" fontAlgn="base" hangingPunct="0">
+              <a:lnSpc>
+                <a:spcPct val="100000"/>
+              </a:lnSpc>
+              <a:spcBef>
+                <a:spcPct val="0"/>
+              </a:spcBef>
+              <a:spcAft>
+                <a:spcPct val="0"/>
+              </a:spcAft>
+              <a:buNone/>
+            </a:pPr>
+            <a:endParaRPr lang="en-IN" dirty="0" smtClean="0">
+              <a:latin typeface="Consolas" panose="020B0609020204030204" pitchFamily="49" charset="0"/>
+            </a:endParaRPr>
+          </a:p>
+          <a:p>
+            <a:pPr fontAlgn="base"/>
+            <a:r>
+              <a:rPr lang="en-US" u="sng" dirty="0" smtClean="0">
+                <a:latin typeface="Consolas" panose="020B0609020204030204" pitchFamily="49" charset="0"/>
+              </a:rPr>
+              <a:t>Registering:</a:t>
+            </a:r>
+            <a:endParaRPr lang="en-IN" u="sng" dirty="0" smtClean="0">
+              <a:latin typeface="Consolas" panose="020B0609020204030204" pitchFamily="49" charset="0"/>
+            </a:endParaRPr>
+          </a:p>
+          <a:p>
+            <a:pPr fontAlgn="base"/>
+            <a:r>
+              <a:rPr lang="en-IN" dirty="0" err="1" smtClean="0">
+                <a:latin typeface="Consolas" panose="020B0609020204030204" pitchFamily="49" charset="0"/>
+              </a:rPr>
+              <a:t>int</a:t>
+            </a:r>
+            <a:r>
+              <a:rPr lang="en-IN" dirty="0" smtClean="0">
+                <a:latin typeface="Consolas" panose="020B0609020204030204" pitchFamily="49" charset="0"/>
+              </a:rPr>
+              <a:t> </a:t>
+            </a:r>
+            <a:r>
+              <a:rPr lang="en-IN" dirty="0" err="1">
+                <a:latin typeface="Consolas" panose="020B0609020204030204" pitchFamily="49" charset="0"/>
+              </a:rPr>
+              <a:t>register_chrdev_region</a:t>
+            </a:r>
+            <a:r>
+              <a:rPr lang="en-IN" dirty="0">
+                <a:latin typeface="Consolas" panose="020B0609020204030204" pitchFamily="49" charset="0"/>
+              </a:rPr>
+              <a:t>(</a:t>
+            </a:r>
+            <a:r>
+              <a:rPr lang="en-IN" dirty="0" err="1">
+                <a:latin typeface="Consolas" panose="020B0609020204030204" pitchFamily="49" charset="0"/>
+              </a:rPr>
+              <a:t>dev_t</a:t>
+            </a:r>
+            <a:r>
+              <a:rPr lang="en-IN" dirty="0">
+                <a:latin typeface="Consolas" panose="020B0609020204030204" pitchFamily="49" charset="0"/>
+              </a:rPr>
+              <a:t> first, unsigned </a:t>
+            </a:r>
+            <a:r>
+              <a:rPr lang="en-IN" dirty="0" err="1">
+                <a:latin typeface="Consolas" panose="020B0609020204030204" pitchFamily="49" charset="0"/>
+              </a:rPr>
+              <a:t>int</a:t>
+            </a:r>
+            <a:r>
+              <a:rPr lang="en-IN" dirty="0">
+                <a:latin typeface="Consolas" panose="020B0609020204030204" pitchFamily="49" charset="0"/>
+              </a:rPr>
+              <a:t> </a:t>
+            </a:r>
+            <a:r>
+              <a:rPr lang="en-IN" dirty="0" err="1">
+                <a:latin typeface="Consolas" panose="020B0609020204030204" pitchFamily="49" charset="0"/>
+              </a:rPr>
+              <a:t>cnt</a:t>
+            </a:r>
+            <a:r>
+              <a:rPr lang="en-IN" dirty="0">
+                <a:latin typeface="Consolas" panose="020B0609020204030204" pitchFamily="49" charset="0"/>
+              </a:rPr>
+              <a:t>, char *name);</a:t>
+            </a:r>
+          </a:p>
+          <a:p>
+            <a:pPr fontAlgn="base"/>
+            <a:r>
+              <a:rPr lang="en-IN" dirty="0" err="1" smtClean="0">
+                <a:latin typeface="Consolas" panose="020B0609020204030204" pitchFamily="49" charset="0"/>
+              </a:rPr>
+              <a:t>int</a:t>
+            </a:r>
+            <a:r>
+              <a:rPr lang="en-IN" dirty="0" smtClean="0">
+                <a:latin typeface="Consolas" panose="020B0609020204030204" pitchFamily="49" charset="0"/>
+              </a:rPr>
+              <a:t> </a:t>
+            </a:r>
+            <a:r>
+              <a:rPr lang="en-IN" dirty="0" err="1">
+                <a:latin typeface="Consolas" panose="020B0609020204030204" pitchFamily="49" charset="0"/>
+              </a:rPr>
+              <a:t>alloc_chrdev_region</a:t>
+            </a:r>
+            <a:r>
+              <a:rPr lang="en-IN" dirty="0">
+                <a:latin typeface="Consolas" panose="020B0609020204030204" pitchFamily="49" charset="0"/>
+              </a:rPr>
+              <a:t>(</a:t>
+            </a:r>
+            <a:r>
+              <a:rPr lang="en-IN" dirty="0" err="1">
+                <a:latin typeface="Consolas" panose="020B0609020204030204" pitchFamily="49" charset="0"/>
+              </a:rPr>
+              <a:t>dev_t</a:t>
+            </a:r>
+            <a:r>
+              <a:rPr lang="en-IN" dirty="0">
+                <a:latin typeface="Consolas" panose="020B0609020204030204" pitchFamily="49" charset="0"/>
+              </a:rPr>
+              <a:t> *first, unsigned </a:t>
+            </a:r>
+            <a:r>
+              <a:rPr lang="en-IN" dirty="0" err="1">
+                <a:latin typeface="Consolas" panose="020B0609020204030204" pitchFamily="49" charset="0"/>
+              </a:rPr>
+              <a:t>int</a:t>
+            </a:r>
+            <a:r>
+              <a:rPr lang="en-IN" dirty="0">
+                <a:latin typeface="Consolas" panose="020B0609020204030204" pitchFamily="49" charset="0"/>
+              </a:rPr>
+              <a:t> </a:t>
+            </a:r>
+            <a:r>
+              <a:rPr lang="en-IN" dirty="0" err="1">
+                <a:latin typeface="Consolas" panose="020B0609020204030204" pitchFamily="49" charset="0"/>
+              </a:rPr>
+              <a:t>firstminor</a:t>
+            </a:r>
+            <a:r>
+              <a:rPr lang="en-IN" dirty="0">
+                <a:latin typeface="Consolas" panose="020B0609020204030204" pitchFamily="49" charset="0"/>
+              </a:rPr>
+              <a:t>, unsigned </a:t>
+            </a:r>
+            <a:r>
+              <a:rPr lang="en-IN" dirty="0" err="1">
+                <a:latin typeface="Consolas" panose="020B0609020204030204" pitchFamily="49" charset="0"/>
+              </a:rPr>
+              <a:t>int</a:t>
+            </a:r>
+            <a:r>
+              <a:rPr lang="en-IN" dirty="0">
+                <a:latin typeface="Consolas" panose="020B0609020204030204" pitchFamily="49" charset="0"/>
+              </a:rPr>
+              <a:t> </a:t>
+            </a:r>
+            <a:r>
+              <a:rPr lang="en-IN" dirty="0" err="1">
+                <a:latin typeface="Consolas" panose="020B0609020204030204" pitchFamily="49" charset="0"/>
+              </a:rPr>
+              <a:t>cnt</a:t>
+            </a:r>
+            <a:r>
+              <a:rPr lang="en-IN" dirty="0">
+                <a:latin typeface="Consolas" panose="020B0609020204030204" pitchFamily="49" charset="0"/>
+              </a:rPr>
+              <a:t>, char *name);</a:t>
+            </a:r>
+          </a:p>
+          <a:p>
+            <a:endParaRPr lang="en-IN" dirty="0"/>
+          </a:p>
+        </p:txBody>
+      </p:sp>
+    </p:spTree>
+    <p:extLst>
+      <p:ext uri="{BB962C8B-B14F-4D97-AF65-F5344CB8AC3E}">
+        <p14:creationId xmlns:p14="http://schemas.microsoft.com/office/powerpoint/2010/main" val="3930527586"/>
+      </p:ext>
+    </p:extLst>
+  </p:cSld>
+  <p:clrMapOvr>
+    <a:masterClrMapping/>
+  </p:clrMapOvr>
+  <p:timing>
+    <p:tnLst>
+      <p:par>
+        <p:cTn id="1" dur="indefinite" restart="never" nodeType="tmRoot"/>
+      </p:par>
+    </p:tnLst>
+  </p:timing>
+</p:sld>
+</file>
+
+<file path=ppt/slides/slide23.xml><?xml version="1.0" encoding="utf-8"?>
+<p:sld xmlns:a="http://schemas.openxmlformats.org/drawingml/2006/main" xmlns:r="http://schemas.openxmlformats.org/officeDocument/2006/relationships" xmlns:p="http://schemas.openxmlformats.org/presentationml/2006/main">
+  <p:cSld>
+    <p:spTree>
+      <p:nvGrpSpPr>
+        <p:cNvPr id="1" name=""/>
+        <p:cNvGrpSpPr/>
+        <p:nvPr/>
+      </p:nvGrpSpPr>
+      <p:grpSpPr>
+        <a:xfrm>
+          <a:off x="0" y="0"/>
+          <a:ext cx="0" cy="0"/>
+          <a:chOff x="0" y="0"/>
+          <a:chExt cx="0" cy="0"/>
+        </a:xfrm>
+      </p:grpSpPr>
+      <p:sp>
+        <p:nvSpPr>
+          <p:cNvPr id="2" name="Title 1"/>
+          <p:cNvSpPr>
+            <a:spLocks noGrp="1"/>
+          </p:cNvSpPr>
+          <p:nvPr>
+            <p:ph type="title"/>
+          </p:nvPr>
+        </p:nvSpPr>
+        <p:spPr/>
+        <p:txBody>
+          <a:bodyPr/>
+          <a:lstStyle/>
+          <a:p>
+            <a:endParaRPr lang="en-IN" dirty="0"/>
+          </a:p>
+        </p:txBody>
+      </p:sp>
+      <p:sp>
+        <p:nvSpPr>
+          <p:cNvPr id="3" name="Content Placeholder 2"/>
+          <p:cNvSpPr>
+            <a:spLocks noGrp="1"/>
+          </p:cNvSpPr>
+          <p:nvPr>
+            <p:ph idx="1"/>
+          </p:nvPr>
+        </p:nvSpPr>
+        <p:spPr/>
+        <p:txBody>
+          <a:bodyPr/>
+          <a:lstStyle/>
+          <a:p>
+            <a:r>
+              <a:rPr lang="en-US" dirty="0" smtClean="0"/>
+              <a:t>Creation of Device file (Auto)</a:t>
+            </a:r>
+          </a:p>
+          <a:p>
+            <a:r>
+              <a:rPr lang="en-US" dirty="0" smtClean="0"/>
+              <a:t>Linking file operations structure:</a:t>
+            </a:r>
+          </a:p>
+          <a:p>
+            <a:endParaRPr lang="en-US" dirty="0"/>
+          </a:p>
+          <a:p>
+            <a:r>
+              <a:rPr lang="en-US" dirty="0" smtClean="0"/>
+              <a:t>Reading to device</a:t>
+            </a:r>
+          </a:p>
+          <a:p>
+            <a:r>
+              <a:rPr lang="en-US" dirty="0" smtClean="0"/>
+              <a:t>Writing from device</a:t>
+            </a:r>
+          </a:p>
+          <a:p>
+            <a:endParaRPr lang="en-US" dirty="0" smtClean="0"/>
+          </a:p>
+          <a:p>
+            <a:endParaRPr lang="en-IN" dirty="0"/>
+          </a:p>
+        </p:txBody>
+      </p:sp>
+    </p:spTree>
+    <p:extLst>
+      <p:ext uri="{BB962C8B-B14F-4D97-AF65-F5344CB8AC3E}">
+        <p14:creationId xmlns:p14="http://schemas.microsoft.com/office/powerpoint/2010/main" val="642850542"/>
+      </p:ext>
+    </p:extLst>
+  </p:cSld>
+  <p:clrMapOvr>
+    <a:masterClrMapping/>
+  </p:clrMapOvr>
+</p:sld>
+</file>
+
+<file path=ppt/slides/slide24.xml><?xml version="1.0" encoding="utf-8"?>
+<p:sld xmlns:a="http://schemas.openxmlformats.org/drawingml/2006/main" xmlns:r="http://schemas.openxmlformats.org/officeDocument/2006/relationships" xmlns:p="http://schemas.openxmlformats.org/presentationml/2006/main">
+  <p:cSld>
+    <p:spTree>
+      <p:nvGrpSpPr>
+        <p:cNvPr id="1" name=""/>
+        <p:cNvGrpSpPr/>
+        <p:nvPr/>
+      </p:nvGrpSpPr>
+      <p:grpSpPr>
+        <a:xfrm>
+          <a:off x="0" y="0"/>
+          <a:ext cx="0" cy="0"/>
+          <a:chOff x="0" y="0"/>
+          <a:chExt cx="0" cy="0"/>
+        </a:xfrm>
+      </p:grpSpPr>
+      <p:sp>
+        <p:nvSpPr>
+          <p:cNvPr id="2" name="Title 1"/>
+          <p:cNvSpPr>
+            <a:spLocks noGrp="1"/>
+          </p:cNvSpPr>
+          <p:nvPr>
+            <p:ph type="title"/>
+          </p:nvPr>
+        </p:nvSpPr>
+        <p:spPr/>
+        <p:txBody>
+          <a:bodyPr/>
+          <a:lstStyle/>
+          <a:p>
             <a:endParaRPr lang="en-IN" dirty="0"/>
           </a:p>
         </p:txBody>
@@ -12000,314 +13946,6 @@
 </p:sld>
 </file>
 
-<file path=ppt/slides/slide21.xml><?xml version="1.0" encoding="utf-8"?>
-<p:sld xmlns:a="http://schemas.openxmlformats.org/drawingml/2006/main" xmlns:r="http://schemas.openxmlformats.org/officeDocument/2006/relationships" xmlns:p="http://schemas.openxmlformats.org/presentationml/2006/main">
-  <p:cSld>
-    <p:spTree>
-      <p:nvGrpSpPr>
-        <p:cNvPr id="1" name=""/>
-        <p:cNvGrpSpPr/>
-        <p:nvPr/>
-      </p:nvGrpSpPr>
-      <p:grpSpPr>
-        <a:xfrm>
-          <a:off x="0" y="0"/>
-          <a:ext cx="0" cy="0"/>
-          <a:chOff x="0" y="0"/>
-          <a:chExt cx="0" cy="0"/>
-        </a:xfrm>
-      </p:grpSpPr>
-      <p:sp>
-        <p:nvSpPr>
-          <p:cNvPr id="2" name="Title 1"/>
-          <p:cNvSpPr>
-            <a:spLocks noGrp="1"/>
-          </p:cNvSpPr>
-          <p:nvPr>
-            <p:ph type="title"/>
-          </p:nvPr>
-        </p:nvSpPr>
-        <p:spPr/>
-        <p:txBody>
-          <a:bodyPr/>
-          <a:lstStyle/>
-          <a:p>
-            <a:r>
-              <a:rPr lang="en-US" dirty="0" smtClean="0"/>
-              <a:t>Char device file creation</a:t>
-            </a:r>
-            <a:endParaRPr lang="en-IN" dirty="0"/>
-          </a:p>
-        </p:txBody>
-      </p:sp>
-      <p:sp>
-        <p:nvSpPr>
-          <p:cNvPr id="3" name="Content Placeholder 2"/>
-          <p:cNvSpPr>
-            <a:spLocks noGrp="1"/>
-          </p:cNvSpPr>
-          <p:nvPr>
-            <p:ph idx="1"/>
-          </p:nvPr>
-        </p:nvSpPr>
-        <p:spPr/>
-        <p:txBody>
-          <a:bodyPr/>
-          <a:lstStyle/>
-          <a:p>
-            <a:endParaRPr lang="en-IN"/>
-          </a:p>
-        </p:txBody>
-      </p:sp>
-    </p:spTree>
-    <p:extLst>
-      <p:ext uri="{BB962C8B-B14F-4D97-AF65-F5344CB8AC3E}">
-        <p14:creationId xmlns:p14="http://schemas.microsoft.com/office/powerpoint/2010/main" val="2501065746"/>
-      </p:ext>
-    </p:extLst>
-  </p:cSld>
-  <p:clrMapOvr>
-    <a:masterClrMapping/>
-  </p:clrMapOvr>
-</p:sld>
-</file>
-
-<file path=ppt/slides/slide22.xml><?xml version="1.0" encoding="utf-8"?>
-<p:sld xmlns:a="http://schemas.openxmlformats.org/drawingml/2006/main" xmlns:r="http://schemas.openxmlformats.org/officeDocument/2006/relationships" xmlns:p="http://schemas.openxmlformats.org/presentationml/2006/main">
-  <p:cSld>
-    <p:spTree>
-      <p:nvGrpSpPr>
-        <p:cNvPr id="1" name=""/>
-        <p:cNvGrpSpPr/>
-        <p:nvPr/>
-      </p:nvGrpSpPr>
-      <p:grpSpPr>
-        <a:xfrm>
-          <a:off x="0" y="0"/>
-          <a:ext cx="0" cy="0"/>
-          <a:chOff x="0" y="0"/>
-          <a:chExt cx="0" cy="0"/>
-        </a:xfrm>
-      </p:grpSpPr>
-      <p:sp>
-        <p:nvSpPr>
-          <p:cNvPr id="2" name="Title 1"/>
-          <p:cNvSpPr>
-            <a:spLocks noGrp="1"/>
-          </p:cNvSpPr>
-          <p:nvPr>
-            <p:ph type="title"/>
-          </p:nvPr>
-        </p:nvSpPr>
-        <p:spPr>
-          <a:xfrm>
-            <a:off x="838200" y="365125"/>
-            <a:ext cx="10515600" cy="1325563"/>
-          </a:xfrm>
-        </p:spPr>
-        <p:txBody>
-          <a:bodyPr/>
-          <a:lstStyle/>
-          <a:p>
-            <a:r>
-              <a:rPr lang="en-US" dirty="0" err="1" smtClean="0"/>
-              <a:t>Cdev</a:t>
-            </a:r>
-            <a:r>
-              <a:rPr lang="en-US" dirty="0" smtClean="0"/>
-              <a:t> structure and file operations</a:t>
-            </a:r>
-            <a:endParaRPr lang="en-IN" dirty="0"/>
-          </a:p>
-        </p:txBody>
-      </p:sp>
-      <p:sp>
-        <p:nvSpPr>
-          <p:cNvPr id="3" name="Content Placeholder 2"/>
-          <p:cNvSpPr>
-            <a:spLocks noGrp="1"/>
-          </p:cNvSpPr>
-          <p:nvPr>
-            <p:ph idx="1"/>
-          </p:nvPr>
-        </p:nvSpPr>
-        <p:spPr/>
-        <p:txBody>
-          <a:bodyPr/>
-          <a:lstStyle/>
-          <a:p>
-            <a:endParaRPr lang="en-IN"/>
-          </a:p>
-        </p:txBody>
-      </p:sp>
-    </p:spTree>
-    <p:extLst>
-      <p:ext uri="{BB962C8B-B14F-4D97-AF65-F5344CB8AC3E}">
-        <p14:creationId xmlns:p14="http://schemas.microsoft.com/office/powerpoint/2010/main" val="3822581783"/>
-      </p:ext>
-    </p:extLst>
-  </p:cSld>
-  <p:clrMapOvr>
-    <a:masterClrMapping/>
-  </p:clrMapOvr>
-</p:sld>
-</file>
-
-<file path=ppt/slides/slide23.xml><?xml version="1.0" encoding="utf-8"?>
-<p:sld xmlns:a="http://schemas.openxmlformats.org/drawingml/2006/main" xmlns:r="http://schemas.openxmlformats.org/officeDocument/2006/relationships" xmlns:p="http://schemas.openxmlformats.org/presentationml/2006/main">
-  <p:cSld>
-    <p:spTree>
-      <p:nvGrpSpPr>
-        <p:cNvPr id="1" name=""/>
-        <p:cNvGrpSpPr/>
-        <p:nvPr/>
-      </p:nvGrpSpPr>
-      <p:grpSpPr>
-        <a:xfrm>
-          <a:off x="0" y="0"/>
-          <a:ext cx="0" cy="0"/>
-          <a:chOff x="0" y="0"/>
-          <a:chExt cx="0" cy="0"/>
-        </a:xfrm>
-      </p:grpSpPr>
-      <p:sp>
-        <p:nvSpPr>
-          <p:cNvPr id="2" name="Title 1"/>
-          <p:cNvSpPr>
-            <a:spLocks noGrp="1"/>
-          </p:cNvSpPr>
-          <p:nvPr>
-            <p:ph type="title"/>
-          </p:nvPr>
-        </p:nvSpPr>
-        <p:spPr/>
-        <p:txBody>
-          <a:bodyPr/>
-          <a:lstStyle/>
-          <a:p>
-            <a:r>
-              <a:rPr lang="en-US" dirty="0" smtClean="0"/>
-              <a:t>ADVANCED CHARACTER DRIVER OPERATIONS</a:t>
-            </a:r>
-            <a:endParaRPr lang="en-IN" dirty="0"/>
-          </a:p>
-        </p:txBody>
-      </p:sp>
-      <p:sp>
-        <p:nvSpPr>
-          <p:cNvPr id="3" name="Content Placeholder 2"/>
-          <p:cNvSpPr>
-            <a:spLocks noGrp="1"/>
-          </p:cNvSpPr>
-          <p:nvPr>
-            <p:ph idx="1"/>
-          </p:nvPr>
-        </p:nvSpPr>
-        <p:spPr/>
-        <p:txBody>
-          <a:bodyPr/>
-          <a:lstStyle/>
-          <a:p>
-            <a:r>
-              <a:rPr lang="en-US" dirty="0" err="1" smtClean="0"/>
-              <a:t>Lseek</a:t>
-            </a:r>
-            <a:endParaRPr lang="en-US" dirty="0" smtClean="0"/>
-          </a:p>
-          <a:p>
-            <a:r>
-              <a:rPr lang="en-US" dirty="0" err="1" smtClean="0"/>
-              <a:t>ioctl</a:t>
-            </a:r>
-            <a:endParaRPr lang="en-IN" dirty="0"/>
-          </a:p>
-        </p:txBody>
-      </p:sp>
-    </p:spTree>
-    <p:extLst>
-      <p:ext uri="{BB962C8B-B14F-4D97-AF65-F5344CB8AC3E}">
-        <p14:creationId xmlns:p14="http://schemas.microsoft.com/office/powerpoint/2010/main" val="1391139471"/>
-      </p:ext>
-    </p:extLst>
-  </p:cSld>
-  <p:clrMapOvr>
-    <a:masterClrMapping/>
-  </p:clrMapOvr>
-</p:sld>
-</file>
-
-<file path=ppt/slides/slide24.xml><?xml version="1.0" encoding="utf-8"?>
-<p:sld xmlns:a="http://schemas.openxmlformats.org/drawingml/2006/main" xmlns:r="http://schemas.openxmlformats.org/officeDocument/2006/relationships" xmlns:p="http://schemas.openxmlformats.org/presentationml/2006/main">
-  <p:cSld>
-    <p:spTree>
-      <p:nvGrpSpPr>
-        <p:cNvPr id="1" name=""/>
-        <p:cNvGrpSpPr/>
-        <p:nvPr/>
-      </p:nvGrpSpPr>
-      <p:grpSpPr>
-        <a:xfrm>
-          <a:off x="0" y="0"/>
-          <a:ext cx="0" cy="0"/>
-          <a:chOff x="0" y="0"/>
-          <a:chExt cx="0" cy="0"/>
-        </a:xfrm>
-      </p:grpSpPr>
-      <p:sp>
-        <p:nvSpPr>
-          <p:cNvPr id="2" name="Title 1"/>
-          <p:cNvSpPr>
-            <a:spLocks noGrp="1"/>
-          </p:cNvSpPr>
-          <p:nvPr>
-            <p:ph type="title"/>
-          </p:nvPr>
-        </p:nvSpPr>
-        <p:spPr/>
-        <p:txBody>
-          <a:bodyPr/>
-          <a:lstStyle/>
-          <a:p>
-            <a:r>
-              <a:rPr lang="en-US" dirty="0" smtClean="0"/>
-              <a:t>FLOW OF TIME</a:t>
-            </a:r>
-            <a:endParaRPr lang="en-IN" dirty="0"/>
-          </a:p>
-        </p:txBody>
-      </p:sp>
-      <p:sp>
-        <p:nvSpPr>
-          <p:cNvPr id="3" name="Content Placeholder 2"/>
-          <p:cNvSpPr>
-            <a:spLocks noGrp="1"/>
-          </p:cNvSpPr>
-          <p:nvPr>
-            <p:ph idx="1"/>
-          </p:nvPr>
-        </p:nvSpPr>
-        <p:spPr/>
-        <p:txBody>
-          <a:bodyPr/>
-          <a:lstStyle/>
-          <a:p>
-            <a:endParaRPr lang="en-IN"/>
-          </a:p>
-        </p:txBody>
-      </p:sp>
-    </p:spTree>
-    <p:extLst>
-      <p:ext uri="{BB962C8B-B14F-4D97-AF65-F5344CB8AC3E}">
-        <p14:creationId xmlns:p14="http://schemas.microsoft.com/office/powerpoint/2010/main" val="92878347"/>
-      </p:ext>
-    </p:extLst>
-  </p:cSld>
-  <p:clrMapOvr>
-    <a:masterClrMapping/>
-  </p:clrMapOvr>
-</p:sld>
-</file>
-
 <file path=ppt/slides/slide25.xml><?xml version="1.0" encoding="utf-8"?>
 <p:sld xmlns:a="http://schemas.openxmlformats.org/drawingml/2006/main" xmlns:r="http://schemas.openxmlformats.org/officeDocument/2006/relationships" xmlns:p="http://schemas.openxmlformats.org/presentationml/2006/main">
   <p:cSld>
@@ -12342,7 +13980,7 @@
           <a:p>
             <a:r>
               <a:rPr lang="en-US" dirty="0" smtClean="0"/>
-              <a:t>HARDWARE MANAGEMENT</a:t>
+              <a:t>Char device file creation</a:t>
             </a:r>
             <a:endParaRPr lang="en-IN" dirty="0"/>
           </a:p>
@@ -12370,7 +14008,7 @@
     </p:spTree>
     <p:extLst>
       <p:ext uri="{BB962C8B-B14F-4D97-AF65-F5344CB8AC3E}">
-        <p14:creationId xmlns:p14="http://schemas.microsoft.com/office/powerpoint/2010/main" val="2907784962"/>
+        <p14:creationId xmlns:p14="http://schemas.microsoft.com/office/powerpoint/2010/main" val="2501065746"/>
       </p:ext>
     </p:extLst>
   </p:cSld>
@@ -12407,14 +14045,23 @@
             <p:ph type="title"/>
           </p:nvPr>
         </p:nvSpPr>
-        <p:spPr/>
+        <p:spPr>
+          <a:xfrm>
+            <a:off x="838200" y="365125"/>
+            <a:ext cx="10515600" cy="1325563"/>
+          </a:xfrm>
+        </p:spPr>
         <p:txBody>
           <a:bodyPr/>
           <a:lstStyle/>
           <a:p>
             <a:r>
+              <a:rPr lang="en-US" dirty="0" err="1" smtClean="0"/>
+              <a:t>Cdev</a:t>
+            </a:r>
+            <a:r>
               <a:rPr lang="en-US" dirty="0" smtClean="0"/>
-              <a:t>INTERRUPT HANDLING</a:t>
+              <a:t> structure and file operations</a:t>
             </a:r>
             <a:endParaRPr lang="en-IN" dirty="0"/>
           </a:p>
@@ -12442,7 +14089,7 @@
     </p:spTree>
     <p:extLst>
       <p:ext uri="{BB962C8B-B14F-4D97-AF65-F5344CB8AC3E}">
-        <p14:creationId xmlns:p14="http://schemas.microsoft.com/office/powerpoint/2010/main" val="2521435045"/>
+        <p14:creationId xmlns:p14="http://schemas.microsoft.com/office/powerpoint/2010/main" val="3822581783"/>
       </p:ext>
     </p:extLst>
   </p:cSld>
@@ -12486,7 +14133,7 @@
           <a:p>
             <a:r>
               <a:rPr lang="en-US" dirty="0" smtClean="0"/>
-              <a:t>CONCORRENCY AND RICE CONDITION</a:t>
+              <a:t>ADVANCED CHARACTER DRIVER OPERATIONS</a:t>
             </a:r>
             <a:endParaRPr lang="en-IN" dirty="0"/>
           </a:p>
@@ -12507,14 +14154,25 @@
           <a:bodyPr/>
           <a:lstStyle/>
           <a:p>
-            <a:endParaRPr lang="en-IN"/>
+            <a:r>
+              <a:rPr lang="en-US" dirty="0" err="1" smtClean="0"/>
+              <a:t>Lseek</a:t>
+            </a:r>
+            <a:endParaRPr lang="en-US" dirty="0" smtClean="0"/>
+          </a:p>
+          <a:p>
+            <a:r>
+              <a:rPr lang="en-US" dirty="0" err="1" smtClean="0"/>
+              <a:t>ioctl</a:t>
+            </a:r>
+            <a:endParaRPr lang="en-IN" dirty="0"/>
           </a:p>
         </p:txBody>
       </p:sp>
     </p:spTree>
     <p:extLst>
       <p:ext uri="{BB962C8B-B14F-4D97-AF65-F5344CB8AC3E}">
-        <p14:creationId xmlns:p14="http://schemas.microsoft.com/office/powerpoint/2010/main" val="2958807930"/>
+        <p14:creationId xmlns:p14="http://schemas.microsoft.com/office/powerpoint/2010/main" val="1391139471"/>
       </p:ext>
     </p:extLst>
   </p:cSld>
@@ -12558,7 +14216,7 @@
           <a:p>
             <a:r>
               <a:rPr lang="en-US" dirty="0" smtClean="0"/>
-              <a:t>USB DEVICES</a:t>
+              <a:t>FLOW OF TIME</a:t>
             </a:r>
             <a:endParaRPr lang="en-IN" dirty="0"/>
           </a:p>
@@ -12586,7 +14244,7 @@
     </p:spTree>
     <p:extLst>
       <p:ext uri="{BB962C8B-B14F-4D97-AF65-F5344CB8AC3E}">
-        <p14:creationId xmlns:p14="http://schemas.microsoft.com/office/powerpoint/2010/main" val="1115652092"/>
+        <p14:creationId xmlns:p14="http://schemas.microsoft.com/office/powerpoint/2010/main" val="92878347"/>
       </p:ext>
     </p:extLst>
   </p:cSld>
@@ -12630,7 +14288,7 @@
           <a:p>
             <a:r>
               <a:rPr lang="en-US" dirty="0" smtClean="0"/>
-              <a:t>BLOCK DEVICES</a:t>
+              <a:t>HARDWARE MANAGEMENT</a:t>
             </a:r>
             <a:endParaRPr lang="en-IN" dirty="0"/>
           </a:p>
@@ -12658,7 +14316,7 @@
     </p:spTree>
     <p:extLst>
       <p:ext uri="{BB962C8B-B14F-4D97-AF65-F5344CB8AC3E}">
-        <p14:creationId xmlns:p14="http://schemas.microsoft.com/office/powerpoint/2010/main" val="3028707880"/>
+        <p14:creationId xmlns:p14="http://schemas.microsoft.com/office/powerpoint/2010/main" val="2907784962"/>
       </p:ext>
     </p:extLst>
   </p:cSld>
@@ -12774,7 +14432,7 @@
           <a:p>
             <a:r>
               <a:rPr lang="en-US" dirty="0" smtClean="0"/>
-              <a:t>PCI INTERFACE</a:t>
+              <a:t>INTERRUPT HANDLING</a:t>
             </a:r>
             <a:endParaRPr lang="en-IN" dirty="0"/>
           </a:p>
@@ -12802,7 +14460,7 @@
     </p:spTree>
     <p:extLst>
       <p:ext uri="{BB962C8B-B14F-4D97-AF65-F5344CB8AC3E}">
-        <p14:creationId xmlns:p14="http://schemas.microsoft.com/office/powerpoint/2010/main" val="1666987590"/>
+        <p14:creationId xmlns:p14="http://schemas.microsoft.com/office/powerpoint/2010/main" val="2521435045"/>
       </p:ext>
     </p:extLst>
   </p:cSld>
@@ -12846,7 +14504,7 @@
           <a:p>
             <a:r>
               <a:rPr lang="en-US" dirty="0" smtClean="0"/>
-              <a:t>LINUX DEVICE MODEL</a:t>
+              <a:t>CONCORRENCY AND RICE CONDITION</a:t>
             </a:r>
             <a:endParaRPr lang="en-IN" dirty="0"/>
           </a:p>
@@ -12874,7 +14532,7 @@
     </p:spTree>
     <p:extLst>
       <p:ext uri="{BB962C8B-B14F-4D97-AF65-F5344CB8AC3E}">
-        <p14:creationId xmlns:p14="http://schemas.microsoft.com/office/powerpoint/2010/main" val="2790520241"/>
+        <p14:creationId xmlns:p14="http://schemas.microsoft.com/office/powerpoint/2010/main" val="2958807930"/>
       </p:ext>
     </p:extLst>
   </p:cSld>
@@ -12918,7 +14576,7 @@
           <a:p>
             <a:r>
               <a:rPr lang="en-US" dirty="0" smtClean="0"/>
-              <a:t>LINUX KERNEL BUILD AND STATIC LINKING</a:t>
+              <a:t>USB DEVICES</a:t>
             </a:r>
             <a:endParaRPr lang="en-IN" dirty="0"/>
           </a:p>
@@ -12946,7 +14604,7 @@
     </p:spTree>
     <p:extLst>
       <p:ext uri="{BB962C8B-B14F-4D97-AF65-F5344CB8AC3E}">
-        <p14:creationId xmlns:p14="http://schemas.microsoft.com/office/powerpoint/2010/main" val="3827052536"/>
+        <p14:creationId xmlns:p14="http://schemas.microsoft.com/office/powerpoint/2010/main" val="1115652092"/>
       </p:ext>
     </p:extLst>
   </p:cSld>
@@ -12990,7 +14648,7 @@
           <a:p>
             <a:r>
               <a:rPr lang="en-US" dirty="0" smtClean="0"/>
-              <a:t>SERIAL PORT</a:t>
+              <a:t>BLOCK DEVICES</a:t>
             </a:r>
             <a:endParaRPr lang="en-IN" dirty="0"/>
           </a:p>
@@ -13018,7 +14676,7 @@
     </p:spTree>
     <p:extLst>
       <p:ext uri="{BB962C8B-B14F-4D97-AF65-F5344CB8AC3E}">
-        <p14:creationId xmlns:p14="http://schemas.microsoft.com/office/powerpoint/2010/main" val="2655153619"/>
+        <p14:creationId xmlns:p14="http://schemas.microsoft.com/office/powerpoint/2010/main" val="3028707880"/>
       </p:ext>
     </p:extLst>
   </p:cSld>
@@ -13062,7 +14720,7 @@
           <a:p>
             <a:r>
               <a:rPr lang="en-US" dirty="0" smtClean="0"/>
-              <a:t>PARALLEL PORT</a:t>
+              <a:t>PCI INTERFACE</a:t>
             </a:r>
             <a:endParaRPr lang="en-IN" dirty="0"/>
           </a:p>
@@ -13090,6 +14748,294 @@
     </p:spTree>
     <p:extLst>
       <p:ext uri="{BB962C8B-B14F-4D97-AF65-F5344CB8AC3E}">
+        <p14:creationId xmlns:p14="http://schemas.microsoft.com/office/powerpoint/2010/main" val="1666987590"/>
+      </p:ext>
+    </p:extLst>
+  </p:cSld>
+  <p:clrMapOvr>
+    <a:masterClrMapping/>
+  </p:clrMapOvr>
+</p:sld>
+</file>
+
+<file path=ppt/slides/slide35.xml><?xml version="1.0" encoding="utf-8"?>
+<p:sld xmlns:a="http://schemas.openxmlformats.org/drawingml/2006/main" xmlns:r="http://schemas.openxmlformats.org/officeDocument/2006/relationships" xmlns:p="http://schemas.openxmlformats.org/presentationml/2006/main">
+  <p:cSld>
+    <p:spTree>
+      <p:nvGrpSpPr>
+        <p:cNvPr id="1" name=""/>
+        <p:cNvGrpSpPr/>
+        <p:nvPr/>
+      </p:nvGrpSpPr>
+      <p:grpSpPr>
+        <a:xfrm>
+          <a:off x="0" y="0"/>
+          <a:ext cx="0" cy="0"/>
+          <a:chOff x="0" y="0"/>
+          <a:chExt cx="0" cy="0"/>
+        </a:xfrm>
+      </p:grpSpPr>
+      <p:sp>
+        <p:nvSpPr>
+          <p:cNvPr id="2" name="Title 1"/>
+          <p:cNvSpPr>
+            <a:spLocks noGrp="1"/>
+          </p:cNvSpPr>
+          <p:nvPr>
+            <p:ph type="title"/>
+          </p:nvPr>
+        </p:nvSpPr>
+        <p:spPr/>
+        <p:txBody>
+          <a:bodyPr/>
+          <a:lstStyle/>
+          <a:p>
+            <a:r>
+              <a:rPr lang="en-US" dirty="0" smtClean="0"/>
+              <a:t>LINUX DEVICE MODEL</a:t>
+            </a:r>
+            <a:endParaRPr lang="en-IN" dirty="0"/>
+          </a:p>
+        </p:txBody>
+      </p:sp>
+      <p:sp>
+        <p:nvSpPr>
+          <p:cNvPr id="3" name="Content Placeholder 2"/>
+          <p:cNvSpPr>
+            <a:spLocks noGrp="1"/>
+          </p:cNvSpPr>
+          <p:nvPr>
+            <p:ph idx="1"/>
+          </p:nvPr>
+        </p:nvSpPr>
+        <p:spPr/>
+        <p:txBody>
+          <a:bodyPr/>
+          <a:lstStyle/>
+          <a:p>
+            <a:endParaRPr lang="en-IN"/>
+          </a:p>
+        </p:txBody>
+      </p:sp>
+    </p:spTree>
+    <p:extLst>
+      <p:ext uri="{BB962C8B-B14F-4D97-AF65-F5344CB8AC3E}">
+        <p14:creationId xmlns:p14="http://schemas.microsoft.com/office/powerpoint/2010/main" val="2790520241"/>
+      </p:ext>
+    </p:extLst>
+  </p:cSld>
+  <p:clrMapOvr>
+    <a:masterClrMapping/>
+  </p:clrMapOvr>
+</p:sld>
+</file>
+
+<file path=ppt/slides/slide36.xml><?xml version="1.0" encoding="utf-8"?>
+<p:sld xmlns:a="http://schemas.openxmlformats.org/drawingml/2006/main" xmlns:r="http://schemas.openxmlformats.org/officeDocument/2006/relationships" xmlns:p="http://schemas.openxmlformats.org/presentationml/2006/main">
+  <p:cSld>
+    <p:spTree>
+      <p:nvGrpSpPr>
+        <p:cNvPr id="1" name=""/>
+        <p:cNvGrpSpPr/>
+        <p:nvPr/>
+      </p:nvGrpSpPr>
+      <p:grpSpPr>
+        <a:xfrm>
+          <a:off x="0" y="0"/>
+          <a:ext cx="0" cy="0"/>
+          <a:chOff x="0" y="0"/>
+          <a:chExt cx="0" cy="0"/>
+        </a:xfrm>
+      </p:grpSpPr>
+      <p:sp>
+        <p:nvSpPr>
+          <p:cNvPr id="2" name="Title 1"/>
+          <p:cNvSpPr>
+            <a:spLocks noGrp="1"/>
+          </p:cNvSpPr>
+          <p:nvPr>
+            <p:ph type="title"/>
+          </p:nvPr>
+        </p:nvSpPr>
+        <p:spPr/>
+        <p:txBody>
+          <a:bodyPr/>
+          <a:lstStyle/>
+          <a:p>
+            <a:r>
+              <a:rPr lang="en-US" dirty="0" smtClean="0"/>
+              <a:t>LINUX KERNEL BUILD AND STATIC LINKING</a:t>
+            </a:r>
+            <a:endParaRPr lang="en-IN" dirty="0"/>
+          </a:p>
+        </p:txBody>
+      </p:sp>
+      <p:sp>
+        <p:nvSpPr>
+          <p:cNvPr id="3" name="Content Placeholder 2"/>
+          <p:cNvSpPr>
+            <a:spLocks noGrp="1"/>
+          </p:cNvSpPr>
+          <p:nvPr>
+            <p:ph idx="1"/>
+          </p:nvPr>
+        </p:nvSpPr>
+        <p:spPr/>
+        <p:txBody>
+          <a:bodyPr/>
+          <a:lstStyle/>
+          <a:p>
+            <a:endParaRPr lang="en-IN"/>
+          </a:p>
+        </p:txBody>
+      </p:sp>
+    </p:spTree>
+    <p:extLst>
+      <p:ext uri="{BB962C8B-B14F-4D97-AF65-F5344CB8AC3E}">
+        <p14:creationId xmlns:p14="http://schemas.microsoft.com/office/powerpoint/2010/main" val="3827052536"/>
+      </p:ext>
+    </p:extLst>
+  </p:cSld>
+  <p:clrMapOvr>
+    <a:masterClrMapping/>
+  </p:clrMapOvr>
+</p:sld>
+</file>
+
+<file path=ppt/slides/slide37.xml><?xml version="1.0" encoding="utf-8"?>
+<p:sld xmlns:a="http://schemas.openxmlformats.org/drawingml/2006/main" xmlns:r="http://schemas.openxmlformats.org/officeDocument/2006/relationships" xmlns:p="http://schemas.openxmlformats.org/presentationml/2006/main">
+  <p:cSld>
+    <p:spTree>
+      <p:nvGrpSpPr>
+        <p:cNvPr id="1" name=""/>
+        <p:cNvGrpSpPr/>
+        <p:nvPr/>
+      </p:nvGrpSpPr>
+      <p:grpSpPr>
+        <a:xfrm>
+          <a:off x="0" y="0"/>
+          <a:ext cx="0" cy="0"/>
+          <a:chOff x="0" y="0"/>
+          <a:chExt cx="0" cy="0"/>
+        </a:xfrm>
+      </p:grpSpPr>
+      <p:sp>
+        <p:nvSpPr>
+          <p:cNvPr id="2" name="Title 1"/>
+          <p:cNvSpPr>
+            <a:spLocks noGrp="1"/>
+          </p:cNvSpPr>
+          <p:nvPr>
+            <p:ph type="title"/>
+          </p:nvPr>
+        </p:nvSpPr>
+        <p:spPr/>
+        <p:txBody>
+          <a:bodyPr/>
+          <a:lstStyle/>
+          <a:p>
+            <a:r>
+              <a:rPr lang="en-US" dirty="0" smtClean="0"/>
+              <a:t>SERIAL PORT</a:t>
+            </a:r>
+            <a:endParaRPr lang="en-IN" dirty="0"/>
+          </a:p>
+        </p:txBody>
+      </p:sp>
+      <p:sp>
+        <p:nvSpPr>
+          <p:cNvPr id="3" name="Content Placeholder 2"/>
+          <p:cNvSpPr>
+            <a:spLocks noGrp="1"/>
+          </p:cNvSpPr>
+          <p:nvPr>
+            <p:ph idx="1"/>
+          </p:nvPr>
+        </p:nvSpPr>
+        <p:spPr/>
+        <p:txBody>
+          <a:bodyPr/>
+          <a:lstStyle/>
+          <a:p>
+            <a:endParaRPr lang="en-IN"/>
+          </a:p>
+        </p:txBody>
+      </p:sp>
+    </p:spTree>
+    <p:extLst>
+      <p:ext uri="{BB962C8B-B14F-4D97-AF65-F5344CB8AC3E}">
+        <p14:creationId xmlns:p14="http://schemas.microsoft.com/office/powerpoint/2010/main" val="2655153619"/>
+      </p:ext>
+    </p:extLst>
+  </p:cSld>
+  <p:clrMapOvr>
+    <a:masterClrMapping/>
+  </p:clrMapOvr>
+</p:sld>
+</file>
+
+<file path=ppt/slides/slide38.xml><?xml version="1.0" encoding="utf-8"?>
+<p:sld xmlns:a="http://schemas.openxmlformats.org/drawingml/2006/main" xmlns:r="http://schemas.openxmlformats.org/officeDocument/2006/relationships" xmlns:p="http://schemas.openxmlformats.org/presentationml/2006/main">
+  <p:cSld>
+    <p:spTree>
+      <p:nvGrpSpPr>
+        <p:cNvPr id="1" name=""/>
+        <p:cNvGrpSpPr/>
+        <p:nvPr/>
+      </p:nvGrpSpPr>
+      <p:grpSpPr>
+        <a:xfrm>
+          <a:off x="0" y="0"/>
+          <a:ext cx="0" cy="0"/>
+          <a:chOff x="0" y="0"/>
+          <a:chExt cx="0" cy="0"/>
+        </a:xfrm>
+      </p:grpSpPr>
+      <p:sp>
+        <p:nvSpPr>
+          <p:cNvPr id="2" name="Title 1"/>
+          <p:cNvSpPr>
+            <a:spLocks noGrp="1"/>
+          </p:cNvSpPr>
+          <p:nvPr>
+            <p:ph type="title"/>
+          </p:nvPr>
+        </p:nvSpPr>
+        <p:spPr/>
+        <p:txBody>
+          <a:bodyPr/>
+          <a:lstStyle/>
+          <a:p>
+            <a:r>
+              <a:rPr lang="en-US" dirty="0" smtClean="0"/>
+              <a:t>PARALLEL PORT</a:t>
+            </a:r>
+            <a:endParaRPr lang="en-IN" dirty="0"/>
+          </a:p>
+        </p:txBody>
+      </p:sp>
+      <p:sp>
+        <p:nvSpPr>
+          <p:cNvPr id="3" name="Content Placeholder 2"/>
+          <p:cNvSpPr>
+            <a:spLocks noGrp="1"/>
+          </p:cNvSpPr>
+          <p:nvPr>
+            <p:ph idx="1"/>
+          </p:nvPr>
+        </p:nvSpPr>
+        <p:spPr/>
+        <p:txBody>
+          <a:bodyPr/>
+          <a:lstStyle/>
+          <a:p>
+            <a:endParaRPr lang="en-IN"/>
+          </a:p>
+        </p:txBody>
+      </p:sp>
+    </p:spTree>
+    <p:extLst>
+      <p:ext uri="{BB962C8B-B14F-4D97-AF65-F5344CB8AC3E}">
         <p14:creationId xmlns:p14="http://schemas.microsoft.com/office/powerpoint/2010/main" val="3805137301"/>
       </p:ext>
     </p:extLst>
@@ -13100,7 +15046,7 @@
 </p:sld>
 </file>
 
-<file path=ppt/slides/slide35.xml><?xml version="1.0" encoding="utf-8"?>
+<file path=ppt/slides/slide39.xml><?xml version="1.0" encoding="utf-8"?>
 <p:sld xmlns:a="http://schemas.openxmlformats.org/drawingml/2006/main" xmlns:r="http://schemas.openxmlformats.org/officeDocument/2006/relationships" xmlns:p="http://schemas.openxmlformats.org/presentationml/2006/main">
   <p:cSld>
     <p:spTree>

--- a/Materials/ldd.pptx
+++ b/Materials/ldd.pptx
@@ -8,42 +8,47 @@
     <p:sldId id="256" r:id="rId2"/>
     <p:sldId id="257" r:id="rId3"/>
     <p:sldId id="273" r:id="rId4"/>
-    <p:sldId id="274" r:id="rId5"/>
-    <p:sldId id="275" r:id="rId6"/>
-    <p:sldId id="276" r:id="rId7"/>
-    <p:sldId id="277" r:id="rId8"/>
-    <p:sldId id="278" r:id="rId9"/>
-    <p:sldId id="279" r:id="rId10"/>
-    <p:sldId id="280" r:id="rId11"/>
-    <p:sldId id="281" r:id="rId12"/>
-    <p:sldId id="282" r:id="rId13"/>
-    <p:sldId id="283" r:id="rId14"/>
-    <p:sldId id="284" r:id="rId15"/>
-    <p:sldId id="285" r:id="rId16"/>
-    <p:sldId id="286" r:id="rId17"/>
-    <p:sldId id="287" r:id="rId18"/>
-    <p:sldId id="288" r:id="rId19"/>
-    <p:sldId id="272" r:id="rId20"/>
-    <p:sldId id="291" r:id="rId21"/>
-    <p:sldId id="292" r:id="rId22"/>
-    <p:sldId id="293" r:id="rId23"/>
-    <p:sldId id="294" r:id="rId24"/>
-    <p:sldId id="258" r:id="rId25"/>
-    <p:sldId id="289" r:id="rId26"/>
-    <p:sldId id="290" r:id="rId27"/>
-    <p:sldId id="259" r:id="rId28"/>
-    <p:sldId id="260" r:id="rId29"/>
-    <p:sldId id="261" r:id="rId30"/>
-    <p:sldId id="262" r:id="rId31"/>
-    <p:sldId id="263" r:id="rId32"/>
-    <p:sldId id="264" r:id="rId33"/>
-    <p:sldId id="265" r:id="rId34"/>
-    <p:sldId id="266" r:id="rId35"/>
-    <p:sldId id="267" r:id="rId36"/>
-    <p:sldId id="268" r:id="rId37"/>
-    <p:sldId id="269" r:id="rId38"/>
-    <p:sldId id="270" r:id="rId39"/>
-    <p:sldId id="271" r:id="rId40"/>
+    <p:sldId id="295" r:id="rId5"/>
+    <p:sldId id="296" r:id="rId6"/>
+    <p:sldId id="297" r:id="rId7"/>
+    <p:sldId id="274" r:id="rId8"/>
+    <p:sldId id="275" r:id="rId9"/>
+    <p:sldId id="298" r:id="rId10"/>
+    <p:sldId id="276" r:id="rId11"/>
+    <p:sldId id="277" r:id="rId12"/>
+    <p:sldId id="278" r:id="rId13"/>
+    <p:sldId id="299" r:id="rId14"/>
+    <p:sldId id="279" r:id="rId15"/>
+    <p:sldId id="280" r:id="rId16"/>
+    <p:sldId id="281" r:id="rId17"/>
+    <p:sldId id="282" r:id="rId18"/>
+    <p:sldId id="283" r:id="rId19"/>
+    <p:sldId id="284" r:id="rId20"/>
+    <p:sldId id="285" r:id="rId21"/>
+    <p:sldId id="286" r:id="rId22"/>
+    <p:sldId id="287" r:id="rId23"/>
+    <p:sldId id="288" r:id="rId24"/>
+    <p:sldId id="272" r:id="rId25"/>
+    <p:sldId id="291" r:id="rId26"/>
+    <p:sldId id="292" r:id="rId27"/>
+    <p:sldId id="293" r:id="rId28"/>
+    <p:sldId id="294" r:id="rId29"/>
+    <p:sldId id="258" r:id="rId30"/>
+    <p:sldId id="289" r:id="rId31"/>
+    <p:sldId id="290" r:id="rId32"/>
+    <p:sldId id="259" r:id="rId33"/>
+    <p:sldId id="260" r:id="rId34"/>
+    <p:sldId id="261" r:id="rId35"/>
+    <p:sldId id="262" r:id="rId36"/>
+    <p:sldId id="263" r:id="rId37"/>
+    <p:sldId id="264" r:id="rId38"/>
+    <p:sldId id="265" r:id="rId39"/>
+    <p:sldId id="266" r:id="rId40"/>
+    <p:sldId id="267" r:id="rId41"/>
+    <p:sldId id="268" r:id="rId42"/>
+    <p:sldId id="269" r:id="rId43"/>
+    <p:sldId id="270" r:id="rId44"/>
+    <p:sldId id="271" r:id="rId45"/>
   </p:sldIdLst>
   <p:sldSz cx="12192000" cy="6858000"/>
   <p:notesSz cx="6858000" cy="9144000"/>
@@ -8335,7 +8340,7 @@
           <a:p>
             <a:fld id="{AE2F65C5-661A-4CA8-B489-C77145936790}" type="datetimeFigureOut">
               <a:rPr lang="en-IN" smtClean="0"/>
-              <a:t>05-06-2018</a:t>
+              <a:t>06-06-2018</a:t>
             </a:fld>
             <a:endParaRPr lang="en-IN"/>
           </a:p>
@@ -8505,7 +8510,7 @@
           <a:p>
             <a:fld id="{AE2F65C5-661A-4CA8-B489-C77145936790}" type="datetimeFigureOut">
               <a:rPr lang="en-IN" smtClean="0"/>
-              <a:t>05-06-2018</a:t>
+              <a:t>06-06-2018</a:t>
             </a:fld>
             <a:endParaRPr lang="en-IN"/>
           </a:p>
@@ -8685,7 +8690,7 @@
           <a:p>
             <a:fld id="{AE2F65C5-661A-4CA8-B489-C77145936790}" type="datetimeFigureOut">
               <a:rPr lang="en-IN" smtClean="0"/>
-              <a:t>05-06-2018</a:t>
+              <a:t>06-06-2018</a:t>
             </a:fld>
             <a:endParaRPr lang="en-IN"/>
           </a:p>
@@ -8855,7 +8860,7 @@
           <a:p>
             <a:fld id="{AE2F65C5-661A-4CA8-B489-C77145936790}" type="datetimeFigureOut">
               <a:rPr lang="en-IN" smtClean="0"/>
-              <a:t>05-06-2018</a:t>
+              <a:t>06-06-2018</a:t>
             </a:fld>
             <a:endParaRPr lang="en-IN"/>
           </a:p>
@@ -9101,7 +9106,7 @@
           <a:p>
             <a:fld id="{AE2F65C5-661A-4CA8-B489-C77145936790}" type="datetimeFigureOut">
               <a:rPr lang="en-IN" smtClean="0"/>
-              <a:t>05-06-2018</a:t>
+              <a:t>06-06-2018</a:t>
             </a:fld>
             <a:endParaRPr lang="en-IN"/>
           </a:p>
@@ -9333,7 +9338,7 @@
           <a:p>
             <a:fld id="{AE2F65C5-661A-4CA8-B489-C77145936790}" type="datetimeFigureOut">
               <a:rPr lang="en-IN" smtClean="0"/>
-              <a:t>05-06-2018</a:t>
+              <a:t>06-06-2018</a:t>
             </a:fld>
             <a:endParaRPr lang="en-IN"/>
           </a:p>
@@ -9700,7 +9705,7 @@
           <a:p>
             <a:fld id="{AE2F65C5-661A-4CA8-B489-C77145936790}" type="datetimeFigureOut">
               <a:rPr lang="en-IN" smtClean="0"/>
-              <a:t>05-06-2018</a:t>
+              <a:t>06-06-2018</a:t>
             </a:fld>
             <a:endParaRPr lang="en-IN"/>
           </a:p>
@@ -9818,7 +9823,7 @@
           <a:p>
             <a:fld id="{AE2F65C5-661A-4CA8-B489-C77145936790}" type="datetimeFigureOut">
               <a:rPr lang="en-IN" smtClean="0"/>
-              <a:t>05-06-2018</a:t>
+              <a:t>06-06-2018</a:t>
             </a:fld>
             <a:endParaRPr lang="en-IN"/>
           </a:p>
@@ -9913,7 +9918,7 @@
           <a:p>
             <a:fld id="{AE2F65C5-661A-4CA8-B489-C77145936790}" type="datetimeFigureOut">
               <a:rPr lang="en-IN" smtClean="0"/>
-              <a:t>05-06-2018</a:t>
+              <a:t>06-06-2018</a:t>
             </a:fld>
             <a:endParaRPr lang="en-IN"/>
           </a:p>
@@ -10190,7 +10195,7 @@
           <a:p>
             <a:fld id="{AE2F65C5-661A-4CA8-B489-C77145936790}" type="datetimeFigureOut">
               <a:rPr lang="en-IN" smtClean="0"/>
-              <a:t>05-06-2018</a:t>
+              <a:t>06-06-2018</a:t>
             </a:fld>
             <a:endParaRPr lang="en-IN"/>
           </a:p>
@@ -10443,7 +10448,7 @@
           <a:p>
             <a:fld id="{AE2F65C5-661A-4CA8-B489-C77145936790}" type="datetimeFigureOut">
               <a:rPr lang="en-IN" smtClean="0"/>
-              <a:t>05-06-2018</a:t>
+              <a:t>06-06-2018</a:t>
             </a:fld>
             <a:endParaRPr lang="en-IN"/>
           </a:p>
@@ -10656,7 +10661,7 @@
           <a:p>
             <a:fld id="{AE2F65C5-661A-4CA8-B489-C77145936790}" type="datetimeFigureOut">
               <a:rPr lang="en-IN" smtClean="0"/>
-              <a:t>05-06-2018</a:t>
+              <a:t>06-06-2018</a:t>
             </a:fld>
             <a:endParaRPr lang="en-IN"/>
           </a:p>
@@ -11154,7 +11159,7 @@
           <a:p>
             <a:r>
               <a:rPr lang="en-US" dirty="0" smtClean="0"/>
-              <a:t>First device Driver:</a:t>
+              <a:t>Types of Drivers:</a:t>
             </a:r>
             <a:endParaRPr lang="en-IN" dirty="0"/>
           </a:p>
@@ -11175,14 +11180,36 @@
           <a:bodyPr/>
           <a:lstStyle/>
           <a:p>
-            <a:endParaRPr lang="en-IN"/>
+            <a:r>
+              <a:rPr lang="en-US" b="1" dirty="0"/>
+              <a:t>Statically linked driver:</a:t>
+            </a:r>
+            <a:r>
+              <a:rPr lang="en-US" dirty="0"/>
+              <a:t> whose object code is linked with the kernel. The code of such device driver is physically contained in the kernel and therefore loaded in memory when the system boots.</a:t>
+            </a:r>
+            <a:endParaRPr lang="en-IN" dirty="0"/>
+          </a:p>
+          <a:p>
+            <a:r>
+              <a:rPr lang="en-US" b="1" dirty="0"/>
+              <a:t>Dynamically linked driver</a:t>
+            </a:r>
+            <a:r>
+              <a:rPr lang="en-US" dirty="0"/>
+              <a:t>: whose object code is NOT linked with the kernel. The code of such device driver is NOT contained in the kernel, and the device driver is loaded and unloaded as and when required</a:t>
+            </a:r>
+            <a:endParaRPr lang="en-IN" dirty="0"/>
+          </a:p>
+          <a:p>
+            <a:endParaRPr lang="en-IN" dirty="0"/>
           </a:p>
         </p:txBody>
       </p:sp>
     </p:spTree>
     <p:extLst>
       <p:ext uri="{BB962C8B-B14F-4D97-AF65-F5344CB8AC3E}">
-        <p14:creationId xmlns:p14="http://schemas.microsoft.com/office/powerpoint/2010/main" val="2646846607"/>
+        <p14:creationId xmlns:p14="http://schemas.microsoft.com/office/powerpoint/2010/main" val="2761242267"/>
       </p:ext>
     </p:extLst>
   </p:cSld>
@@ -11226,7 +11253,7 @@
           <a:p>
             <a:r>
               <a:rPr lang="en-US" dirty="0" smtClean="0"/>
-              <a:t>Building and running modules:</a:t>
+              <a:t>Kernel versioning:</a:t>
             </a:r>
             <a:endParaRPr lang="en-IN" dirty="0"/>
           </a:p>
@@ -11244,17 +11271,140 @@
         </p:nvSpPr>
         <p:spPr/>
         <p:txBody>
-          <a:bodyPr/>
+          <a:bodyPr>
+            <a:normAutofit fontScale="62500" lnSpcReduction="20000"/>
+          </a:bodyPr>
           <a:lstStyle/>
           <a:p>
-            <a:endParaRPr lang="en-IN"/>
+            <a:pPr lvl="0"/>
+            <a:r>
+              <a:rPr lang="en-US" b="1" dirty="0"/>
+              <a:t>Stable kernels </a:t>
+            </a:r>
+            <a:r>
+              <a:rPr lang="en-US" dirty="0"/>
+              <a:t>: these are production level releases suitable for widespread     </a:t>
+            </a:r>
+            <a:endParaRPr lang="en-IN" dirty="0"/>
+          </a:p>
+          <a:p>
+            <a:r>
+              <a:rPr lang="en-US" b="1" dirty="0"/>
+              <a:t>   </a:t>
+            </a:r>
+            <a:r>
+              <a:rPr lang="en-US" dirty="0"/>
+              <a:t>deployment</a:t>
+            </a:r>
+            <a:endParaRPr lang="en-IN" dirty="0"/>
+          </a:p>
+          <a:p>
+            <a:r>
+              <a:rPr lang="en-US" b="1" dirty="0"/>
+              <a:t>Ex:  3.10.18</a:t>
+            </a:r>
+            <a:endParaRPr lang="en-IN" dirty="0"/>
+          </a:p>
+          <a:p>
+            <a:r>
+              <a:rPr lang="en-US" dirty="0"/>
+              <a:t>3 is Major version no. </a:t>
+            </a:r>
+            <a:endParaRPr lang="en-IN" dirty="0"/>
+          </a:p>
+          <a:p>
+            <a:r>
+              <a:rPr lang="en-US" dirty="0"/>
+              <a:t>10 is minor version no.</a:t>
+            </a:r>
+            <a:endParaRPr lang="en-IN" dirty="0"/>
+          </a:p>
+          <a:p>
+            <a:r>
+              <a:rPr lang="en-US" dirty="0"/>
+              <a:t>Changed only when there drastic changes to kernel </a:t>
+            </a:r>
+            <a:r>
+              <a:rPr lang="en-US" dirty="0" err="1"/>
+              <a:t>i.e</a:t>
+            </a:r>
+            <a:r>
+              <a:rPr lang="en-US" dirty="0"/>
+              <a:t> from 3.9 to 3.10</a:t>
+            </a:r>
+            <a:endParaRPr lang="en-IN" dirty="0"/>
+          </a:p>
+          <a:p>
+            <a:r>
+              <a:rPr lang="en-US" dirty="0"/>
+              <a:t>18 is first release</a:t>
+            </a:r>
+            <a:endParaRPr lang="en-IN" dirty="0"/>
+          </a:p>
+          <a:p>
+            <a:r>
+              <a:rPr lang="en-US" dirty="0"/>
+              <a:t>These are releases with </a:t>
+            </a:r>
+            <a:r>
+              <a:rPr lang="en-US" dirty="0" err="1"/>
+              <a:t>bugfixes</a:t>
+            </a:r>
+            <a:r>
+              <a:rPr lang="en-US" dirty="0"/>
+              <a:t>.</a:t>
+            </a:r>
+            <a:endParaRPr lang="en-IN" dirty="0"/>
+          </a:p>
+          <a:p>
+            <a:r>
+              <a:rPr lang="en-US" dirty="0"/>
+              <a:t> </a:t>
+            </a:r>
+            <a:endParaRPr lang="en-IN" dirty="0"/>
+          </a:p>
+          <a:p>
+            <a:pPr lvl="0"/>
+            <a:r>
+              <a:rPr lang="en-US" b="1" dirty="0"/>
+              <a:t>Development kernels: </a:t>
+            </a:r>
+            <a:r>
+              <a:rPr lang="en-US" dirty="0"/>
+              <a:t>these undergo rapid change where anything goes, often          </a:t>
+            </a:r>
+            <a:endParaRPr lang="en-IN" dirty="0"/>
+          </a:p>
+          <a:p>
+            <a:r>
+              <a:rPr lang="en-US" dirty="0"/>
+              <a:t>   drastic changes to the kernel are made</a:t>
+            </a:r>
+            <a:endParaRPr lang="en-IN" dirty="0"/>
+          </a:p>
+          <a:p>
+            <a:r>
+              <a:rPr lang="en-US" dirty="0"/>
+              <a:t> </a:t>
+            </a:r>
+            <a:endParaRPr lang="en-IN" dirty="0"/>
+          </a:p>
+          <a:p>
+            <a:r>
+              <a:rPr lang="en-US" b="1" dirty="0"/>
+              <a:t>Ex:  3.9.18</a:t>
+            </a:r>
+            <a:endParaRPr lang="en-IN" dirty="0"/>
+          </a:p>
+          <a:p>
+            <a:endParaRPr lang="en-IN" dirty="0"/>
           </a:p>
         </p:txBody>
       </p:sp>
     </p:spTree>
     <p:extLst>
       <p:ext uri="{BB962C8B-B14F-4D97-AF65-F5344CB8AC3E}">
-        <p14:creationId xmlns:p14="http://schemas.microsoft.com/office/powerpoint/2010/main" val="240881125"/>
+        <p14:creationId xmlns:p14="http://schemas.microsoft.com/office/powerpoint/2010/main" val="3548848192"/>
       </p:ext>
     </p:extLst>
   </p:cSld>
@@ -11298,7 +11448,7 @@
           <a:p>
             <a:r>
               <a:rPr lang="en-US" dirty="0" smtClean="0"/>
-              <a:t>Module parameters:</a:t>
+              <a:t>Modules and classes:</a:t>
             </a:r>
             <a:endParaRPr lang="en-IN" dirty="0"/>
           </a:p>
@@ -11319,14 +11469,46 @@
           <a:bodyPr/>
           <a:lstStyle/>
           <a:p>
-            <a:endParaRPr lang="en-IN"/>
+            <a:pPr lvl="0"/>
+            <a:r>
+              <a:rPr lang="en-US" dirty="0"/>
+              <a:t>Character devices</a:t>
+            </a:r>
+            <a:endParaRPr lang="en-IN" dirty="0"/>
+          </a:p>
+          <a:p>
+            <a:pPr lvl="0"/>
+            <a:r>
+              <a:rPr lang="en-US" dirty="0"/>
+              <a:t>Block devices</a:t>
+            </a:r>
+            <a:endParaRPr lang="en-IN" dirty="0"/>
+          </a:p>
+          <a:p>
+            <a:pPr lvl="0"/>
+            <a:r>
+              <a:rPr lang="en-US" dirty="0"/>
+              <a:t>Network devices</a:t>
+            </a:r>
+            <a:endParaRPr lang="en-IN" dirty="0"/>
+          </a:p>
+          <a:p>
+            <a:pPr lvl="0"/>
+            <a:r>
+              <a:rPr lang="en-US" dirty="0"/>
+              <a:t>Pseudo device drivers</a:t>
+            </a:r>
+            <a:endParaRPr lang="en-IN" dirty="0"/>
+          </a:p>
+          <a:p>
+            <a:endParaRPr lang="en-IN" dirty="0"/>
           </a:p>
         </p:txBody>
       </p:sp>
     </p:spTree>
     <p:extLst>
       <p:ext uri="{BB962C8B-B14F-4D97-AF65-F5344CB8AC3E}">
-        <p14:creationId xmlns:p14="http://schemas.microsoft.com/office/powerpoint/2010/main" val="1275934860"/>
+        <p14:creationId xmlns:p14="http://schemas.microsoft.com/office/powerpoint/2010/main" val="785913305"/>
       </p:ext>
     </p:extLst>
   </p:cSld>
@@ -11369,8 +11551,12 @@
           <a:lstStyle/>
           <a:p>
             <a:r>
-              <a:rPr lang="en-US" dirty="0" smtClean="0"/>
-              <a:t>Debugging techniques:</a:t>
+              <a:rPr lang="en-US" b="1" dirty="0"/>
+              <a:t>When  is  a device driver  called </a:t>
+            </a:r>
+            <a:r>
+              <a:rPr lang="en-US" b="1" dirty="0" smtClean="0"/>
+              <a:t>?</a:t>
             </a:r>
             <a:endParaRPr lang="en-IN" dirty="0"/>
           </a:p>
@@ -11388,17 +11574,103 @@
         </p:nvSpPr>
         <p:spPr/>
         <p:txBody>
-          <a:bodyPr/>
+          <a:bodyPr>
+            <a:normAutofit fontScale="77500" lnSpcReduction="20000"/>
+          </a:bodyPr>
           <a:lstStyle/>
           <a:p>
-            <a:endParaRPr lang="en-IN"/>
+            <a:pPr lvl="0"/>
+            <a:r>
+              <a:rPr lang="en-US" dirty="0" err="1"/>
+              <a:t>Autoconfiguration</a:t>
+            </a:r>
+            <a:endParaRPr lang="en-IN" dirty="0"/>
+          </a:p>
+          <a:p>
+            <a:r>
+              <a:rPr lang="en-US" dirty="0"/>
+              <a:t>The kernel calls a device driver at </a:t>
+            </a:r>
+            <a:r>
+              <a:rPr lang="en-US" dirty="0" err="1"/>
+              <a:t>autoconfiguration</a:t>
+            </a:r>
+            <a:r>
+              <a:rPr lang="en-US" dirty="0"/>
+              <a:t> time to determine what devices are available &amp; to initialize them.</a:t>
+            </a:r>
+            <a:endParaRPr lang="en-IN" dirty="0"/>
+          </a:p>
+          <a:p>
+            <a:pPr lvl="0"/>
+            <a:r>
+              <a:rPr lang="en-US" dirty="0"/>
+              <a:t>I/O operations</a:t>
+            </a:r>
+            <a:endParaRPr lang="en-IN" dirty="0"/>
+          </a:p>
+          <a:p>
+            <a:r>
+              <a:rPr lang="en-US" dirty="0"/>
+              <a:t>The kernel calls a device driver to perform I/O operations on the device. These operations include opening the device to perform reads &amp; writes &amp; closing the device.</a:t>
+            </a:r>
+            <a:endParaRPr lang="en-IN" dirty="0"/>
+          </a:p>
+          <a:p>
+            <a:pPr lvl="0"/>
+            <a:r>
+              <a:rPr lang="en-US" dirty="0"/>
+              <a:t>Interrupt handling</a:t>
+            </a:r>
+            <a:endParaRPr lang="en-IN" dirty="0"/>
+          </a:p>
+          <a:p>
+            <a:r>
+              <a:rPr lang="en-US" dirty="0"/>
+              <a:t>The kernel calls a device driver to handle interrupts from devices capable of generating them.</a:t>
+            </a:r>
+            <a:endParaRPr lang="en-IN" dirty="0"/>
+          </a:p>
+          <a:p>
+            <a:pPr lvl="0"/>
+            <a:r>
+              <a:rPr lang="en-US" dirty="0"/>
+              <a:t>The kernel calls a device driver to handle special requests through </a:t>
+            </a:r>
+            <a:r>
+              <a:rPr lang="en-US" dirty="0" err="1"/>
+              <a:t>ioctl</a:t>
+            </a:r>
+            <a:r>
+              <a:rPr lang="en-US" dirty="0"/>
+              <a:t> calls</a:t>
+            </a:r>
+            <a:endParaRPr lang="en-IN" dirty="0"/>
+          </a:p>
+          <a:p>
+            <a:pPr lvl="0"/>
+            <a:r>
+              <a:rPr lang="en-US" dirty="0" err="1"/>
+              <a:t>Reinitialisation</a:t>
+            </a:r>
+            <a:endParaRPr lang="en-IN" dirty="0"/>
+          </a:p>
+          <a:p>
+            <a:r>
+              <a:rPr lang="en-US" dirty="0"/>
+              <a:t>The kernel calls the device driver to reinitialize the driver, the device, or both when the bus is reset.</a:t>
+            </a:r>
+            <a:endParaRPr lang="en-IN" dirty="0"/>
+          </a:p>
+          <a:p>
+            <a:endParaRPr lang="en-IN" dirty="0"/>
           </a:p>
         </p:txBody>
       </p:sp>
     </p:spTree>
     <p:extLst>
       <p:ext uri="{BB962C8B-B14F-4D97-AF65-F5344CB8AC3E}">
-        <p14:creationId xmlns:p14="http://schemas.microsoft.com/office/powerpoint/2010/main" val="2339502745"/>
+        <p14:creationId xmlns:p14="http://schemas.microsoft.com/office/powerpoint/2010/main" val="3778498735"/>
       </p:ext>
     </p:extLst>
   </p:cSld>
@@ -11442,7 +11714,7 @@
           <a:p>
             <a:r>
               <a:rPr lang="en-US" dirty="0" smtClean="0"/>
-              <a:t>Data types in kernel:</a:t>
+              <a:t>Security issues:</a:t>
             </a:r>
             <a:endParaRPr lang="en-IN" dirty="0"/>
           </a:p>
@@ -11470,7 +11742,7 @@
     </p:spTree>
     <p:extLst>
       <p:ext uri="{BB962C8B-B14F-4D97-AF65-F5344CB8AC3E}">
-        <p14:creationId xmlns:p14="http://schemas.microsoft.com/office/powerpoint/2010/main" val="3671308595"/>
+        <p14:creationId xmlns:p14="http://schemas.microsoft.com/office/powerpoint/2010/main" val="1186458178"/>
       </p:ext>
     </p:extLst>
   </p:cSld>
@@ -11514,15 +11786,7 @@
           <a:p>
             <a:r>
               <a:rPr lang="en-US" dirty="0" smtClean="0"/>
-              <a:t>Kernel c extras in </a:t>
-            </a:r>
-            <a:r>
-              <a:rPr lang="en-US" dirty="0" err="1" smtClean="0"/>
-              <a:t>linux</a:t>
-            </a:r>
-            <a:r>
-              <a:rPr lang="en-US" dirty="0" smtClean="0"/>
-              <a:t> device driver</a:t>
+              <a:t>First device Driver:</a:t>
             </a:r>
             <a:endParaRPr lang="en-IN" dirty="0"/>
           </a:p>
@@ -11550,7 +11814,7 @@
     </p:spTree>
     <p:extLst>
       <p:ext uri="{BB962C8B-B14F-4D97-AF65-F5344CB8AC3E}">
-        <p14:creationId xmlns:p14="http://schemas.microsoft.com/office/powerpoint/2010/main" val="2875671877"/>
+        <p14:creationId xmlns:p14="http://schemas.microsoft.com/office/powerpoint/2010/main" val="2646846607"/>
       </p:ext>
     </p:extLst>
   </p:cSld>
@@ -11593,8 +11857,8 @@
           <a:lstStyle/>
           <a:p>
             <a:r>
-              <a:rPr lang="en-US" dirty="0" err="1" smtClean="0"/>
-              <a:t>Procfs</a:t>
+              <a:rPr lang="en-US" dirty="0" smtClean="0"/>
+              <a:t>Building and running modules:</a:t>
             </a:r>
             <a:endParaRPr lang="en-IN" dirty="0"/>
           </a:p>
@@ -11622,7 +11886,7 @@
     </p:spTree>
     <p:extLst>
       <p:ext uri="{BB962C8B-B14F-4D97-AF65-F5344CB8AC3E}">
-        <p14:creationId xmlns:p14="http://schemas.microsoft.com/office/powerpoint/2010/main" val="3267267256"/>
+        <p14:creationId xmlns:p14="http://schemas.microsoft.com/office/powerpoint/2010/main" val="240881125"/>
       </p:ext>
     </p:extLst>
   </p:cSld>
@@ -11665,8 +11929,8 @@
           <a:lstStyle/>
           <a:p>
             <a:r>
-              <a:rPr lang="en-US" dirty="0" err="1" smtClean="0"/>
-              <a:t>sysfs</a:t>
+              <a:rPr lang="en-US" dirty="0" smtClean="0"/>
+              <a:t>Module parameters:</a:t>
             </a:r>
             <a:endParaRPr lang="en-IN" dirty="0"/>
           </a:p>
@@ -11694,7 +11958,7 @@
     </p:spTree>
     <p:extLst>
       <p:ext uri="{BB962C8B-B14F-4D97-AF65-F5344CB8AC3E}">
-        <p14:creationId xmlns:p14="http://schemas.microsoft.com/office/powerpoint/2010/main" val="211774762"/>
+        <p14:creationId xmlns:p14="http://schemas.microsoft.com/office/powerpoint/2010/main" val="1275934860"/>
       </p:ext>
     </p:extLst>
   </p:cSld>
@@ -11738,11 +12002,7 @@
           <a:p>
             <a:r>
               <a:rPr lang="en-US" dirty="0" smtClean="0"/>
-              <a:t>Module </a:t>
-            </a:r>
-            <a:r>
-              <a:rPr lang="en-US" dirty="0" err="1" smtClean="0"/>
-              <a:t>Interractions</a:t>
+              <a:t>Debugging techniques:</a:t>
             </a:r>
             <a:endParaRPr lang="en-IN" dirty="0"/>
           </a:p>
@@ -11767,10 +12027,583 @@
           </a:p>
         </p:txBody>
       </p:sp>
+      <p:graphicFrame>
+        <p:nvGraphicFramePr>
+          <p:cNvPr id="4" name="Content Placeholder 3"/>
+          <p:cNvGraphicFramePr>
+            <a:graphicFrameLocks/>
+          </p:cNvGraphicFramePr>
+          <p:nvPr>
+            <p:extLst>
+              <p:ext uri="{D42A27DB-BD31-4B8C-83A1-F6EECF244321}">
+                <p14:modId xmlns:p14="http://schemas.microsoft.com/office/powerpoint/2010/main" val="3532874854"/>
+              </p:ext>
+            </p:extLst>
+          </p:nvPr>
+        </p:nvGraphicFramePr>
+        <p:xfrm>
+          <a:off x="647700" y="1143001"/>
+          <a:ext cx="10706100" cy="4876798"/>
+        </p:xfrm>
+        <a:graphic>
+          <a:graphicData uri="http://schemas.openxmlformats.org/drawingml/2006/table">
+            <a:tbl>
+              <a:tblPr firstRow="1" firstCol="1" bandRow="1">
+                <a:tableStyleId>{5C22544A-7EE6-4342-B048-85BDC9FD1C3A}</a:tableStyleId>
+              </a:tblPr>
+              <a:tblGrid>
+                <a:gridCol w="2575425"/>
+                <a:gridCol w="8130675"/>
+              </a:tblGrid>
+              <a:tr h="531594">
+                <a:tc>
+                  <a:txBody>
+                    <a:bodyPr/>
+                    <a:lstStyle/>
+                    <a:p>
+                      <a:pPr marL="0" marR="0" algn="ctr">
+                        <a:spcBef>
+                          <a:spcPts val="0"/>
+                        </a:spcBef>
+                        <a:spcAft>
+                          <a:spcPts val="0"/>
+                        </a:spcAft>
+                      </a:pPr>
+                      <a:r>
+                        <a:rPr lang="en-US" sz="1000">
+                          <a:effectLst/>
+                        </a:rPr>
+                        <a:t>Priority (high to low)</a:t>
+                      </a:r>
+                      <a:endParaRPr lang="en-IN" sz="1200">
+                        <a:effectLst/>
+                        <a:latin typeface="Times New Roman" panose="02020603050405020304" pitchFamily="18" charset="0"/>
+                        <a:ea typeface="Times New Roman" panose="02020603050405020304" pitchFamily="18" charset="0"/>
+                      </a:endParaRPr>
+                    </a:p>
+                  </a:txBody>
+                  <a:tcPr marL="68580" marR="68580" marT="0" marB="0" anchor="ctr"/>
+                </a:tc>
+                <a:tc>
+                  <a:txBody>
+                    <a:bodyPr/>
+                    <a:lstStyle/>
+                    <a:p>
+                      <a:pPr marL="0" marR="0" algn="ctr">
+                        <a:spcBef>
+                          <a:spcPts val="0"/>
+                        </a:spcBef>
+                        <a:spcAft>
+                          <a:spcPts val="0"/>
+                        </a:spcAft>
+                      </a:pPr>
+                      <a:r>
+                        <a:rPr lang="en-US" sz="1000">
+                          <a:effectLst/>
+                        </a:rPr>
+                        <a:t>Description</a:t>
+                      </a:r>
+                      <a:endParaRPr lang="en-IN" sz="1200">
+                        <a:effectLst/>
+                        <a:latin typeface="Times New Roman" panose="02020603050405020304" pitchFamily="18" charset="0"/>
+                        <a:ea typeface="Times New Roman" panose="02020603050405020304" pitchFamily="18" charset="0"/>
+                      </a:endParaRPr>
+                    </a:p>
+                  </a:txBody>
+                  <a:tcPr marL="68580" marR="68580" marT="0" marB="0" anchor="ctr"/>
+                </a:tc>
+              </a:tr>
+              <a:tr h="531594">
+                <a:tc>
+                  <a:txBody>
+                    <a:bodyPr/>
+                    <a:lstStyle/>
+                    <a:p>
+                      <a:pPr marL="0" marR="0">
+                        <a:spcBef>
+                          <a:spcPts val="0"/>
+                        </a:spcBef>
+                        <a:spcAft>
+                          <a:spcPts val="0"/>
+                        </a:spcAft>
+                      </a:pPr>
+                      <a:r>
+                        <a:rPr lang="en-US" sz="900">
+                          <a:effectLst/>
+                        </a:rPr>
+                        <a:t>KERN_EMERG  &lt;0&gt;</a:t>
+                      </a:r>
+                      <a:endParaRPr lang="en-IN" sz="1200">
+                        <a:effectLst/>
+                        <a:latin typeface="Times New Roman" panose="02020603050405020304" pitchFamily="18" charset="0"/>
+                        <a:ea typeface="Times New Roman" panose="02020603050405020304" pitchFamily="18" charset="0"/>
+                      </a:endParaRPr>
+                    </a:p>
+                  </a:txBody>
+                  <a:tcPr marL="68580" marR="68580" marT="0" marB="0" anchor="ctr"/>
+                </a:tc>
+                <a:tc>
+                  <a:txBody>
+                    <a:bodyPr/>
+                    <a:lstStyle/>
+                    <a:p>
+                      <a:pPr marL="0" marR="0">
+                        <a:spcBef>
+                          <a:spcPts val="0"/>
+                        </a:spcBef>
+                        <a:spcAft>
+                          <a:spcPts val="0"/>
+                        </a:spcAft>
+                      </a:pPr>
+                      <a:r>
+                        <a:rPr lang="en-US" sz="1000">
+                          <a:effectLst/>
+                        </a:rPr>
+                        <a:t>Used for emergency messages, usually those that precede a crash.</a:t>
+                      </a:r>
+                      <a:endParaRPr lang="en-IN" sz="1200">
+                        <a:effectLst/>
+                        <a:latin typeface="Times New Roman" panose="02020603050405020304" pitchFamily="18" charset="0"/>
+                        <a:ea typeface="Times New Roman" panose="02020603050405020304" pitchFamily="18" charset="0"/>
+                      </a:endParaRPr>
+                    </a:p>
+                  </a:txBody>
+                  <a:tcPr marL="68580" marR="68580" marT="0" marB="0" anchor="ctr"/>
+                </a:tc>
+              </a:tr>
+              <a:tr h="531594">
+                <a:tc>
+                  <a:txBody>
+                    <a:bodyPr/>
+                    <a:lstStyle/>
+                    <a:p>
+                      <a:pPr marL="0" marR="0">
+                        <a:spcBef>
+                          <a:spcPts val="0"/>
+                        </a:spcBef>
+                        <a:spcAft>
+                          <a:spcPts val="0"/>
+                        </a:spcAft>
+                      </a:pPr>
+                      <a:r>
+                        <a:rPr lang="en-US" sz="900">
+                          <a:effectLst/>
+                        </a:rPr>
+                        <a:t>KERN_ALERT &lt;1&gt;</a:t>
+                      </a:r>
+                      <a:endParaRPr lang="en-IN" sz="1200">
+                        <a:effectLst/>
+                        <a:latin typeface="Times New Roman" panose="02020603050405020304" pitchFamily="18" charset="0"/>
+                        <a:ea typeface="Times New Roman" panose="02020603050405020304" pitchFamily="18" charset="0"/>
+                      </a:endParaRPr>
+                    </a:p>
+                  </a:txBody>
+                  <a:tcPr marL="68580" marR="68580" marT="0" marB="0" anchor="ctr"/>
+                </a:tc>
+                <a:tc>
+                  <a:txBody>
+                    <a:bodyPr/>
+                    <a:lstStyle/>
+                    <a:p>
+                      <a:pPr marL="0" marR="0">
+                        <a:spcBef>
+                          <a:spcPts val="0"/>
+                        </a:spcBef>
+                        <a:spcAft>
+                          <a:spcPts val="0"/>
+                        </a:spcAft>
+                      </a:pPr>
+                      <a:r>
+                        <a:rPr lang="en-US" sz="1000">
+                          <a:effectLst/>
+                        </a:rPr>
+                        <a:t>A situation requiring immediate action.</a:t>
+                      </a:r>
+                      <a:endParaRPr lang="en-IN" sz="1200">
+                        <a:effectLst/>
+                        <a:latin typeface="Times New Roman" panose="02020603050405020304" pitchFamily="18" charset="0"/>
+                        <a:ea typeface="Times New Roman" panose="02020603050405020304" pitchFamily="18" charset="0"/>
+                      </a:endParaRPr>
+                    </a:p>
+                  </a:txBody>
+                  <a:tcPr marL="68580" marR="68580" marT="0" marB="0" anchor="ctr"/>
+                </a:tc>
+              </a:tr>
+              <a:tr h="531594">
+                <a:tc>
+                  <a:txBody>
+                    <a:bodyPr/>
+                    <a:lstStyle/>
+                    <a:p>
+                      <a:pPr marL="0" marR="0">
+                        <a:spcBef>
+                          <a:spcPts val="0"/>
+                        </a:spcBef>
+                        <a:spcAft>
+                          <a:spcPts val="0"/>
+                        </a:spcAft>
+                      </a:pPr>
+                      <a:r>
+                        <a:rPr lang="en-US" sz="900">
+                          <a:effectLst/>
+                        </a:rPr>
+                        <a:t>KERN_CRIT &lt;2&gt;</a:t>
+                      </a:r>
+                      <a:endParaRPr lang="en-IN" sz="1200">
+                        <a:effectLst/>
+                        <a:latin typeface="Times New Roman" panose="02020603050405020304" pitchFamily="18" charset="0"/>
+                        <a:ea typeface="Times New Roman" panose="02020603050405020304" pitchFamily="18" charset="0"/>
+                      </a:endParaRPr>
+                    </a:p>
+                  </a:txBody>
+                  <a:tcPr marL="68580" marR="68580" marT="0" marB="0" anchor="ctr"/>
+                </a:tc>
+                <a:tc>
+                  <a:txBody>
+                    <a:bodyPr/>
+                    <a:lstStyle/>
+                    <a:p>
+                      <a:pPr marL="0" marR="0">
+                        <a:spcBef>
+                          <a:spcPts val="0"/>
+                        </a:spcBef>
+                        <a:spcAft>
+                          <a:spcPts val="0"/>
+                        </a:spcAft>
+                      </a:pPr>
+                      <a:r>
+                        <a:rPr lang="en-US" sz="1000">
+                          <a:effectLst/>
+                        </a:rPr>
+                        <a:t>Critical conditions, often related to serious hardware or software failures.</a:t>
+                      </a:r>
+                      <a:endParaRPr lang="en-IN" sz="1200">
+                        <a:effectLst/>
+                        <a:latin typeface="Times New Roman" panose="02020603050405020304" pitchFamily="18" charset="0"/>
+                        <a:ea typeface="Times New Roman" panose="02020603050405020304" pitchFamily="18" charset="0"/>
+                      </a:endParaRPr>
+                    </a:p>
+                  </a:txBody>
+                  <a:tcPr marL="68580" marR="68580" marT="0" marB="0" anchor="ctr"/>
+                </a:tc>
+              </a:tr>
+              <a:tr h="554707">
+                <a:tc>
+                  <a:txBody>
+                    <a:bodyPr/>
+                    <a:lstStyle/>
+                    <a:p>
+                      <a:pPr marL="0" marR="0">
+                        <a:spcBef>
+                          <a:spcPts val="0"/>
+                        </a:spcBef>
+                        <a:spcAft>
+                          <a:spcPts val="0"/>
+                        </a:spcAft>
+                      </a:pPr>
+                      <a:r>
+                        <a:rPr lang="en-US" sz="900">
+                          <a:effectLst/>
+                        </a:rPr>
+                        <a:t>KERN_ERR &lt;3&gt;</a:t>
+                      </a:r>
+                      <a:endParaRPr lang="en-IN" sz="1200">
+                        <a:effectLst/>
+                        <a:latin typeface="Times New Roman" panose="02020603050405020304" pitchFamily="18" charset="0"/>
+                        <a:ea typeface="Times New Roman" panose="02020603050405020304" pitchFamily="18" charset="0"/>
+                      </a:endParaRPr>
+                    </a:p>
+                  </a:txBody>
+                  <a:tcPr marL="68580" marR="68580" marT="0" marB="0" anchor="ctr"/>
+                </a:tc>
+                <a:tc>
+                  <a:txBody>
+                    <a:bodyPr/>
+                    <a:lstStyle/>
+                    <a:p>
+                      <a:pPr marL="0" marR="0">
+                        <a:spcBef>
+                          <a:spcPts val="0"/>
+                        </a:spcBef>
+                        <a:spcAft>
+                          <a:spcPts val="0"/>
+                        </a:spcAft>
+                      </a:pPr>
+                      <a:r>
+                        <a:rPr lang="en-US" sz="1000">
+                          <a:effectLst/>
+                        </a:rPr>
+                        <a:t>Used to report error conditions; device drivers often use KERN_ERR to report hardware difficulties.</a:t>
+                      </a:r>
+                      <a:endParaRPr lang="en-IN" sz="1200">
+                        <a:effectLst/>
+                        <a:latin typeface="Times New Roman" panose="02020603050405020304" pitchFamily="18" charset="0"/>
+                        <a:ea typeface="Times New Roman" panose="02020603050405020304" pitchFamily="18" charset="0"/>
+                      </a:endParaRPr>
+                    </a:p>
+                  </a:txBody>
+                  <a:tcPr marL="68580" marR="68580" marT="0" marB="0" anchor="ctr"/>
+                </a:tc>
+              </a:tr>
+              <a:tr h="554707">
+                <a:tc>
+                  <a:txBody>
+                    <a:bodyPr/>
+                    <a:lstStyle/>
+                    <a:p>
+                      <a:pPr marL="0" marR="0">
+                        <a:spcBef>
+                          <a:spcPts val="0"/>
+                        </a:spcBef>
+                        <a:spcAft>
+                          <a:spcPts val="0"/>
+                        </a:spcAft>
+                      </a:pPr>
+                      <a:r>
+                        <a:rPr lang="en-US" sz="900">
+                          <a:effectLst/>
+                        </a:rPr>
+                        <a:t>KERN_WARNING &lt;4&gt;</a:t>
+                      </a:r>
+                      <a:endParaRPr lang="en-IN" sz="1200">
+                        <a:effectLst/>
+                        <a:latin typeface="Times New Roman" panose="02020603050405020304" pitchFamily="18" charset="0"/>
+                        <a:ea typeface="Times New Roman" panose="02020603050405020304" pitchFamily="18" charset="0"/>
+                      </a:endParaRPr>
+                    </a:p>
+                  </a:txBody>
+                  <a:tcPr marL="68580" marR="68580" marT="0" marB="0" anchor="ctr"/>
+                </a:tc>
+                <a:tc>
+                  <a:txBody>
+                    <a:bodyPr/>
+                    <a:lstStyle/>
+                    <a:p>
+                      <a:pPr marL="0" marR="0">
+                        <a:spcBef>
+                          <a:spcPts val="0"/>
+                        </a:spcBef>
+                        <a:spcAft>
+                          <a:spcPts val="0"/>
+                        </a:spcAft>
+                      </a:pPr>
+                      <a:r>
+                        <a:rPr lang="en-US" sz="1000">
+                          <a:effectLst/>
+                        </a:rPr>
+                        <a:t>Warnings about problematic situations that do not, in themselves, create serious problems with the system.</a:t>
+                      </a:r>
+                      <a:endParaRPr lang="en-IN" sz="1200">
+                        <a:effectLst/>
+                        <a:latin typeface="Times New Roman" panose="02020603050405020304" pitchFamily="18" charset="0"/>
+                        <a:ea typeface="Times New Roman" panose="02020603050405020304" pitchFamily="18" charset="0"/>
+                      </a:endParaRPr>
+                    </a:p>
+                  </a:txBody>
+                  <a:tcPr marL="68580" marR="68580" marT="0" marB="0" anchor="ctr"/>
+                </a:tc>
+              </a:tr>
+              <a:tr h="554707">
+                <a:tc>
+                  <a:txBody>
+                    <a:bodyPr/>
+                    <a:lstStyle/>
+                    <a:p>
+                      <a:pPr marL="0" marR="0">
+                        <a:spcBef>
+                          <a:spcPts val="0"/>
+                        </a:spcBef>
+                        <a:spcAft>
+                          <a:spcPts val="0"/>
+                        </a:spcAft>
+                      </a:pPr>
+                      <a:r>
+                        <a:rPr lang="en-US" sz="900">
+                          <a:effectLst/>
+                        </a:rPr>
+                        <a:t>KERN_NOTICE &lt;5&gt;</a:t>
+                      </a:r>
+                      <a:endParaRPr lang="en-IN" sz="1200">
+                        <a:effectLst/>
+                        <a:latin typeface="Times New Roman" panose="02020603050405020304" pitchFamily="18" charset="0"/>
+                        <a:ea typeface="Times New Roman" panose="02020603050405020304" pitchFamily="18" charset="0"/>
+                      </a:endParaRPr>
+                    </a:p>
+                  </a:txBody>
+                  <a:tcPr marL="68580" marR="68580" marT="0" marB="0" anchor="ctr"/>
+                </a:tc>
+                <a:tc>
+                  <a:txBody>
+                    <a:bodyPr/>
+                    <a:lstStyle/>
+                    <a:p>
+                      <a:pPr marL="0" marR="0">
+                        <a:spcBef>
+                          <a:spcPts val="0"/>
+                        </a:spcBef>
+                        <a:spcAft>
+                          <a:spcPts val="0"/>
+                        </a:spcAft>
+                      </a:pPr>
+                      <a:r>
+                        <a:rPr lang="en-US" sz="1000">
+                          <a:effectLst/>
+                        </a:rPr>
+                        <a:t>Situations that are normal, but still worthy of note. A number of security-related conditions are reported at this level.</a:t>
+                      </a:r>
+                      <a:endParaRPr lang="en-IN" sz="1200">
+                        <a:effectLst/>
+                        <a:latin typeface="Times New Roman" panose="02020603050405020304" pitchFamily="18" charset="0"/>
+                        <a:ea typeface="Times New Roman" panose="02020603050405020304" pitchFamily="18" charset="0"/>
+                      </a:endParaRPr>
+                    </a:p>
+                  </a:txBody>
+                  <a:tcPr marL="68580" marR="68580" marT="0" marB="0" anchor="ctr"/>
+                </a:tc>
+              </a:tr>
+              <a:tr h="554707">
+                <a:tc>
+                  <a:txBody>
+                    <a:bodyPr/>
+                    <a:lstStyle/>
+                    <a:p>
+                      <a:pPr marL="0" marR="0">
+                        <a:spcBef>
+                          <a:spcPts val="0"/>
+                        </a:spcBef>
+                        <a:spcAft>
+                          <a:spcPts val="0"/>
+                        </a:spcAft>
+                      </a:pPr>
+                      <a:r>
+                        <a:rPr lang="en-US" sz="900">
+                          <a:effectLst/>
+                        </a:rPr>
+                        <a:t>KERN_INFO &lt;6&gt;</a:t>
+                      </a:r>
+                      <a:endParaRPr lang="en-IN" sz="1200">
+                        <a:effectLst/>
+                        <a:latin typeface="Times New Roman" panose="02020603050405020304" pitchFamily="18" charset="0"/>
+                        <a:ea typeface="Times New Roman" panose="02020603050405020304" pitchFamily="18" charset="0"/>
+                      </a:endParaRPr>
+                    </a:p>
+                  </a:txBody>
+                  <a:tcPr marL="68580" marR="68580" marT="0" marB="0" anchor="ctr"/>
+                </a:tc>
+                <a:tc>
+                  <a:txBody>
+                    <a:bodyPr/>
+                    <a:lstStyle/>
+                    <a:p>
+                      <a:pPr marL="0" marR="0">
+                        <a:spcBef>
+                          <a:spcPts val="0"/>
+                        </a:spcBef>
+                        <a:spcAft>
+                          <a:spcPts val="0"/>
+                        </a:spcAft>
+                      </a:pPr>
+                      <a:r>
+                        <a:rPr lang="en-US" sz="1000">
+                          <a:effectLst/>
+                        </a:rPr>
+                        <a:t>Informational messages. Many drivers print information about the hardware</a:t>
+                      </a:r>
+                      <a:endParaRPr lang="en-IN" sz="1200">
+                        <a:effectLst/>
+                      </a:endParaRPr>
+                    </a:p>
+                    <a:p>
+                      <a:pPr marL="0" marR="0">
+                        <a:spcBef>
+                          <a:spcPts val="0"/>
+                        </a:spcBef>
+                        <a:spcAft>
+                          <a:spcPts val="0"/>
+                        </a:spcAft>
+                      </a:pPr>
+                      <a:r>
+                        <a:rPr lang="en-US" sz="1000">
+                          <a:effectLst/>
+                        </a:rPr>
+                        <a:t>they find at startup time at this level.</a:t>
+                      </a:r>
+                      <a:endParaRPr lang="en-IN" sz="1200">
+                        <a:effectLst/>
+                        <a:latin typeface="Times New Roman" panose="02020603050405020304" pitchFamily="18" charset="0"/>
+                        <a:ea typeface="Times New Roman" panose="02020603050405020304" pitchFamily="18" charset="0"/>
+                      </a:endParaRPr>
+                    </a:p>
+                  </a:txBody>
+                  <a:tcPr marL="68580" marR="68580" marT="0" marB="0" anchor="ctr"/>
+                </a:tc>
+              </a:tr>
+              <a:tr h="531594">
+                <a:tc>
+                  <a:txBody>
+                    <a:bodyPr/>
+                    <a:lstStyle/>
+                    <a:p>
+                      <a:pPr marL="0" marR="0">
+                        <a:spcBef>
+                          <a:spcPts val="0"/>
+                        </a:spcBef>
+                        <a:spcAft>
+                          <a:spcPts val="0"/>
+                        </a:spcAft>
+                      </a:pPr>
+                      <a:r>
+                        <a:rPr lang="en-US" sz="900">
+                          <a:effectLst/>
+                        </a:rPr>
+                        <a:t>KERN_DEBUG &lt;7&gt;</a:t>
+                      </a:r>
+                      <a:endParaRPr lang="en-IN" sz="1200">
+                        <a:effectLst/>
+                        <a:latin typeface="Times New Roman" panose="02020603050405020304" pitchFamily="18" charset="0"/>
+                        <a:ea typeface="Times New Roman" panose="02020603050405020304" pitchFamily="18" charset="0"/>
+                      </a:endParaRPr>
+                    </a:p>
+                  </a:txBody>
+                  <a:tcPr marL="68580" marR="68580" marT="0" marB="0" anchor="ctr"/>
+                </a:tc>
+                <a:tc>
+                  <a:txBody>
+                    <a:bodyPr/>
+                    <a:lstStyle/>
+                    <a:p>
+                      <a:pPr marL="0" marR="0">
+                        <a:spcBef>
+                          <a:spcPts val="0"/>
+                        </a:spcBef>
+                        <a:spcAft>
+                          <a:spcPts val="0"/>
+                        </a:spcAft>
+                      </a:pPr>
+                      <a:r>
+                        <a:rPr lang="en-US" sz="1000" dirty="0">
+                          <a:effectLst/>
+                        </a:rPr>
+                        <a:t>Used for debugging messages.</a:t>
+                      </a:r>
+                      <a:endParaRPr lang="en-IN" sz="1200" dirty="0">
+                        <a:effectLst/>
+                        <a:latin typeface="Times New Roman" panose="02020603050405020304" pitchFamily="18" charset="0"/>
+                        <a:ea typeface="Times New Roman" panose="02020603050405020304" pitchFamily="18" charset="0"/>
+                      </a:endParaRPr>
+                    </a:p>
+                  </a:txBody>
+                  <a:tcPr marL="68580" marR="68580" marT="0" marB="0" anchor="ctr"/>
+                </a:tc>
+              </a:tr>
+            </a:tbl>
+          </a:graphicData>
+        </a:graphic>
+      </p:graphicFrame>
     </p:spTree>
     <p:extLst>
       <p:ext uri="{BB962C8B-B14F-4D97-AF65-F5344CB8AC3E}">
-        <p14:creationId xmlns:p14="http://schemas.microsoft.com/office/powerpoint/2010/main" val="1749109950"/>
+        <p14:creationId xmlns:p14="http://schemas.microsoft.com/office/powerpoint/2010/main" val="2339502745"/>
       </p:ext>
     </p:extLst>
   </p:cSld>
@@ -11812,6 +12645,450 @@
           <a:bodyPr/>
           <a:lstStyle/>
           <a:p>
+            <a:r>
+              <a:rPr lang="en-US" dirty="0" smtClean="0"/>
+              <a:t>Data types in kernel:</a:t>
+            </a:r>
+            <a:endParaRPr lang="en-IN" dirty="0"/>
+          </a:p>
+        </p:txBody>
+      </p:sp>
+      <p:sp>
+        <p:nvSpPr>
+          <p:cNvPr id="3" name="Content Placeholder 2"/>
+          <p:cNvSpPr>
+            <a:spLocks noGrp="1"/>
+          </p:cNvSpPr>
+          <p:nvPr>
+            <p:ph idx="1"/>
+          </p:nvPr>
+        </p:nvSpPr>
+        <p:spPr/>
+        <p:txBody>
+          <a:bodyPr/>
+          <a:lstStyle/>
+          <a:p>
+            <a:endParaRPr lang="en-IN"/>
+          </a:p>
+        </p:txBody>
+      </p:sp>
+    </p:spTree>
+    <p:extLst>
+      <p:ext uri="{BB962C8B-B14F-4D97-AF65-F5344CB8AC3E}">
+        <p14:creationId xmlns:p14="http://schemas.microsoft.com/office/powerpoint/2010/main" val="3671308595"/>
+      </p:ext>
+    </p:extLst>
+  </p:cSld>
+  <p:clrMapOvr>
+    <a:masterClrMapping/>
+  </p:clrMapOvr>
+</p:sld>
+</file>
+
+<file path=ppt/slides/slide2.xml><?xml version="1.0" encoding="utf-8"?>
+<p:sld xmlns:a="http://schemas.openxmlformats.org/drawingml/2006/main" xmlns:r="http://schemas.openxmlformats.org/officeDocument/2006/relationships" xmlns:p="http://schemas.openxmlformats.org/presentationml/2006/main">
+  <p:cSld>
+    <p:spTree>
+      <p:nvGrpSpPr>
+        <p:cNvPr id="1" name=""/>
+        <p:cNvGrpSpPr/>
+        <p:nvPr/>
+      </p:nvGrpSpPr>
+      <p:grpSpPr>
+        <a:xfrm>
+          <a:off x="0" y="0"/>
+          <a:ext cx="0" cy="0"/>
+          <a:chOff x="0" y="0"/>
+          <a:chExt cx="0" cy="0"/>
+        </a:xfrm>
+      </p:grpSpPr>
+      <p:sp>
+        <p:nvSpPr>
+          <p:cNvPr id="2" name="Title 1"/>
+          <p:cNvSpPr>
+            <a:spLocks noGrp="1"/>
+          </p:cNvSpPr>
+          <p:nvPr>
+            <p:ph type="title"/>
+          </p:nvPr>
+        </p:nvSpPr>
+        <p:spPr/>
+        <p:txBody>
+          <a:bodyPr/>
+          <a:lstStyle/>
+          <a:p>
+            <a:r>
+              <a:rPr lang="en-US" dirty="0" smtClean="0"/>
+              <a:t>INTRODUCTION</a:t>
+            </a:r>
+            <a:endParaRPr lang="en-IN" dirty="0"/>
+          </a:p>
+        </p:txBody>
+      </p:sp>
+      <p:sp>
+        <p:nvSpPr>
+          <p:cNvPr id="3" name="Content Placeholder 2"/>
+          <p:cNvSpPr>
+            <a:spLocks noGrp="1"/>
+          </p:cNvSpPr>
+          <p:nvPr>
+            <p:ph idx="1"/>
+          </p:nvPr>
+        </p:nvSpPr>
+        <p:spPr/>
+        <p:txBody>
+          <a:bodyPr/>
+          <a:lstStyle/>
+          <a:p>
+            <a:endParaRPr lang="en-IN"/>
+          </a:p>
+        </p:txBody>
+      </p:sp>
+    </p:spTree>
+    <p:extLst>
+      <p:ext uri="{BB962C8B-B14F-4D97-AF65-F5344CB8AC3E}">
+        <p14:creationId xmlns:p14="http://schemas.microsoft.com/office/powerpoint/2010/main" val="2109123972"/>
+      </p:ext>
+    </p:extLst>
+  </p:cSld>
+  <p:clrMapOvr>
+    <a:masterClrMapping/>
+  </p:clrMapOvr>
+</p:sld>
+</file>
+
+<file path=ppt/slides/slide20.xml><?xml version="1.0" encoding="utf-8"?>
+<p:sld xmlns:a="http://schemas.openxmlformats.org/drawingml/2006/main" xmlns:r="http://schemas.openxmlformats.org/officeDocument/2006/relationships" xmlns:p="http://schemas.openxmlformats.org/presentationml/2006/main">
+  <p:cSld>
+    <p:spTree>
+      <p:nvGrpSpPr>
+        <p:cNvPr id="1" name=""/>
+        <p:cNvGrpSpPr/>
+        <p:nvPr/>
+      </p:nvGrpSpPr>
+      <p:grpSpPr>
+        <a:xfrm>
+          <a:off x="0" y="0"/>
+          <a:ext cx="0" cy="0"/>
+          <a:chOff x="0" y="0"/>
+          <a:chExt cx="0" cy="0"/>
+        </a:xfrm>
+      </p:grpSpPr>
+      <p:sp>
+        <p:nvSpPr>
+          <p:cNvPr id="2" name="Title 1"/>
+          <p:cNvSpPr>
+            <a:spLocks noGrp="1"/>
+          </p:cNvSpPr>
+          <p:nvPr>
+            <p:ph type="title"/>
+          </p:nvPr>
+        </p:nvSpPr>
+        <p:spPr/>
+        <p:txBody>
+          <a:bodyPr/>
+          <a:lstStyle/>
+          <a:p>
+            <a:r>
+              <a:rPr lang="en-US" dirty="0" smtClean="0"/>
+              <a:t>Kernel c extras in </a:t>
+            </a:r>
+            <a:r>
+              <a:rPr lang="en-US" dirty="0" err="1" smtClean="0"/>
+              <a:t>linux</a:t>
+            </a:r>
+            <a:r>
+              <a:rPr lang="en-US" dirty="0" smtClean="0"/>
+              <a:t> device driver</a:t>
+            </a:r>
+            <a:endParaRPr lang="en-IN" dirty="0"/>
+          </a:p>
+        </p:txBody>
+      </p:sp>
+      <p:sp>
+        <p:nvSpPr>
+          <p:cNvPr id="3" name="Content Placeholder 2"/>
+          <p:cNvSpPr>
+            <a:spLocks noGrp="1"/>
+          </p:cNvSpPr>
+          <p:nvPr>
+            <p:ph idx="1"/>
+          </p:nvPr>
+        </p:nvSpPr>
+        <p:spPr/>
+        <p:txBody>
+          <a:bodyPr/>
+          <a:lstStyle/>
+          <a:p>
+            <a:endParaRPr lang="en-IN"/>
+          </a:p>
+        </p:txBody>
+      </p:sp>
+    </p:spTree>
+    <p:extLst>
+      <p:ext uri="{BB962C8B-B14F-4D97-AF65-F5344CB8AC3E}">
+        <p14:creationId xmlns:p14="http://schemas.microsoft.com/office/powerpoint/2010/main" val="2875671877"/>
+      </p:ext>
+    </p:extLst>
+  </p:cSld>
+  <p:clrMapOvr>
+    <a:masterClrMapping/>
+  </p:clrMapOvr>
+</p:sld>
+</file>
+
+<file path=ppt/slides/slide21.xml><?xml version="1.0" encoding="utf-8"?>
+<p:sld xmlns:a="http://schemas.openxmlformats.org/drawingml/2006/main" xmlns:r="http://schemas.openxmlformats.org/officeDocument/2006/relationships" xmlns:p="http://schemas.openxmlformats.org/presentationml/2006/main">
+  <p:cSld>
+    <p:spTree>
+      <p:nvGrpSpPr>
+        <p:cNvPr id="1" name=""/>
+        <p:cNvGrpSpPr/>
+        <p:nvPr/>
+      </p:nvGrpSpPr>
+      <p:grpSpPr>
+        <a:xfrm>
+          <a:off x="0" y="0"/>
+          <a:ext cx="0" cy="0"/>
+          <a:chOff x="0" y="0"/>
+          <a:chExt cx="0" cy="0"/>
+        </a:xfrm>
+      </p:grpSpPr>
+      <p:sp>
+        <p:nvSpPr>
+          <p:cNvPr id="2" name="Title 1"/>
+          <p:cNvSpPr>
+            <a:spLocks noGrp="1"/>
+          </p:cNvSpPr>
+          <p:nvPr>
+            <p:ph type="title"/>
+          </p:nvPr>
+        </p:nvSpPr>
+        <p:spPr/>
+        <p:txBody>
+          <a:bodyPr/>
+          <a:lstStyle/>
+          <a:p>
+            <a:r>
+              <a:rPr lang="en-US" dirty="0" err="1" smtClean="0"/>
+              <a:t>Procfs</a:t>
+            </a:r>
+            <a:endParaRPr lang="en-IN" dirty="0"/>
+          </a:p>
+        </p:txBody>
+      </p:sp>
+      <p:sp>
+        <p:nvSpPr>
+          <p:cNvPr id="3" name="Content Placeholder 2"/>
+          <p:cNvSpPr>
+            <a:spLocks noGrp="1"/>
+          </p:cNvSpPr>
+          <p:nvPr>
+            <p:ph idx="1"/>
+          </p:nvPr>
+        </p:nvSpPr>
+        <p:spPr/>
+        <p:txBody>
+          <a:bodyPr/>
+          <a:lstStyle/>
+          <a:p>
+            <a:endParaRPr lang="en-IN"/>
+          </a:p>
+        </p:txBody>
+      </p:sp>
+    </p:spTree>
+    <p:extLst>
+      <p:ext uri="{BB962C8B-B14F-4D97-AF65-F5344CB8AC3E}">
+        <p14:creationId xmlns:p14="http://schemas.microsoft.com/office/powerpoint/2010/main" val="3267267256"/>
+      </p:ext>
+    </p:extLst>
+  </p:cSld>
+  <p:clrMapOvr>
+    <a:masterClrMapping/>
+  </p:clrMapOvr>
+</p:sld>
+</file>
+
+<file path=ppt/slides/slide22.xml><?xml version="1.0" encoding="utf-8"?>
+<p:sld xmlns:a="http://schemas.openxmlformats.org/drawingml/2006/main" xmlns:r="http://schemas.openxmlformats.org/officeDocument/2006/relationships" xmlns:p="http://schemas.openxmlformats.org/presentationml/2006/main">
+  <p:cSld>
+    <p:spTree>
+      <p:nvGrpSpPr>
+        <p:cNvPr id="1" name=""/>
+        <p:cNvGrpSpPr/>
+        <p:nvPr/>
+      </p:nvGrpSpPr>
+      <p:grpSpPr>
+        <a:xfrm>
+          <a:off x="0" y="0"/>
+          <a:ext cx="0" cy="0"/>
+          <a:chOff x="0" y="0"/>
+          <a:chExt cx="0" cy="0"/>
+        </a:xfrm>
+      </p:grpSpPr>
+      <p:sp>
+        <p:nvSpPr>
+          <p:cNvPr id="2" name="Title 1"/>
+          <p:cNvSpPr>
+            <a:spLocks noGrp="1"/>
+          </p:cNvSpPr>
+          <p:nvPr>
+            <p:ph type="title"/>
+          </p:nvPr>
+        </p:nvSpPr>
+        <p:spPr/>
+        <p:txBody>
+          <a:bodyPr/>
+          <a:lstStyle/>
+          <a:p>
+            <a:r>
+              <a:rPr lang="en-US" dirty="0" err="1" smtClean="0"/>
+              <a:t>sysfs</a:t>
+            </a:r>
+            <a:endParaRPr lang="en-IN" dirty="0"/>
+          </a:p>
+        </p:txBody>
+      </p:sp>
+      <p:sp>
+        <p:nvSpPr>
+          <p:cNvPr id="3" name="Content Placeholder 2"/>
+          <p:cNvSpPr>
+            <a:spLocks noGrp="1"/>
+          </p:cNvSpPr>
+          <p:nvPr>
+            <p:ph idx="1"/>
+          </p:nvPr>
+        </p:nvSpPr>
+        <p:spPr/>
+        <p:txBody>
+          <a:bodyPr/>
+          <a:lstStyle/>
+          <a:p>
+            <a:endParaRPr lang="en-IN"/>
+          </a:p>
+        </p:txBody>
+      </p:sp>
+    </p:spTree>
+    <p:extLst>
+      <p:ext uri="{BB962C8B-B14F-4D97-AF65-F5344CB8AC3E}">
+        <p14:creationId xmlns:p14="http://schemas.microsoft.com/office/powerpoint/2010/main" val="211774762"/>
+      </p:ext>
+    </p:extLst>
+  </p:cSld>
+  <p:clrMapOvr>
+    <a:masterClrMapping/>
+  </p:clrMapOvr>
+</p:sld>
+</file>
+
+<file path=ppt/slides/slide23.xml><?xml version="1.0" encoding="utf-8"?>
+<p:sld xmlns:a="http://schemas.openxmlformats.org/drawingml/2006/main" xmlns:r="http://schemas.openxmlformats.org/officeDocument/2006/relationships" xmlns:p="http://schemas.openxmlformats.org/presentationml/2006/main">
+  <p:cSld>
+    <p:spTree>
+      <p:nvGrpSpPr>
+        <p:cNvPr id="1" name=""/>
+        <p:cNvGrpSpPr/>
+        <p:nvPr/>
+      </p:nvGrpSpPr>
+      <p:grpSpPr>
+        <a:xfrm>
+          <a:off x="0" y="0"/>
+          <a:ext cx="0" cy="0"/>
+          <a:chOff x="0" y="0"/>
+          <a:chExt cx="0" cy="0"/>
+        </a:xfrm>
+      </p:grpSpPr>
+      <p:sp>
+        <p:nvSpPr>
+          <p:cNvPr id="2" name="Title 1"/>
+          <p:cNvSpPr>
+            <a:spLocks noGrp="1"/>
+          </p:cNvSpPr>
+          <p:nvPr>
+            <p:ph type="title"/>
+          </p:nvPr>
+        </p:nvSpPr>
+        <p:spPr/>
+        <p:txBody>
+          <a:bodyPr/>
+          <a:lstStyle/>
+          <a:p>
+            <a:r>
+              <a:rPr lang="en-US" dirty="0" smtClean="0"/>
+              <a:t>Module </a:t>
+            </a:r>
+            <a:r>
+              <a:rPr lang="en-US" dirty="0" err="1" smtClean="0"/>
+              <a:t>Interractions</a:t>
+            </a:r>
+            <a:endParaRPr lang="en-IN" dirty="0"/>
+          </a:p>
+        </p:txBody>
+      </p:sp>
+      <p:sp>
+        <p:nvSpPr>
+          <p:cNvPr id="3" name="Content Placeholder 2"/>
+          <p:cNvSpPr>
+            <a:spLocks noGrp="1"/>
+          </p:cNvSpPr>
+          <p:nvPr>
+            <p:ph idx="1"/>
+          </p:nvPr>
+        </p:nvSpPr>
+        <p:spPr/>
+        <p:txBody>
+          <a:bodyPr/>
+          <a:lstStyle/>
+          <a:p>
+            <a:endParaRPr lang="en-IN"/>
+          </a:p>
+        </p:txBody>
+      </p:sp>
+    </p:spTree>
+    <p:extLst>
+      <p:ext uri="{BB962C8B-B14F-4D97-AF65-F5344CB8AC3E}">
+        <p14:creationId xmlns:p14="http://schemas.microsoft.com/office/powerpoint/2010/main" val="1749109950"/>
+      </p:ext>
+    </p:extLst>
+  </p:cSld>
+  <p:clrMapOvr>
+    <a:masterClrMapping/>
+  </p:clrMapOvr>
+</p:sld>
+</file>
+
+<file path=ppt/slides/slide24.xml><?xml version="1.0" encoding="utf-8"?>
+<p:sld xmlns:a="http://schemas.openxmlformats.org/drawingml/2006/main" xmlns:r="http://schemas.openxmlformats.org/officeDocument/2006/relationships" xmlns:p="http://schemas.openxmlformats.org/presentationml/2006/main">
+  <p:cSld>
+    <p:spTree>
+      <p:nvGrpSpPr>
+        <p:cNvPr id="1" name=""/>
+        <p:cNvGrpSpPr/>
+        <p:nvPr/>
+      </p:nvGrpSpPr>
+      <p:grpSpPr>
+        <a:xfrm>
+          <a:off x="0" y="0"/>
+          <a:ext cx="0" cy="0"/>
+          <a:chOff x="0" y="0"/>
+          <a:chExt cx="0" cy="0"/>
+        </a:xfrm>
+      </p:grpSpPr>
+      <p:sp>
+        <p:nvSpPr>
+          <p:cNvPr id="2" name="Title 1"/>
+          <p:cNvSpPr>
+            <a:spLocks noGrp="1"/>
+          </p:cNvSpPr>
+          <p:nvPr>
+            <p:ph type="title"/>
+          </p:nvPr>
+        </p:nvSpPr>
+        <p:spPr/>
+        <p:txBody>
+          <a:bodyPr/>
+          <a:lstStyle/>
+          <a:p>
             <a:endParaRPr lang="en-IN"/>
           </a:p>
         </p:txBody>
@@ -11854,79 +13131,7 @@
 </p:sld>
 </file>
 
-<file path=ppt/slides/slide2.xml><?xml version="1.0" encoding="utf-8"?>
-<p:sld xmlns:a="http://schemas.openxmlformats.org/drawingml/2006/main" xmlns:r="http://schemas.openxmlformats.org/officeDocument/2006/relationships" xmlns:p="http://schemas.openxmlformats.org/presentationml/2006/main">
-  <p:cSld>
-    <p:spTree>
-      <p:nvGrpSpPr>
-        <p:cNvPr id="1" name=""/>
-        <p:cNvGrpSpPr/>
-        <p:nvPr/>
-      </p:nvGrpSpPr>
-      <p:grpSpPr>
-        <a:xfrm>
-          <a:off x="0" y="0"/>
-          <a:ext cx="0" cy="0"/>
-          <a:chOff x="0" y="0"/>
-          <a:chExt cx="0" cy="0"/>
-        </a:xfrm>
-      </p:grpSpPr>
-      <p:sp>
-        <p:nvSpPr>
-          <p:cNvPr id="2" name="Title 1"/>
-          <p:cNvSpPr>
-            <a:spLocks noGrp="1"/>
-          </p:cNvSpPr>
-          <p:nvPr>
-            <p:ph type="title"/>
-          </p:nvPr>
-        </p:nvSpPr>
-        <p:spPr/>
-        <p:txBody>
-          <a:bodyPr/>
-          <a:lstStyle/>
-          <a:p>
-            <a:r>
-              <a:rPr lang="en-US" dirty="0" smtClean="0"/>
-              <a:t>INTRODUCTION</a:t>
-            </a:r>
-            <a:endParaRPr lang="en-IN" dirty="0"/>
-          </a:p>
-        </p:txBody>
-      </p:sp>
-      <p:sp>
-        <p:nvSpPr>
-          <p:cNvPr id="3" name="Content Placeholder 2"/>
-          <p:cNvSpPr>
-            <a:spLocks noGrp="1"/>
-          </p:cNvSpPr>
-          <p:nvPr>
-            <p:ph idx="1"/>
-          </p:nvPr>
-        </p:nvSpPr>
-        <p:spPr/>
-        <p:txBody>
-          <a:bodyPr/>
-          <a:lstStyle/>
-          <a:p>
-            <a:endParaRPr lang="en-IN"/>
-          </a:p>
-        </p:txBody>
-      </p:sp>
-    </p:spTree>
-    <p:extLst>
-      <p:ext uri="{BB962C8B-B14F-4D97-AF65-F5344CB8AC3E}">
-        <p14:creationId xmlns:p14="http://schemas.microsoft.com/office/powerpoint/2010/main" val="2109123972"/>
-      </p:ext>
-    </p:extLst>
-  </p:cSld>
-  <p:clrMapOvr>
-    <a:masterClrMapping/>
-  </p:clrMapOvr>
-</p:sld>
-</file>
-
-<file path=ppt/slides/slide20.xml><?xml version="1.0" encoding="utf-8"?>
+<file path=ppt/slides/slide25.xml><?xml version="1.0" encoding="utf-8"?>
 <p:sld xmlns:a="http://schemas.openxmlformats.org/drawingml/2006/main" xmlns:r="http://schemas.openxmlformats.org/officeDocument/2006/relationships" xmlns:p="http://schemas.openxmlformats.org/presentationml/2006/main">
   <p:cSld>
     <p:spTree>
@@ -12331,7 +13536,7 @@
 </p:sld>
 </file>
 
-<file path=ppt/slides/slide21.xml><?xml version="1.0" encoding="utf-8"?>
+<file path=ppt/slides/slide26.xml><?xml version="1.0" encoding="utf-8"?>
 <p:sld xmlns:a="http://schemas.openxmlformats.org/drawingml/2006/main" xmlns:r="http://schemas.openxmlformats.org/officeDocument/2006/relationships" xmlns:p="http://schemas.openxmlformats.org/presentationml/2006/main">
   <p:cSld>
     <p:spTree>
@@ -13134,7 +14339,7 @@
 </p:sld>
 </file>
 
-<file path=ppt/slides/slide22.xml><?xml version="1.0" encoding="utf-8"?>
+<file path=ppt/slides/slide27.xml><?xml version="1.0" encoding="utf-8"?>
 <p:sld xmlns:a="http://schemas.openxmlformats.org/drawingml/2006/main" xmlns:r="http://schemas.openxmlformats.org/officeDocument/2006/relationships" xmlns:p="http://schemas.openxmlformats.org/presentationml/2006/main">
   <p:cSld>
     <p:bg>
@@ -13774,7 +14979,7 @@
 </p:sld>
 </file>
 
-<file path=ppt/slides/slide23.xml><?xml version="1.0" encoding="utf-8"?>
+<file path=ppt/slides/slide28.xml><?xml version="1.0" encoding="utf-8"?>
 <p:sld xmlns:a="http://schemas.openxmlformats.org/drawingml/2006/main" xmlns:r="http://schemas.openxmlformats.org/officeDocument/2006/relationships" xmlns:p="http://schemas.openxmlformats.org/presentationml/2006/main">
   <p:cSld>
     <p:spTree>
@@ -13872,7 +15077,7 @@
 </p:sld>
 </file>
 
-<file path=ppt/slides/slide24.xml><?xml version="1.0" encoding="utf-8"?>
+<file path=ppt/slides/slide29.xml><?xml version="1.0" encoding="utf-8"?>
 <p:sld xmlns:a="http://schemas.openxmlformats.org/drawingml/2006/main" xmlns:r="http://schemas.openxmlformats.org/officeDocument/2006/relationships" xmlns:p="http://schemas.openxmlformats.org/presentationml/2006/main">
   <p:cSld>
     <p:spTree>
@@ -13946,386 +15151,6 @@
 </p:sld>
 </file>
 
-<file path=ppt/slides/slide25.xml><?xml version="1.0" encoding="utf-8"?>
-<p:sld xmlns:a="http://schemas.openxmlformats.org/drawingml/2006/main" xmlns:r="http://schemas.openxmlformats.org/officeDocument/2006/relationships" xmlns:p="http://schemas.openxmlformats.org/presentationml/2006/main">
-  <p:cSld>
-    <p:spTree>
-      <p:nvGrpSpPr>
-        <p:cNvPr id="1" name=""/>
-        <p:cNvGrpSpPr/>
-        <p:nvPr/>
-      </p:nvGrpSpPr>
-      <p:grpSpPr>
-        <a:xfrm>
-          <a:off x="0" y="0"/>
-          <a:ext cx="0" cy="0"/>
-          <a:chOff x="0" y="0"/>
-          <a:chExt cx="0" cy="0"/>
-        </a:xfrm>
-      </p:grpSpPr>
-      <p:sp>
-        <p:nvSpPr>
-          <p:cNvPr id="2" name="Title 1"/>
-          <p:cNvSpPr>
-            <a:spLocks noGrp="1"/>
-          </p:cNvSpPr>
-          <p:nvPr>
-            <p:ph type="title"/>
-          </p:nvPr>
-        </p:nvSpPr>
-        <p:spPr/>
-        <p:txBody>
-          <a:bodyPr/>
-          <a:lstStyle/>
-          <a:p>
-            <a:r>
-              <a:rPr lang="en-US" dirty="0" smtClean="0"/>
-              <a:t>Char device file creation</a:t>
-            </a:r>
-            <a:endParaRPr lang="en-IN" dirty="0"/>
-          </a:p>
-        </p:txBody>
-      </p:sp>
-      <p:sp>
-        <p:nvSpPr>
-          <p:cNvPr id="3" name="Content Placeholder 2"/>
-          <p:cNvSpPr>
-            <a:spLocks noGrp="1"/>
-          </p:cNvSpPr>
-          <p:nvPr>
-            <p:ph idx="1"/>
-          </p:nvPr>
-        </p:nvSpPr>
-        <p:spPr/>
-        <p:txBody>
-          <a:bodyPr/>
-          <a:lstStyle/>
-          <a:p>
-            <a:endParaRPr lang="en-IN"/>
-          </a:p>
-        </p:txBody>
-      </p:sp>
-    </p:spTree>
-    <p:extLst>
-      <p:ext uri="{BB962C8B-B14F-4D97-AF65-F5344CB8AC3E}">
-        <p14:creationId xmlns:p14="http://schemas.microsoft.com/office/powerpoint/2010/main" val="2501065746"/>
-      </p:ext>
-    </p:extLst>
-  </p:cSld>
-  <p:clrMapOvr>
-    <a:masterClrMapping/>
-  </p:clrMapOvr>
-</p:sld>
-</file>
-
-<file path=ppt/slides/slide26.xml><?xml version="1.0" encoding="utf-8"?>
-<p:sld xmlns:a="http://schemas.openxmlformats.org/drawingml/2006/main" xmlns:r="http://schemas.openxmlformats.org/officeDocument/2006/relationships" xmlns:p="http://schemas.openxmlformats.org/presentationml/2006/main">
-  <p:cSld>
-    <p:spTree>
-      <p:nvGrpSpPr>
-        <p:cNvPr id="1" name=""/>
-        <p:cNvGrpSpPr/>
-        <p:nvPr/>
-      </p:nvGrpSpPr>
-      <p:grpSpPr>
-        <a:xfrm>
-          <a:off x="0" y="0"/>
-          <a:ext cx="0" cy="0"/>
-          <a:chOff x="0" y="0"/>
-          <a:chExt cx="0" cy="0"/>
-        </a:xfrm>
-      </p:grpSpPr>
-      <p:sp>
-        <p:nvSpPr>
-          <p:cNvPr id="2" name="Title 1"/>
-          <p:cNvSpPr>
-            <a:spLocks noGrp="1"/>
-          </p:cNvSpPr>
-          <p:nvPr>
-            <p:ph type="title"/>
-          </p:nvPr>
-        </p:nvSpPr>
-        <p:spPr>
-          <a:xfrm>
-            <a:off x="838200" y="365125"/>
-            <a:ext cx="10515600" cy="1325563"/>
-          </a:xfrm>
-        </p:spPr>
-        <p:txBody>
-          <a:bodyPr/>
-          <a:lstStyle/>
-          <a:p>
-            <a:r>
-              <a:rPr lang="en-US" dirty="0" err="1" smtClean="0"/>
-              <a:t>Cdev</a:t>
-            </a:r>
-            <a:r>
-              <a:rPr lang="en-US" dirty="0" smtClean="0"/>
-              <a:t> structure and file operations</a:t>
-            </a:r>
-            <a:endParaRPr lang="en-IN" dirty="0"/>
-          </a:p>
-        </p:txBody>
-      </p:sp>
-      <p:sp>
-        <p:nvSpPr>
-          <p:cNvPr id="3" name="Content Placeholder 2"/>
-          <p:cNvSpPr>
-            <a:spLocks noGrp="1"/>
-          </p:cNvSpPr>
-          <p:nvPr>
-            <p:ph idx="1"/>
-          </p:nvPr>
-        </p:nvSpPr>
-        <p:spPr/>
-        <p:txBody>
-          <a:bodyPr/>
-          <a:lstStyle/>
-          <a:p>
-            <a:endParaRPr lang="en-IN"/>
-          </a:p>
-        </p:txBody>
-      </p:sp>
-    </p:spTree>
-    <p:extLst>
-      <p:ext uri="{BB962C8B-B14F-4D97-AF65-F5344CB8AC3E}">
-        <p14:creationId xmlns:p14="http://schemas.microsoft.com/office/powerpoint/2010/main" val="3822581783"/>
-      </p:ext>
-    </p:extLst>
-  </p:cSld>
-  <p:clrMapOvr>
-    <a:masterClrMapping/>
-  </p:clrMapOvr>
-</p:sld>
-</file>
-
-<file path=ppt/slides/slide27.xml><?xml version="1.0" encoding="utf-8"?>
-<p:sld xmlns:a="http://schemas.openxmlformats.org/drawingml/2006/main" xmlns:r="http://schemas.openxmlformats.org/officeDocument/2006/relationships" xmlns:p="http://schemas.openxmlformats.org/presentationml/2006/main">
-  <p:cSld>
-    <p:spTree>
-      <p:nvGrpSpPr>
-        <p:cNvPr id="1" name=""/>
-        <p:cNvGrpSpPr/>
-        <p:nvPr/>
-      </p:nvGrpSpPr>
-      <p:grpSpPr>
-        <a:xfrm>
-          <a:off x="0" y="0"/>
-          <a:ext cx="0" cy="0"/>
-          <a:chOff x="0" y="0"/>
-          <a:chExt cx="0" cy="0"/>
-        </a:xfrm>
-      </p:grpSpPr>
-      <p:sp>
-        <p:nvSpPr>
-          <p:cNvPr id="2" name="Title 1"/>
-          <p:cNvSpPr>
-            <a:spLocks noGrp="1"/>
-          </p:cNvSpPr>
-          <p:nvPr>
-            <p:ph type="title"/>
-          </p:nvPr>
-        </p:nvSpPr>
-        <p:spPr/>
-        <p:txBody>
-          <a:bodyPr/>
-          <a:lstStyle/>
-          <a:p>
-            <a:r>
-              <a:rPr lang="en-US" dirty="0" smtClean="0"/>
-              <a:t>ADVANCED CHARACTER DRIVER OPERATIONS</a:t>
-            </a:r>
-            <a:endParaRPr lang="en-IN" dirty="0"/>
-          </a:p>
-        </p:txBody>
-      </p:sp>
-      <p:sp>
-        <p:nvSpPr>
-          <p:cNvPr id="3" name="Content Placeholder 2"/>
-          <p:cNvSpPr>
-            <a:spLocks noGrp="1"/>
-          </p:cNvSpPr>
-          <p:nvPr>
-            <p:ph idx="1"/>
-          </p:nvPr>
-        </p:nvSpPr>
-        <p:spPr/>
-        <p:txBody>
-          <a:bodyPr/>
-          <a:lstStyle/>
-          <a:p>
-            <a:r>
-              <a:rPr lang="en-US" dirty="0" err="1" smtClean="0"/>
-              <a:t>Lseek</a:t>
-            </a:r>
-            <a:endParaRPr lang="en-US" dirty="0" smtClean="0"/>
-          </a:p>
-          <a:p>
-            <a:r>
-              <a:rPr lang="en-US" dirty="0" err="1" smtClean="0"/>
-              <a:t>ioctl</a:t>
-            </a:r>
-            <a:endParaRPr lang="en-IN" dirty="0"/>
-          </a:p>
-        </p:txBody>
-      </p:sp>
-    </p:spTree>
-    <p:extLst>
-      <p:ext uri="{BB962C8B-B14F-4D97-AF65-F5344CB8AC3E}">
-        <p14:creationId xmlns:p14="http://schemas.microsoft.com/office/powerpoint/2010/main" val="1391139471"/>
-      </p:ext>
-    </p:extLst>
-  </p:cSld>
-  <p:clrMapOvr>
-    <a:masterClrMapping/>
-  </p:clrMapOvr>
-</p:sld>
-</file>
-
-<file path=ppt/slides/slide28.xml><?xml version="1.0" encoding="utf-8"?>
-<p:sld xmlns:a="http://schemas.openxmlformats.org/drawingml/2006/main" xmlns:r="http://schemas.openxmlformats.org/officeDocument/2006/relationships" xmlns:p="http://schemas.openxmlformats.org/presentationml/2006/main">
-  <p:cSld>
-    <p:spTree>
-      <p:nvGrpSpPr>
-        <p:cNvPr id="1" name=""/>
-        <p:cNvGrpSpPr/>
-        <p:nvPr/>
-      </p:nvGrpSpPr>
-      <p:grpSpPr>
-        <a:xfrm>
-          <a:off x="0" y="0"/>
-          <a:ext cx="0" cy="0"/>
-          <a:chOff x="0" y="0"/>
-          <a:chExt cx="0" cy="0"/>
-        </a:xfrm>
-      </p:grpSpPr>
-      <p:sp>
-        <p:nvSpPr>
-          <p:cNvPr id="2" name="Title 1"/>
-          <p:cNvSpPr>
-            <a:spLocks noGrp="1"/>
-          </p:cNvSpPr>
-          <p:nvPr>
-            <p:ph type="title"/>
-          </p:nvPr>
-        </p:nvSpPr>
-        <p:spPr/>
-        <p:txBody>
-          <a:bodyPr/>
-          <a:lstStyle/>
-          <a:p>
-            <a:r>
-              <a:rPr lang="en-US" dirty="0" smtClean="0"/>
-              <a:t>FLOW OF TIME</a:t>
-            </a:r>
-            <a:endParaRPr lang="en-IN" dirty="0"/>
-          </a:p>
-        </p:txBody>
-      </p:sp>
-      <p:sp>
-        <p:nvSpPr>
-          <p:cNvPr id="3" name="Content Placeholder 2"/>
-          <p:cNvSpPr>
-            <a:spLocks noGrp="1"/>
-          </p:cNvSpPr>
-          <p:nvPr>
-            <p:ph idx="1"/>
-          </p:nvPr>
-        </p:nvSpPr>
-        <p:spPr/>
-        <p:txBody>
-          <a:bodyPr/>
-          <a:lstStyle/>
-          <a:p>
-            <a:endParaRPr lang="en-IN"/>
-          </a:p>
-        </p:txBody>
-      </p:sp>
-    </p:spTree>
-    <p:extLst>
-      <p:ext uri="{BB962C8B-B14F-4D97-AF65-F5344CB8AC3E}">
-        <p14:creationId xmlns:p14="http://schemas.microsoft.com/office/powerpoint/2010/main" val="92878347"/>
-      </p:ext>
-    </p:extLst>
-  </p:cSld>
-  <p:clrMapOvr>
-    <a:masterClrMapping/>
-  </p:clrMapOvr>
-</p:sld>
-</file>
-
-<file path=ppt/slides/slide29.xml><?xml version="1.0" encoding="utf-8"?>
-<p:sld xmlns:a="http://schemas.openxmlformats.org/drawingml/2006/main" xmlns:r="http://schemas.openxmlformats.org/officeDocument/2006/relationships" xmlns:p="http://schemas.openxmlformats.org/presentationml/2006/main">
-  <p:cSld>
-    <p:spTree>
-      <p:nvGrpSpPr>
-        <p:cNvPr id="1" name=""/>
-        <p:cNvGrpSpPr/>
-        <p:nvPr/>
-      </p:nvGrpSpPr>
-      <p:grpSpPr>
-        <a:xfrm>
-          <a:off x="0" y="0"/>
-          <a:ext cx="0" cy="0"/>
-          <a:chOff x="0" y="0"/>
-          <a:chExt cx="0" cy="0"/>
-        </a:xfrm>
-      </p:grpSpPr>
-      <p:sp>
-        <p:nvSpPr>
-          <p:cNvPr id="2" name="Title 1"/>
-          <p:cNvSpPr>
-            <a:spLocks noGrp="1"/>
-          </p:cNvSpPr>
-          <p:nvPr>
-            <p:ph type="title"/>
-          </p:nvPr>
-        </p:nvSpPr>
-        <p:spPr/>
-        <p:txBody>
-          <a:bodyPr/>
-          <a:lstStyle/>
-          <a:p>
-            <a:r>
-              <a:rPr lang="en-US" dirty="0" smtClean="0"/>
-              <a:t>HARDWARE MANAGEMENT</a:t>
-            </a:r>
-            <a:endParaRPr lang="en-IN" dirty="0"/>
-          </a:p>
-        </p:txBody>
-      </p:sp>
-      <p:sp>
-        <p:nvSpPr>
-          <p:cNvPr id="3" name="Content Placeholder 2"/>
-          <p:cNvSpPr>
-            <a:spLocks noGrp="1"/>
-          </p:cNvSpPr>
-          <p:nvPr>
-            <p:ph idx="1"/>
-          </p:nvPr>
-        </p:nvSpPr>
-        <p:spPr/>
-        <p:txBody>
-          <a:bodyPr/>
-          <a:lstStyle/>
-          <a:p>
-            <a:endParaRPr lang="en-IN"/>
-          </a:p>
-        </p:txBody>
-      </p:sp>
-    </p:spTree>
-    <p:extLst>
-      <p:ext uri="{BB962C8B-B14F-4D97-AF65-F5344CB8AC3E}">
-        <p14:creationId xmlns:p14="http://schemas.microsoft.com/office/powerpoint/2010/main" val="2907784962"/>
-      </p:ext>
-    </p:extLst>
-  </p:cSld>
-  <p:clrMapOvr>
-    <a:masterClrMapping/>
-  </p:clrMapOvr>
-</p:sld>
-</file>
-
 <file path=ppt/slides/slide3.xml><?xml version="1.0" encoding="utf-8"?>
 <p:sld xmlns:a="http://schemas.openxmlformats.org/drawingml/2006/main" xmlns:r="http://schemas.openxmlformats.org/officeDocument/2006/relationships" xmlns:p="http://schemas.openxmlformats.org/presentationml/2006/main">
   <p:cSld>
@@ -14381,10 +15206,58 @@
           <a:bodyPr/>
           <a:lstStyle/>
           <a:p>
-            <a:endParaRPr lang="en-IN"/>
+            <a:r>
+              <a:rPr lang="en-US" dirty="0"/>
+              <a:t>Device driver  is a software  which gives a device its behavior</a:t>
+            </a:r>
+            <a:r>
+              <a:rPr lang="en-US" dirty="0" smtClean="0"/>
+              <a:t>.</a:t>
+            </a:r>
+          </a:p>
+          <a:p>
+            <a:r>
+              <a:rPr lang="en-US" dirty="0" smtClean="0"/>
+              <a:t> </a:t>
+            </a:r>
+            <a:r>
+              <a:rPr lang="en-US" dirty="0"/>
+              <a:t>Device driver is a piece of software which gives intelligence to hardware to make work as it should</a:t>
+            </a:r>
+            <a:endParaRPr lang="en-IN" dirty="0"/>
           </a:p>
         </p:txBody>
       </p:sp>
+      <p:pic>
+        <p:nvPicPr>
+          <p:cNvPr id="4" name="Picture 3" descr="Image1"/>
+          <p:cNvPicPr/>
+          <p:nvPr/>
+        </p:nvPicPr>
+        <p:blipFill>
+          <a:blip r:embed="rId2" cstate="print"/>
+          <a:srcRect/>
+          <a:stretch>
+            <a:fillRect/>
+          </a:stretch>
+        </p:blipFill>
+        <p:spPr bwMode="auto">
+          <a:xfrm>
+            <a:off x="2349500" y="3143250"/>
+            <a:ext cx="7493000" cy="3473450"/>
+          </a:xfrm>
+          <a:prstGeom prst="rect">
+            <a:avLst/>
+          </a:prstGeom>
+          <a:noFill/>
+          <a:ln w="9525">
+            <a:noFill/>
+            <a:miter lim="800000"/>
+            <a:headEnd/>
+            <a:tailEnd/>
+          </a:ln>
+        </p:spPr>
+      </p:pic>
     </p:spTree>
     <p:extLst>
       <p:ext uri="{BB962C8B-B14F-4D97-AF65-F5344CB8AC3E}">
@@ -14432,7 +15305,7 @@
           <a:p>
             <a:r>
               <a:rPr lang="en-US" dirty="0" smtClean="0"/>
-              <a:t>INTERRUPT HANDLING</a:t>
+              <a:t>Char device file creation</a:t>
             </a:r>
             <a:endParaRPr lang="en-IN" dirty="0"/>
           </a:p>
@@ -14460,7 +15333,7 @@
     </p:spTree>
     <p:extLst>
       <p:ext uri="{BB962C8B-B14F-4D97-AF65-F5344CB8AC3E}">
-        <p14:creationId xmlns:p14="http://schemas.microsoft.com/office/powerpoint/2010/main" val="2521435045"/>
+        <p14:creationId xmlns:p14="http://schemas.microsoft.com/office/powerpoint/2010/main" val="2501065746"/>
       </p:ext>
     </p:extLst>
   </p:cSld>
@@ -14497,14 +15370,23 @@
             <p:ph type="title"/>
           </p:nvPr>
         </p:nvSpPr>
-        <p:spPr/>
+        <p:spPr>
+          <a:xfrm>
+            <a:off x="838200" y="365125"/>
+            <a:ext cx="10515600" cy="1325563"/>
+          </a:xfrm>
+        </p:spPr>
         <p:txBody>
           <a:bodyPr/>
           <a:lstStyle/>
           <a:p>
             <a:r>
+              <a:rPr lang="en-US" dirty="0" err="1" smtClean="0"/>
+              <a:t>Cdev</a:t>
+            </a:r>
+            <a:r>
               <a:rPr lang="en-US" dirty="0" smtClean="0"/>
-              <a:t>CONCORRENCY AND RICE CONDITION</a:t>
+              <a:t> structure and file operations</a:t>
             </a:r>
             <a:endParaRPr lang="en-IN" dirty="0"/>
           </a:p>
@@ -14532,7 +15414,7 @@
     </p:spTree>
     <p:extLst>
       <p:ext uri="{BB962C8B-B14F-4D97-AF65-F5344CB8AC3E}">
-        <p14:creationId xmlns:p14="http://schemas.microsoft.com/office/powerpoint/2010/main" val="2958807930"/>
+        <p14:creationId xmlns:p14="http://schemas.microsoft.com/office/powerpoint/2010/main" val="3822581783"/>
       </p:ext>
     </p:extLst>
   </p:cSld>
@@ -14576,7 +15458,7 @@
           <a:p>
             <a:r>
               <a:rPr lang="en-US" dirty="0" smtClean="0"/>
-              <a:t>USB DEVICES</a:t>
+              <a:t>ADVANCED CHARACTER DRIVER OPERATIONS</a:t>
             </a:r>
             <a:endParaRPr lang="en-IN" dirty="0"/>
           </a:p>
@@ -14597,14 +15479,25 @@
           <a:bodyPr/>
           <a:lstStyle/>
           <a:p>
-            <a:endParaRPr lang="en-IN"/>
+            <a:r>
+              <a:rPr lang="en-US" dirty="0" err="1" smtClean="0"/>
+              <a:t>Lseek</a:t>
+            </a:r>
+            <a:endParaRPr lang="en-US" dirty="0" smtClean="0"/>
+          </a:p>
+          <a:p>
+            <a:r>
+              <a:rPr lang="en-US" dirty="0" err="1" smtClean="0"/>
+              <a:t>ioctl</a:t>
+            </a:r>
+            <a:endParaRPr lang="en-IN" dirty="0"/>
           </a:p>
         </p:txBody>
       </p:sp>
     </p:spTree>
     <p:extLst>
       <p:ext uri="{BB962C8B-B14F-4D97-AF65-F5344CB8AC3E}">
-        <p14:creationId xmlns:p14="http://schemas.microsoft.com/office/powerpoint/2010/main" val="1115652092"/>
+        <p14:creationId xmlns:p14="http://schemas.microsoft.com/office/powerpoint/2010/main" val="1391139471"/>
       </p:ext>
     </p:extLst>
   </p:cSld>
@@ -14648,7 +15541,7 @@
           <a:p>
             <a:r>
               <a:rPr lang="en-US" dirty="0" smtClean="0"/>
-              <a:t>BLOCK DEVICES</a:t>
+              <a:t>FLOW OF TIME</a:t>
             </a:r>
             <a:endParaRPr lang="en-IN" dirty="0"/>
           </a:p>
@@ -14676,7 +15569,7 @@
     </p:spTree>
     <p:extLst>
       <p:ext uri="{BB962C8B-B14F-4D97-AF65-F5344CB8AC3E}">
-        <p14:creationId xmlns:p14="http://schemas.microsoft.com/office/powerpoint/2010/main" val="3028707880"/>
+        <p14:creationId xmlns:p14="http://schemas.microsoft.com/office/powerpoint/2010/main" val="92878347"/>
       </p:ext>
     </p:extLst>
   </p:cSld>
@@ -14720,7 +15613,7 @@
           <a:p>
             <a:r>
               <a:rPr lang="en-US" dirty="0" smtClean="0"/>
-              <a:t>PCI INTERFACE</a:t>
+              <a:t>HARDWARE MANAGEMENT</a:t>
             </a:r>
             <a:endParaRPr lang="en-IN" dirty="0"/>
           </a:p>
@@ -14748,7 +15641,7 @@
     </p:spTree>
     <p:extLst>
       <p:ext uri="{BB962C8B-B14F-4D97-AF65-F5344CB8AC3E}">
-        <p14:creationId xmlns:p14="http://schemas.microsoft.com/office/powerpoint/2010/main" val="1666987590"/>
+        <p14:creationId xmlns:p14="http://schemas.microsoft.com/office/powerpoint/2010/main" val="2907784962"/>
       </p:ext>
     </p:extLst>
   </p:cSld>
@@ -14792,7 +15685,7 @@
           <a:p>
             <a:r>
               <a:rPr lang="en-US" dirty="0" smtClean="0"/>
-              <a:t>LINUX DEVICE MODEL</a:t>
+              <a:t>INTERRUPT HANDLING</a:t>
             </a:r>
             <a:endParaRPr lang="en-IN" dirty="0"/>
           </a:p>
@@ -14820,7 +15713,7 @@
     </p:spTree>
     <p:extLst>
       <p:ext uri="{BB962C8B-B14F-4D97-AF65-F5344CB8AC3E}">
-        <p14:creationId xmlns:p14="http://schemas.microsoft.com/office/powerpoint/2010/main" val="2790520241"/>
+        <p14:creationId xmlns:p14="http://schemas.microsoft.com/office/powerpoint/2010/main" val="2521435045"/>
       </p:ext>
     </p:extLst>
   </p:cSld>
@@ -14864,7 +15757,7 @@
           <a:p>
             <a:r>
               <a:rPr lang="en-US" dirty="0" smtClean="0"/>
-              <a:t>LINUX KERNEL BUILD AND STATIC LINKING</a:t>
+              <a:t>CONCORRENCY AND RICE CONDITION</a:t>
             </a:r>
             <a:endParaRPr lang="en-IN" dirty="0"/>
           </a:p>
@@ -14892,7 +15785,7 @@
     </p:spTree>
     <p:extLst>
       <p:ext uri="{BB962C8B-B14F-4D97-AF65-F5344CB8AC3E}">
-        <p14:creationId xmlns:p14="http://schemas.microsoft.com/office/powerpoint/2010/main" val="3827052536"/>
+        <p14:creationId xmlns:p14="http://schemas.microsoft.com/office/powerpoint/2010/main" val="2958807930"/>
       </p:ext>
     </p:extLst>
   </p:cSld>
@@ -14936,7 +15829,7 @@
           <a:p>
             <a:r>
               <a:rPr lang="en-US" dirty="0" smtClean="0"/>
-              <a:t>SERIAL PORT</a:t>
+              <a:t>USB DEVICES</a:t>
             </a:r>
             <a:endParaRPr lang="en-IN" dirty="0"/>
           </a:p>
@@ -14964,7 +15857,7 @@
     </p:spTree>
     <p:extLst>
       <p:ext uri="{BB962C8B-B14F-4D97-AF65-F5344CB8AC3E}">
-        <p14:creationId xmlns:p14="http://schemas.microsoft.com/office/powerpoint/2010/main" val="2655153619"/>
+        <p14:creationId xmlns:p14="http://schemas.microsoft.com/office/powerpoint/2010/main" val="1115652092"/>
       </p:ext>
     </p:extLst>
   </p:cSld>
@@ -15008,7 +15901,7 @@
           <a:p>
             <a:r>
               <a:rPr lang="en-US" dirty="0" smtClean="0"/>
-              <a:t>PARALLEL PORT</a:t>
+              <a:t>BLOCK DEVICES</a:t>
             </a:r>
             <a:endParaRPr lang="en-IN" dirty="0"/>
           </a:p>
@@ -15036,7 +15929,7 @@
     </p:spTree>
     <p:extLst>
       <p:ext uri="{BB962C8B-B14F-4D97-AF65-F5344CB8AC3E}">
-        <p14:creationId xmlns:p14="http://schemas.microsoft.com/office/powerpoint/2010/main" val="3805137301"/>
+        <p14:creationId xmlns:p14="http://schemas.microsoft.com/office/powerpoint/2010/main" val="3028707880"/>
       </p:ext>
     </p:extLst>
   </p:cSld>
@@ -15080,7 +15973,7 @@
           <a:p>
             <a:r>
               <a:rPr lang="en-US" dirty="0" smtClean="0"/>
-              <a:t>BEAGLE BONE BLACK</a:t>
+              <a:t>PCI INTERFACE</a:t>
             </a:r>
             <a:endParaRPr lang="en-IN" dirty="0"/>
           </a:p>
@@ -15108,7 +16001,7 @@
     </p:spTree>
     <p:extLst>
       <p:ext uri="{BB962C8B-B14F-4D97-AF65-F5344CB8AC3E}">
-        <p14:creationId xmlns:p14="http://schemas.microsoft.com/office/powerpoint/2010/main" val="2923373928"/>
+        <p14:creationId xmlns:p14="http://schemas.microsoft.com/office/powerpoint/2010/main" val="1666987590"/>
       </p:ext>
     </p:extLst>
   </p:cSld>
@@ -15151,8 +16044,98 @@
           <a:lstStyle/>
           <a:p>
             <a:r>
+              <a:rPr lang="en-IN" dirty="0"/>
+              <a:t>Device and driver interaction</a:t>
+            </a:r>
+            <a:endParaRPr lang="en-IN" dirty="0"/>
+          </a:p>
+        </p:txBody>
+      </p:sp>
+      <p:pic>
+        <p:nvPicPr>
+          <p:cNvPr id="5" name="Content Placeholder 4" descr="https://www.opensourceforu.com/wp-content/uploads/2010/11/ldd1.jpg"/>
+          <p:cNvPicPr>
+            <a:picLocks noGrp="1"/>
+          </p:cNvPicPr>
+          <p:nvPr>
+            <p:ph idx="1"/>
+          </p:nvPr>
+        </p:nvPicPr>
+        <p:blipFill>
+          <a:blip r:embed="rId2">
+            <a:extLst>
+              <a:ext uri="{28A0092B-C50C-407E-A947-70E740481C1C}">
+                <a14:useLocalDpi xmlns:a14="http://schemas.microsoft.com/office/drawing/2010/main" val="0"/>
+              </a:ext>
+            </a:extLst>
+          </a:blip>
+          <a:srcRect/>
+          <a:stretch>
+            <a:fillRect/>
+          </a:stretch>
+        </p:blipFill>
+        <p:spPr bwMode="auto">
+          <a:xfrm>
+            <a:off x="1257300" y="1690688"/>
+            <a:ext cx="9793698" cy="4684712"/>
+          </a:xfrm>
+          <a:prstGeom prst="rect">
+            <a:avLst/>
+          </a:prstGeom>
+          <a:noFill/>
+          <a:ln>
+            <a:noFill/>
+          </a:ln>
+        </p:spPr>
+      </p:pic>
+    </p:spTree>
+    <p:extLst>
+      <p:ext uri="{BB962C8B-B14F-4D97-AF65-F5344CB8AC3E}">
+        <p14:creationId xmlns:p14="http://schemas.microsoft.com/office/powerpoint/2010/main" val="310944349"/>
+      </p:ext>
+    </p:extLst>
+  </p:cSld>
+  <p:clrMapOvr>
+    <a:masterClrMapping/>
+  </p:clrMapOvr>
+</p:sld>
+</file>
+
+<file path=ppt/slides/slide40.xml><?xml version="1.0" encoding="utf-8"?>
+<p:sld xmlns:a="http://schemas.openxmlformats.org/drawingml/2006/main" xmlns:r="http://schemas.openxmlformats.org/officeDocument/2006/relationships" xmlns:p="http://schemas.openxmlformats.org/presentationml/2006/main">
+  <p:cSld>
+    <p:spTree>
+      <p:nvGrpSpPr>
+        <p:cNvPr id="1" name=""/>
+        <p:cNvGrpSpPr/>
+        <p:nvPr/>
+      </p:nvGrpSpPr>
+      <p:grpSpPr>
+        <a:xfrm>
+          <a:off x="0" y="0"/>
+          <a:ext cx="0" cy="0"/>
+          <a:chOff x="0" y="0"/>
+          <a:chExt cx="0" cy="0"/>
+        </a:xfrm>
+      </p:grpSpPr>
+      <p:sp>
+        <p:nvSpPr>
+          <p:cNvPr id="2" name="Title 1"/>
+          <p:cNvSpPr>
+            <a:spLocks noGrp="1"/>
+          </p:cNvSpPr>
+          <p:nvPr>
+            <p:ph type="title"/>
+          </p:nvPr>
+        </p:nvSpPr>
+        <p:spPr/>
+        <p:txBody>
+          <a:bodyPr/>
+          <a:lstStyle/>
+          <a:p>
+            <a:r>
               <a:rPr lang="en-US" dirty="0" smtClean="0"/>
-              <a:t>Why should we need a driver?</a:t>
+              <a:t>LINUX DEVICE MODEL</a:t>
             </a:r>
             <a:endParaRPr lang="en-IN" dirty="0"/>
           </a:p>
@@ -15180,7 +16163,295 @@
     </p:spTree>
     <p:extLst>
       <p:ext uri="{BB962C8B-B14F-4D97-AF65-F5344CB8AC3E}">
-        <p14:creationId xmlns:p14="http://schemas.microsoft.com/office/powerpoint/2010/main" val="1988497486"/>
+        <p14:creationId xmlns:p14="http://schemas.microsoft.com/office/powerpoint/2010/main" val="2790520241"/>
+      </p:ext>
+    </p:extLst>
+  </p:cSld>
+  <p:clrMapOvr>
+    <a:masterClrMapping/>
+  </p:clrMapOvr>
+</p:sld>
+</file>
+
+<file path=ppt/slides/slide41.xml><?xml version="1.0" encoding="utf-8"?>
+<p:sld xmlns:a="http://schemas.openxmlformats.org/drawingml/2006/main" xmlns:r="http://schemas.openxmlformats.org/officeDocument/2006/relationships" xmlns:p="http://schemas.openxmlformats.org/presentationml/2006/main">
+  <p:cSld>
+    <p:spTree>
+      <p:nvGrpSpPr>
+        <p:cNvPr id="1" name=""/>
+        <p:cNvGrpSpPr/>
+        <p:nvPr/>
+      </p:nvGrpSpPr>
+      <p:grpSpPr>
+        <a:xfrm>
+          <a:off x="0" y="0"/>
+          <a:ext cx="0" cy="0"/>
+          <a:chOff x="0" y="0"/>
+          <a:chExt cx="0" cy="0"/>
+        </a:xfrm>
+      </p:grpSpPr>
+      <p:sp>
+        <p:nvSpPr>
+          <p:cNvPr id="2" name="Title 1"/>
+          <p:cNvSpPr>
+            <a:spLocks noGrp="1"/>
+          </p:cNvSpPr>
+          <p:nvPr>
+            <p:ph type="title"/>
+          </p:nvPr>
+        </p:nvSpPr>
+        <p:spPr/>
+        <p:txBody>
+          <a:bodyPr/>
+          <a:lstStyle/>
+          <a:p>
+            <a:r>
+              <a:rPr lang="en-US" dirty="0" smtClean="0"/>
+              <a:t>LINUX KERNEL BUILD AND STATIC LINKING</a:t>
+            </a:r>
+            <a:endParaRPr lang="en-IN" dirty="0"/>
+          </a:p>
+        </p:txBody>
+      </p:sp>
+      <p:sp>
+        <p:nvSpPr>
+          <p:cNvPr id="3" name="Content Placeholder 2"/>
+          <p:cNvSpPr>
+            <a:spLocks noGrp="1"/>
+          </p:cNvSpPr>
+          <p:nvPr>
+            <p:ph idx="1"/>
+          </p:nvPr>
+        </p:nvSpPr>
+        <p:spPr/>
+        <p:txBody>
+          <a:bodyPr/>
+          <a:lstStyle/>
+          <a:p>
+            <a:endParaRPr lang="en-IN"/>
+          </a:p>
+        </p:txBody>
+      </p:sp>
+    </p:spTree>
+    <p:extLst>
+      <p:ext uri="{BB962C8B-B14F-4D97-AF65-F5344CB8AC3E}">
+        <p14:creationId xmlns:p14="http://schemas.microsoft.com/office/powerpoint/2010/main" val="3827052536"/>
+      </p:ext>
+    </p:extLst>
+  </p:cSld>
+  <p:clrMapOvr>
+    <a:masterClrMapping/>
+  </p:clrMapOvr>
+</p:sld>
+</file>
+
+<file path=ppt/slides/slide42.xml><?xml version="1.0" encoding="utf-8"?>
+<p:sld xmlns:a="http://schemas.openxmlformats.org/drawingml/2006/main" xmlns:r="http://schemas.openxmlformats.org/officeDocument/2006/relationships" xmlns:p="http://schemas.openxmlformats.org/presentationml/2006/main">
+  <p:cSld>
+    <p:spTree>
+      <p:nvGrpSpPr>
+        <p:cNvPr id="1" name=""/>
+        <p:cNvGrpSpPr/>
+        <p:nvPr/>
+      </p:nvGrpSpPr>
+      <p:grpSpPr>
+        <a:xfrm>
+          <a:off x="0" y="0"/>
+          <a:ext cx="0" cy="0"/>
+          <a:chOff x="0" y="0"/>
+          <a:chExt cx="0" cy="0"/>
+        </a:xfrm>
+      </p:grpSpPr>
+      <p:sp>
+        <p:nvSpPr>
+          <p:cNvPr id="2" name="Title 1"/>
+          <p:cNvSpPr>
+            <a:spLocks noGrp="1"/>
+          </p:cNvSpPr>
+          <p:nvPr>
+            <p:ph type="title"/>
+          </p:nvPr>
+        </p:nvSpPr>
+        <p:spPr/>
+        <p:txBody>
+          <a:bodyPr/>
+          <a:lstStyle/>
+          <a:p>
+            <a:r>
+              <a:rPr lang="en-US" dirty="0" smtClean="0"/>
+              <a:t>SERIAL PORT</a:t>
+            </a:r>
+            <a:endParaRPr lang="en-IN" dirty="0"/>
+          </a:p>
+        </p:txBody>
+      </p:sp>
+      <p:sp>
+        <p:nvSpPr>
+          <p:cNvPr id="3" name="Content Placeholder 2"/>
+          <p:cNvSpPr>
+            <a:spLocks noGrp="1"/>
+          </p:cNvSpPr>
+          <p:nvPr>
+            <p:ph idx="1"/>
+          </p:nvPr>
+        </p:nvSpPr>
+        <p:spPr/>
+        <p:txBody>
+          <a:bodyPr/>
+          <a:lstStyle/>
+          <a:p>
+            <a:endParaRPr lang="en-IN"/>
+          </a:p>
+        </p:txBody>
+      </p:sp>
+    </p:spTree>
+    <p:extLst>
+      <p:ext uri="{BB962C8B-B14F-4D97-AF65-F5344CB8AC3E}">
+        <p14:creationId xmlns:p14="http://schemas.microsoft.com/office/powerpoint/2010/main" val="2655153619"/>
+      </p:ext>
+    </p:extLst>
+  </p:cSld>
+  <p:clrMapOvr>
+    <a:masterClrMapping/>
+  </p:clrMapOvr>
+</p:sld>
+</file>
+
+<file path=ppt/slides/slide43.xml><?xml version="1.0" encoding="utf-8"?>
+<p:sld xmlns:a="http://schemas.openxmlformats.org/drawingml/2006/main" xmlns:r="http://schemas.openxmlformats.org/officeDocument/2006/relationships" xmlns:p="http://schemas.openxmlformats.org/presentationml/2006/main">
+  <p:cSld>
+    <p:spTree>
+      <p:nvGrpSpPr>
+        <p:cNvPr id="1" name=""/>
+        <p:cNvGrpSpPr/>
+        <p:nvPr/>
+      </p:nvGrpSpPr>
+      <p:grpSpPr>
+        <a:xfrm>
+          <a:off x="0" y="0"/>
+          <a:ext cx="0" cy="0"/>
+          <a:chOff x="0" y="0"/>
+          <a:chExt cx="0" cy="0"/>
+        </a:xfrm>
+      </p:grpSpPr>
+      <p:sp>
+        <p:nvSpPr>
+          <p:cNvPr id="2" name="Title 1"/>
+          <p:cNvSpPr>
+            <a:spLocks noGrp="1"/>
+          </p:cNvSpPr>
+          <p:nvPr>
+            <p:ph type="title"/>
+          </p:nvPr>
+        </p:nvSpPr>
+        <p:spPr/>
+        <p:txBody>
+          <a:bodyPr/>
+          <a:lstStyle/>
+          <a:p>
+            <a:r>
+              <a:rPr lang="en-US" dirty="0" smtClean="0"/>
+              <a:t>PARALLEL PORT</a:t>
+            </a:r>
+            <a:endParaRPr lang="en-IN" dirty="0"/>
+          </a:p>
+        </p:txBody>
+      </p:sp>
+      <p:sp>
+        <p:nvSpPr>
+          <p:cNvPr id="3" name="Content Placeholder 2"/>
+          <p:cNvSpPr>
+            <a:spLocks noGrp="1"/>
+          </p:cNvSpPr>
+          <p:nvPr>
+            <p:ph idx="1"/>
+          </p:nvPr>
+        </p:nvSpPr>
+        <p:spPr/>
+        <p:txBody>
+          <a:bodyPr/>
+          <a:lstStyle/>
+          <a:p>
+            <a:endParaRPr lang="en-IN"/>
+          </a:p>
+        </p:txBody>
+      </p:sp>
+    </p:spTree>
+    <p:extLst>
+      <p:ext uri="{BB962C8B-B14F-4D97-AF65-F5344CB8AC3E}">
+        <p14:creationId xmlns:p14="http://schemas.microsoft.com/office/powerpoint/2010/main" val="3805137301"/>
+      </p:ext>
+    </p:extLst>
+  </p:cSld>
+  <p:clrMapOvr>
+    <a:masterClrMapping/>
+  </p:clrMapOvr>
+</p:sld>
+</file>
+
+<file path=ppt/slides/slide44.xml><?xml version="1.0" encoding="utf-8"?>
+<p:sld xmlns:a="http://schemas.openxmlformats.org/drawingml/2006/main" xmlns:r="http://schemas.openxmlformats.org/officeDocument/2006/relationships" xmlns:p="http://schemas.openxmlformats.org/presentationml/2006/main">
+  <p:cSld>
+    <p:spTree>
+      <p:nvGrpSpPr>
+        <p:cNvPr id="1" name=""/>
+        <p:cNvGrpSpPr/>
+        <p:nvPr/>
+      </p:nvGrpSpPr>
+      <p:grpSpPr>
+        <a:xfrm>
+          <a:off x="0" y="0"/>
+          <a:ext cx="0" cy="0"/>
+          <a:chOff x="0" y="0"/>
+          <a:chExt cx="0" cy="0"/>
+        </a:xfrm>
+      </p:grpSpPr>
+      <p:sp>
+        <p:nvSpPr>
+          <p:cNvPr id="2" name="Title 1"/>
+          <p:cNvSpPr>
+            <a:spLocks noGrp="1"/>
+          </p:cNvSpPr>
+          <p:nvPr>
+            <p:ph type="title"/>
+          </p:nvPr>
+        </p:nvSpPr>
+        <p:spPr/>
+        <p:txBody>
+          <a:bodyPr/>
+          <a:lstStyle/>
+          <a:p>
+            <a:r>
+              <a:rPr lang="en-US" dirty="0" smtClean="0"/>
+              <a:t>BEAGLE BONE BLACK</a:t>
+            </a:r>
+            <a:endParaRPr lang="en-IN" dirty="0"/>
+          </a:p>
+        </p:txBody>
+      </p:sp>
+      <p:sp>
+        <p:nvSpPr>
+          <p:cNvPr id="3" name="Content Placeholder 2"/>
+          <p:cNvSpPr>
+            <a:spLocks noGrp="1"/>
+          </p:cNvSpPr>
+          <p:nvPr>
+            <p:ph idx="1"/>
+          </p:nvPr>
+        </p:nvSpPr>
+        <p:spPr/>
+        <p:txBody>
+          <a:bodyPr/>
+          <a:lstStyle/>
+          <a:p>
+            <a:endParaRPr lang="en-IN"/>
+          </a:p>
+        </p:txBody>
+      </p:sp>
+    </p:spTree>
+    <p:extLst>
+      <p:ext uri="{BB962C8B-B14F-4D97-AF65-F5344CB8AC3E}">
+        <p14:creationId xmlns:p14="http://schemas.microsoft.com/office/powerpoint/2010/main" val="2923373928"/>
       </p:ext>
     </p:extLst>
   </p:cSld>
@@ -15222,37 +16493,53 @@
           <a:bodyPr/>
           <a:lstStyle/>
           <a:p>
-            <a:r>
-              <a:rPr lang="en-US" dirty="0" smtClean="0"/>
-              <a:t>Advantages of device driver:</a:t>
-            </a:r>
-            <a:endParaRPr lang="en-IN" dirty="0"/>
+            <a:endParaRPr lang="en-IN"/>
           </a:p>
         </p:txBody>
       </p:sp>
-      <p:sp>
-        <p:nvSpPr>
-          <p:cNvPr id="3" name="Content Placeholder 2"/>
-          <p:cNvSpPr>
-            <a:spLocks noGrp="1"/>
-          </p:cNvSpPr>
+      <p:pic>
+        <p:nvPicPr>
+          <p:cNvPr id="4" name="Content Placeholder 3" descr="Linux device driver partition">
+            <a:hlinkClick r:id="rId2"/>
+          </p:cNvPr>
+          <p:cNvPicPr>
+            <a:picLocks noGrp="1"/>
+          </p:cNvPicPr>
           <p:nvPr>
             <p:ph idx="1"/>
           </p:nvPr>
-        </p:nvSpPr>
-        <p:spPr/>
-        <p:txBody>
-          <a:bodyPr/>
-          <a:lstStyle/>
-          <a:p>
-            <a:endParaRPr lang="en-IN"/>
-          </a:p>
-        </p:txBody>
-      </p:sp>
+        </p:nvPicPr>
+        <p:blipFill>
+          <a:blip r:embed="rId3">
+            <a:extLst>
+              <a:ext uri="{28A0092B-C50C-407E-A947-70E740481C1C}">
+                <a14:useLocalDpi xmlns:a14="http://schemas.microsoft.com/office/drawing/2010/main" val="0"/>
+              </a:ext>
+            </a:extLst>
+          </a:blip>
+          <a:srcRect/>
+          <a:stretch>
+            <a:fillRect/>
+          </a:stretch>
+        </p:blipFill>
+        <p:spPr bwMode="auto">
+          <a:xfrm>
+            <a:off x="2700115" y="1825625"/>
+            <a:ext cx="6791770" cy="4351338"/>
+          </a:xfrm>
+          <a:prstGeom prst="rect">
+            <a:avLst/>
+          </a:prstGeom>
+          <a:noFill/>
+          <a:ln>
+            <a:noFill/>
+          </a:ln>
+        </p:spPr>
+      </p:pic>
     </p:spTree>
     <p:extLst>
       <p:ext uri="{BB962C8B-B14F-4D97-AF65-F5344CB8AC3E}">
-        <p14:creationId xmlns:p14="http://schemas.microsoft.com/office/powerpoint/2010/main" val="4156680621"/>
+        <p14:creationId xmlns:p14="http://schemas.microsoft.com/office/powerpoint/2010/main" val="1466752207"/>
       </p:ext>
     </p:extLst>
   </p:cSld>
@@ -15294,37 +16581,53 @@
           <a:bodyPr/>
           <a:lstStyle/>
           <a:p>
-            <a:r>
-              <a:rPr lang="en-US" dirty="0" smtClean="0"/>
-              <a:t>Types of Drivers:</a:t>
-            </a:r>
-            <a:endParaRPr lang="en-IN" dirty="0"/>
+            <a:endParaRPr lang="en-IN"/>
           </a:p>
         </p:txBody>
       </p:sp>
-      <p:sp>
-        <p:nvSpPr>
-          <p:cNvPr id="3" name="Content Placeholder 2"/>
-          <p:cNvSpPr>
-            <a:spLocks noGrp="1"/>
-          </p:cNvSpPr>
+      <p:pic>
+        <p:nvPicPr>
+          <p:cNvPr id="4" name="Content Placeholder 3" descr="Linux kernel overview">
+            <a:hlinkClick r:id="rId2"/>
+          </p:cNvPr>
+          <p:cNvPicPr>
+            <a:picLocks noGrp="1"/>
+          </p:cNvPicPr>
           <p:nvPr>
             <p:ph idx="1"/>
           </p:nvPr>
-        </p:nvSpPr>
-        <p:spPr/>
-        <p:txBody>
-          <a:bodyPr/>
-          <a:lstStyle/>
-          <a:p>
-            <a:endParaRPr lang="en-IN"/>
-          </a:p>
-        </p:txBody>
-      </p:sp>
+        </p:nvPicPr>
+        <p:blipFill>
+          <a:blip r:embed="rId3">
+            <a:extLst>
+              <a:ext uri="{28A0092B-C50C-407E-A947-70E740481C1C}">
+                <a14:useLocalDpi xmlns:a14="http://schemas.microsoft.com/office/drawing/2010/main" val="0"/>
+              </a:ext>
+            </a:extLst>
+          </a:blip>
+          <a:srcRect/>
+          <a:stretch>
+            <a:fillRect/>
+          </a:stretch>
+        </p:blipFill>
+        <p:spPr bwMode="auto">
+          <a:xfrm>
+            <a:off x="2428444" y="1825625"/>
+            <a:ext cx="7335112" cy="4351338"/>
+          </a:xfrm>
+          <a:prstGeom prst="rect">
+            <a:avLst/>
+          </a:prstGeom>
+          <a:noFill/>
+          <a:ln>
+            <a:noFill/>
+          </a:ln>
+        </p:spPr>
+      </p:pic>
     </p:spTree>
     <p:extLst>
       <p:ext uri="{BB962C8B-B14F-4D97-AF65-F5344CB8AC3E}">
-        <p14:creationId xmlns:p14="http://schemas.microsoft.com/office/powerpoint/2010/main" val="2761242267"/>
+        <p14:creationId xmlns:p14="http://schemas.microsoft.com/office/powerpoint/2010/main" val="2871354049"/>
       </p:ext>
     </p:extLst>
   </p:cSld>
@@ -15368,7 +16671,7 @@
           <a:p>
             <a:r>
               <a:rPr lang="en-US" dirty="0" smtClean="0"/>
-              <a:t>Kernel versioning:</a:t>
+              <a:t>Why should we need a driver?</a:t>
             </a:r>
             <a:endParaRPr lang="en-IN" dirty="0"/>
           </a:p>
@@ -15396,7 +16699,7 @@
     </p:spTree>
     <p:extLst>
       <p:ext uri="{BB962C8B-B14F-4D97-AF65-F5344CB8AC3E}">
-        <p14:creationId xmlns:p14="http://schemas.microsoft.com/office/powerpoint/2010/main" val="3548848192"/>
+        <p14:creationId xmlns:p14="http://schemas.microsoft.com/office/powerpoint/2010/main" val="1988497486"/>
       </p:ext>
     </p:extLst>
   </p:cSld>
@@ -15440,7 +16743,7 @@
           <a:p>
             <a:r>
               <a:rPr lang="en-US" dirty="0" smtClean="0"/>
-              <a:t>Modules and classes:</a:t>
+              <a:t>Advantages of device driver:</a:t>
             </a:r>
             <a:endParaRPr lang="en-IN" dirty="0"/>
           </a:p>
@@ -15468,7 +16771,7 @@
     </p:spTree>
     <p:extLst>
       <p:ext uri="{BB962C8B-B14F-4D97-AF65-F5344CB8AC3E}">
-        <p14:creationId xmlns:p14="http://schemas.microsoft.com/office/powerpoint/2010/main" val="785913305"/>
+        <p14:creationId xmlns:p14="http://schemas.microsoft.com/office/powerpoint/2010/main" val="4156680621"/>
       </p:ext>
     </p:extLst>
   </p:cSld>
@@ -15512,7 +16815,15 @@
           <a:p>
             <a:r>
               <a:rPr lang="en-US" dirty="0" smtClean="0"/>
-              <a:t>Security issues:</a:t>
+              <a:t>Features of </a:t>
+            </a:r>
+            <a:r>
+              <a:rPr lang="en-US" dirty="0" err="1" smtClean="0"/>
+              <a:t>linux</a:t>
+            </a:r>
+            <a:r>
+              <a:rPr lang="en-US" dirty="0" smtClean="0"/>
+              <a:t> kernel</a:t>
             </a:r>
             <a:endParaRPr lang="en-IN" dirty="0"/>
           </a:p>
@@ -15533,14 +16844,42 @@
           <a:bodyPr/>
           <a:lstStyle/>
           <a:p>
-            <a:endParaRPr lang="en-IN"/>
+            <a:pPr lvl="0"/>
+            <a:r>
+              <a:rPr lang="en-US" dirty="0"/>
+              <a:t>Does not have access to C library.</a:t>
+            </a:r>
+            <a:endParaRPr lang="en-IN" dirty="0"/>
+          </a:p>
+          <a:p>
+            <a:pPr lvl="0"/>
+            <a:r>
+              <a:rPr lang="en-US" dirty="0"/>
+              <a:t>Kernel stack is fixed </a:t>
+            </a:r>
+            <a:endParaRPr lang="en-IN" dirty="0"/>
+          </a:p>
+          <a:p>
+            <a:pPr lvl="0"/>
+            <a:r>
+              <a:rPr lang="en-US" dirty="0"/>
+              <a:t>Kernel cannot easily use floating point</a:t>
+            </a:r>
+            <a:endParaRPr lang="en-IN" dirty="0"/>
+          </a:p>
+          <a:p>
+            <a:r>
+              <a:rPr lang="en-US" dirty="0"/>
+              <a:t>No memory protection in kernel space</a:t>
+            </a:r>
+            <a:endParaRPr lang="en-IN" dirty="0"/>
           </a:p>
         </p:txBody>
       </p:sp>
     </p:spTree>
     <p:extLst>
       <p:ext uri="{BB962C8B-B14F-4D97-AF65-F5344CB8AC3E}">
-        <p14:creationId xmlns:p14="http://schemas.microsoft.com/office/powerpoint/2010/main" val="1186458178"/>
+        <p14:creationId xmlns:p14="http://schemas.microsoft.com/office/powerpoint/2010/main" val="3633716139"/>
       </p:ext>
     </p:extLst>
   </p:cSld>
